--- a/docs/architecture.pptx
+++ b/docs/architecture.pptx
@@ -5,13 +5,14 @@
     <p:sldMasterId id="2147483648" r:id="rId1"/>
   </p:sldMasterIdLst>
   <p:notesMasterIdLst>
-    <p:notesMasterId r:id="rId3"/>
+    <p:notesMasterId r:id="rId4"/>
   </p:notesMasterIdLst>
   <p:handoutMasterIdLst>
-    <p:handoutMasterId r:id="rId4"/>
+    <p:handoutMasterId r:id="rId5"/>
   </p:handoutMasterIdLst>
   <p:sldIdLst>
-    <p:sldId id="326" r:id="rId2"/>
+    <p:sldId id="328" r:id="rId2"/>
+    <p:sldId id="326" r:id="rId3"/>
   </p:sldIdLst>
   <p:sldSz cx="12192000" cy="6858000"/>
   <p:notesSz cx="6858000" cy="9144000"/>
@@ -113,6 +114,11 @@
   <p:extLst>
     <p:ext uri="{521415D9-36F7-43E2-AB2F-B90AF26B5E84}">
       <p14:sectionLst xmlns:p14="http://schemas.microsoft.com/office/powerpoint/2010/main">
+        <p14:section name="DMC 報警開發套件使用說明" id="{78A33706-4931-42B3-A915-BC5C6F86F8A3}">
+          <p14:sldIdLst>
+            <p14:sldId id="328"/>
+          </p14:sldIdLst>
+        </p14:section>
         <p14:section name="DMC 報警開發套件架構" id="{201097EF-F755-49B3-8EA5-391A3E8DC669}">
           <p14:sldIdLst>
             <p14:sldId id="326"/>
@@ -709,6 +715,90 @@
             <a:fld id="{C501CC72-D301-4DE8-A123-8E6C5894F0EF}" type="slidenum">
               <a:rPr lang="zh-TW" altLang="en-US" smtClean="0"/>
               <a:t>1</a:t>
+            </a:fld>
+            <a:endParaRPr lang="zh-TW" altLang="en-US"/>
+          </a:p>
+        </p:txBody>
+      </p:sp>
+    </p:spTree>
+    <p:extLst>
+      <p:ext uri="{BB962C8B-B14F-4D97-AF65-F5344CB8AC3E}">
+        <p14:creationId xmlns:p14="http://schemas.microsoft.com/office/powerpoint/2010/main" val="3966596365"/>
+      </p:ext>
+    </p:extLst>
+  </p:cSld>
+  <p:clrMapOvr>
+    <a:masterClrMapping/>
+  </p:clrMapOvr>
+</p:notes>
+</file>
+
+<file path=ppt/notesSlides/notesSlide2.xml><?xml version="1.0" encoding="utf-8"?>
+<p:notes xmlns:a="http://schemas.openxmlformats.org/drawingml/2006/main" xmlns:r="http://schemas.openxmlformats.org/officeDocument/2006/relationships" xmlns:p="http://schemas.openxmlformats.org/presentationml/2006/main">
+  <p:cSld>
+    <p:spTree>
+      <p:nvGrpSpPr>
+        <p:cNvPr id="1" name=""/>
+        <p:cNvGrpSpPr/>
+        <p:nvPr/>
+      </p:nvGrpSpPr>
+      <p:grpSpPr>
+        <a:xfrm>
+          <a:off x="0" y="0"/>
+          <a:ext cx="0" cy="0"/>
+          <a:chOff x="0" y="0"/>
+          <a:chExt cx="0" cy="0"/>
+        </a:xfrm>
+      </p:grpSpPr>
+      <p:sp>
+        <p:nvSpPr>
+          <p:cNvPr id="2" name="投影片圖像版面配置區 1"/>
+          <p:cNvSpPr>
+            <a:spLocks noGrp="1" noRot="1" noChangeAspect="1"/>
+          </p:cNvSpPr>
+          <p:nvPr>
+            <p:ph type="sldImg"/>
+          </p:nvPr>
+        </p:nvSpPr>
+        <p:spPr/>
+      </p:sp>
+      <p:sp>
+        <p:nvSpPr>
+          <p:cNvPr id="3" name="備忘稿版面配置區 2"/>
+          <p:cNvSpPr>
+            <a:spLocks noGrp="1"/>
+          </p:cNvSpPr>
+          <p:nvPr>
+            <p:ph type="body" idx="1"/>
+          </p:nvPr>
+        </p:nvSpPr>
+        <p:spPr/>
+        <p:txBody>
+          <a:bodyPr/>
+          <a:lstStyle/>
+          <a:p>
+            <a:endParaRPr lang="zh-TW" altLang="en-US" dirty="0"/>
+          </a:p>
+        </p:txBody>
+      </p:sp>
+      <p:sp>
+        <p:nvSpPr>
+          <p:cNvPr id="4" name="投影片編號版面配置區 3"/>
+          <p:cNvSpPr>
+            <a:spLocks noGrp="1"/>
+          </p:cNvSpPr>
+          <p:nvPr>
+            <p:ph type="sldNum" sz="quarter" idx="10"/>
+          </p:nvPr>
+        </p:nvSpPr>
+        <p:spPr/>
+        <p:txBody>
+          <a:bodyPr/>
+          <a:lstStyle/>
+          <a:p>
+            <a:fld id="{C501CC72-D301-4DE8-A123-8E6C5894F0EF}" type="slidenum">
+              <a:rPr lang="zh-TW" altLang="en-US" smtClean="0"/>
+              <a:t>2</a:t>
             </a:fld>
             <a:endParaRPr lang="zh-TW" altLang="en-US"/>
           </a:p>
@@ -3566,57 +3656,6 @@
       </p:grpSpPr>
       <p:sp>
         <p:nvSpPr>
-          <p:cNvPr id="17" name="矩形 16"/>
-          <p:cNvSpPr/>
-          <p:nvPr/>
-        </p:nvSpPr>
-        <p:spPr>
-          <a:xfrm>
-            <a:off x="460373" y="2224997"/>
-            <a:ext cx="11141600" cy="3858935"/>
-          </a:xfrm>
-          <a:prstGeom prst="rect">
-            <a:avLst/>
-          </a:prstGeom>
-          <a:solidFill>
-            <a:srgbClr val="FAFAFA"/>
-          </a:solidFill>
-          <a:ln w="9525">
-            <a:solidFill>
-              <a:schemeClr val="bg1">
-                <a:lumMod val="85000"/>
-              </a:schemeClr>
-            </a:solidFill>
-            <a:prstDash val="lgDash"/>
-          </a:ln>
-        </p:spPr>
-        <p:style>
-          <a:lnRef idx="2">
-            <a:schemeClr val="accent1">
-              <a:shade val="50000"/>
-            </a:schemeClr>
-          </a:lnRef>
-          <a:fillRef idx="1">
-            <a:schemeClr val="accent1"/>
-          </a:fillRef>
-          <a:effectRef idx="0">
-            <a:schemeClr val="accent1"/>
-          </a:effectRef>
-          <a:fontRef idx="minor">
-            <a:schemeClr val="lt1"/>
-          </a:fontRef>
-        </p:style>
-        <p:txBody>
-          <a:bodyPr rtlCol="0" anchor="ctr"/>
-          <a:lstStyle/>
-          <a:p>
-            <a:pPr algn="ctr"/>
-            <a:endParaRPr lang="zh-TW" altLang="en-US"/>
-          </a:p>
-        </p:txBody>
-      </p:sp>
-      <p:sp>
-        <p:nvSpPr>
           <p:cNvPr id="4" name="標題 2"/>
           <p:cNvSpPr txBox="1">
             <a:spLocks/>
@@ -3845,6 +3884,1249 @@
               </a:rPr>
               <a:pPr algn="ctr"/>
               <a:t>1</a:t>
+            </a:fld>
+            <a:endParaRPr lang="zh-TW" altLang="en-US" dirty="0">
+              <a:solidFill>
+                <a:schemeClr val="bg1"/>
+              </a:solidFill>
+            </a:endParaRPr>
+          </a:p>
+        </p:txBody>
+      </p:sp>
+      <p:sp>
+        <p:nvSpPr>
+          <p:cNvPr id="62" name="AutoShape 24" descr="「elasticsearch icon」的圖片搜尋結果"/>
+          <p:cNvSpPr>
+            <a:spLocks noChangeAspect="1" noChangeArrowheads="1"/>
+          </p:cNvSpPr>
+          <p:nvPr/>
+        </p:nvSpPr>
+        <p:spPr bwMode="auto">
+          <a:xfrm>
+            <a:off x="155575" y="-144463"/>
+            <a:ext cx="304800" cy="304801"/>
+          </a:xfrm>
+          <a:prstGeom prst="rect">
+            <a:avLst/>
+          </a:prstGeom>
+          <a:noFill/>
+          <a:extLst>
+            <a:ext uri="{909E8E84-426E-40DD-AFC4-6F175D3DCCD1}">
+              <a14:hiddenFill xmlns:a14="http://schemas.microsoft.com/office/drawing/2010/main">
+                <a:solidFill>
+                  <a:srgbClr val="FFFFFF"/>
+                </a:solidFill>
+              </a14:hiddenFill>
+            </a:ext>
+          </a:extLst>
+        </p:spPr>
+        <p:txBody>
+          <a:bodyPr vert="horz" wrap="square" lIns="91440" tIns="45720" rIns="91440" bIns="45720" numCol="1" anchor="t" anchorCtr="0" compatLnSpc="1">
+            <a:prstTxWarp prst="textNoShape">
+              <a:avLst/>
+            </a:prstTxWarp>
+          </a:bodyPr>
+          <a:lstStyle/>
+          <a:p>
+            <a:endParaRPr lang="zh-TW" altLang="en-US"/>
+          </a:p>
+        </p:txBody>
+      </p:sp>
+      <p:sp>
+        <p:nvSpPr>
+          <p:cNvPr id="86" name="矩形 85"/>
+          <p:cNvSpPr/>
+          <p:nvPr/>
+        </p:nvSpPr>
+        <p:spPr>
+          <a:xfrm>
+            <a:off x="460375" y="1296659"/>
+            <a:ext cx="1890000" cy="468220"/>
+          </a:xfrm>
+          <a:prstGeom prst="rect">
+            <a:avLst/>
+          </a:prstGeom>
+          <a:solidFill>
+            <a:srgbClr val="0080A6"/>
+          </a:solidFill>
+          <a:ln>
+            <a:noFill/>
+          </a:ln>
+        </p:spPr>
+        <p:style>
+          <a:lnRef idx="2">
+            <a:schemeClr val="accent1">
+              <a:shade val="50000"/>
+            </a:schemeClr>
+          </a:lnRef>
+          <a:fillRef idx="1">
+            <a:schemeClr val="accent1"/>
+          </a:fillRef>
+          <a:effectRef idx="0">
+            <a:schemeClr val="accent1"/>
+          </a:effectRef>
+          <a:fontRef idx="minor">
+            <a:schemeClr val="lt1"/>
+          </a:fontRef>
+        </p:style>
+        <p:txBody>
+          <a:bodyPr rtlCol="0" anchor="ctr"/>
+          <a:lstStyle/>
+          <a:p>
+            <a:pPr algn="ctr"/>
+            <a:r>
+              <a:rPr lang="en-US" altLang="zh-TW" sz="1400" dirty="0" err="1">
+                <a:latin typeface="Consolas" panose="020B0609020204030204" pitchFamily="49" charset="0"/>
+              </a:rPr>
+              <a:t>alarmTrigger</a:t>
+            </a:r>
+            <a:endParaRPr lang="zh-TW" altLang="en-US" sz="1400" dirty="0">
+              <a:latin typeface="Consolas" panose="020B0609020204030204" pitchFamily="49" charset="0"/>
+            </a:endParaRPr>
+          </a:p>
+        </p:txBody>
+      </p:sp>
+      <p:sp>
+        <p:nvSpPr>
+          <p:cNvPr id="87" name="矩形 86"/>
+          <p:cNvSpPr/>
+          <p:nvPr/>
+        </p:nvSpPr>
+        <p:spPr>
+          <a:xfrm>
+            <a:off x="9895362" y="1296659"/>
+            <a:ext cx="1890000" cy="468220"/>
+          </a:xfrm>
+          <a:prstGeom prst="rect">
+            <a:avLst/>
+          </a:prstGeom>
+          <a:solidFill>
+            <a:schemeClr val="bg1">
+              <a:lumMod val="85000"/>
+            </a:schemeClr>
+          </a:solidFill>
+          <a:ln>
+            <a:noFill/>
+          </a:ln>
+        </p:spPr>
+        <p:style>
+          <a:lnRef idx="2">
+            <a:schemeClr val="accent1">
+              <a:shade val="50000"/>
+            </a:schemeClr>
+          </a:lnRef>
+          <a:fillRef idx="1">
+            <a:schemeClr val="accent1"/>
+          </a:fillRef>
+          <a:effectRef idx="0">
+            <a:schemeClr val="accent1"/>
+          </a:effectRef>
+          <a:fontRef idx="minor">
+            <a:schemeClr val="lt1"/>
+          </a:fontRef>
+        </p:style>
+        <p:txBody>
+          <a:bodyPr rtlCol="0" anchor="ctr"/>
+          <a:lstStyle/>
+          <a:p>
+            <a:pPr algn="ctr"/>
+            <a:r>
+              <a:rPr lang="en-US" altLang="zh-TW" sz="1400" dirty="0" smtClean="0">
+                <a:latin typeface="Consolas" panose="020B0609020204030204" pitchFamily="49" charset="0"/>
+              </a:rPr>
+              <a:t>consumer</a:t>
+            </a:r>
+            <a:endParaRPr lang="zh-TW" altLang="en-US" sz="1400" dirty="0">
+              <a:latin typeface="Consolas" panose="020B0609020204030204" pitchFamily="49" charset="0"/>
+            </a:endParaRPr>
+          </a:p>
+        </p:txBody>
+      </p:sp>
+      <p:sp>
+        <p:nvSpPr>
+          <p:cNvPr id="108" name="矩形 107"/>
+          <p:cNvSpPr/>
+          <p:nvPr/>
+        </p:nvSpPr>
+        <p:spPr>
+          <a:xfrm>
+            <a:off x="460375" y="2121821"/>
+            <a:ext cx="11324987" cy="1175052"/>
+          </a:xfrm>
+          <a:prstGeom prst="rect">
+            <a:avLst/>
+          </a:prstGeom>
+          <a:solidFill>
+            <a:schemeClr val="bg1"/>
+          </a:solidFill>
+          <a:ln w="9525">
+            <a:solidFill>
+              <a:schemeClr val="bg1">
+                <a:lumMod val="85000"/>
+              </a:schemeClr>
+            </a:solidFill>
+          </a:ln>
+        </p:spPr>
+        <p:style>
+          <a:lnRef idx="2">
+            <a:schemeClr val="accent1">
+              <a:shade val="50000"/>
+            </a:schemeClr>
+          </a:lnRef>
+          <a:fillRef idx="1">
+            <a:schemeClr val="accent1"/>
+          </a:fillRef>
+          <a:effectRef idx="0">
+            <a:schemeClr val="accent1"/>
+          </a:effectRef>
+          <a:fontRef idx="minor">
+            <a:schemeClr val="lt1"/>
+          </a:fontRef>
+        </p:style>
+        <p:txBody>
+          <a:bodyPr rtlCol="0" anchor="ctr"/>
+          <a:lstStyle/>
+          <a:p>
+            <a:pPr algn="ctr"/>
+            <a:endParaRPr lang="zh-TW" altLang="en-US" dirty="0"/>
+          </a:p>
+        </p:txBody>
+      </p:sp>
+      <p:sp>
+        <p:nvSpPr>
+          <p:cNvPr id="111" name="矩形 110"/>
+          <p:cNvSpPr/>
+          <p:nvPr/>
+        </p:nvSpPr>
+        <p:spPr>
+          <a:xfrm>
+            <a:off x="7536616" y="1296659"/>
+            <a:ext cx="1890000" cy="468220"/>
+          </a:xfrm>
+          <a:prstGeom prst="rect">
+            <a:avLst/>
+          </a:prstGeom>
+          <a:solidFill>
+            <a:schemeClr val="bg1">
+              <a:lumMod val="85000"/>
+            </a:schemeClr>
+          </a:solidFill>
+          <a:ln>
+            <a:noFill/>
+          </a:ln>
+        </p:spPr>
+        <p:style>
+          <a:lnRef idx="2">
+            <a:schemeClr val="accent1">
+              <a:shade val="50000"/>
+            </a:schemeClr>
+          </a:lnRef>
+          <a:fillRef idx="1">
+            <a:schemeClr val="accent1"/>
+          </a:fillRef>
+          <a:effectRef idx="0">
+            <a:schemeClr val="accent1"/>
+          </a:effectRef>
+          <a:fontRef idx="minor">
+            <a:schemeClr val="lt1"/>
+          </a:fontRef>
+        </p:style>
+        <p:txBody>
+          <a:bodyPr rtlCol="0" anchor="ctr"/>
+          <a:lstStyle/>
+          <a:p>
+            <a:pPr algn="ctr"/>
+            <a:r>
+              <a:rPr lang="en-US" altLang="zh-TW" sz="1400" dirty="0" smtClean="0">
+                <a:latin typeface="Consolas" panose="020B0609020204030204" pitchFamily="49" charset="0"/>
+              </a:rPr>
+              <a:t>init</a:t>
+            </a:r>
+            <a:endParaRPr lang="zh-TW" altLang="en-US" sz="1400" dirty="0">
+              <a:latin typeface="Consolas" panose="020B0609020204030204" pitchFamily="49" charset="0"/>
+            </a:endParaRPr>
+          </a:p>
+        </p:txBody>
+      </p:sp>
+      <p:sp>
+        <p:nvSpPr>
+          <p:cNvPr id="113" name="矩形 112"/>
+          <p:cNvSpPr/>
+          <p:nvPr/>
+        </p:nvSpPr>
+        <p:spPr>
+          <a:xfrm>
+            <a:off x="2819122" y="1296659"/>
+            <a:ext cx="1890000" cy="468220"/>
+          </a:xfrm>
+          <a:prstGeom prst="rect">
+            <a:avLst/>
+          </a:prstGeom>
+          <a:solidFill>
+            <a:schemeClr val="bg1">
+              <a:lumMod val="85000"/>
+            </a:schemeClr>
+          </a:solidFill>
+          <a:ln>
+            <a:noFill/>
+          </a:ln>
+        </p:spPr>
+        <p:style>
+          <a:lnRef idx="2">
+            <a:schemeClr val="accent1">
+              <a:shade val="50000"/>
+            </a:schemeClr>
+          </a:lnRef>
+          <a:fillRef idx="1">
+            <a:schemeClr val="accent1"/>
+          </a:fillRef>
+          <a:effectRef idx="0">
+            <a:schemeClr val="accent1"/>
+          </a:effectRef>
+          <a:fontRef idx="minor">
+            <a:schemeClr val="lt1"/>
+          </a:fontRef>
+        </p:style>
+        <p:txBody>
+          <a:bodyPr rtlCol="0" anchor="ctr"/>
+          <a:lstStyle/>
+          <a:p>
+            <a:pPr algn="ctr"/>
+            <a:r>
+              <a:rPr lang="en-US" altLang="zh-TW" sz="1400" dirty="0">
+                <a:latin typeface="Consolas" panose="020B0609020204030204" pitchFamily="49" charset="0"/>
+              </a:rPr>
+              <a:t>stateRecord</a:t>
+            </a:r>
+            <a:endParaRPr lang="zh-TW" altLang="en-US" sz="1400" dirty="0">
+              <a:latin typeface="Consolas" panose="020B0609020204030204" pitchFamily="49" charset="0"/>
+            </a:endParaRPr>
+          </a:p>
+        </p:txBody>
+      </p:sp>
+      <p:sp>
+        <p:nvSpPr>
+          <p:cNvPr id="117" name="矩形 116"/>
+          <p:cNvSpPr/>
+          <p:nvPr/>
+        </p:nvSpPr>
+        <p:spPr>
+          <a:xfrm>
+            <a:off x="5177869" y="1296659"/>
+            <a:ext cx="1890000" cy="468220"/>
+          </a:xfrm>
+          <a:prstGeom prst="rect">
+            <a:avLst/>
+          </a:prstGeom>
+          <a:solidFill>
+            <a:schemeClr val="bg1">
+              <a:lumMod val="85000"/>
+            </a:schemeClr>
+          </a:solidFill>
+          <a:ln>
+            <a:noFill/>
+          </a:ln>
+        </p:spPr>
+        <p:style>
+          <a:lnRef idx="2">
+            <a:schemeClr val="accent1">
+              <a:shade val="50000"/>
+            </a:schemeClr>
+          </a:lnRef>
+          <a:fillRef idx="1">
+            <a:schemeClr val="accent1"/>
+          </a:fillRef>
+          <a:effectRef idx="0">
+            <a:schemeClr val="accent1"/>
+          </a:effectRef>
+          <a:fontRef idx="minor">
+            <a:schemeClr val="lt1"/>
+          </a:fontRef>
+        </p:style>
+        <p:txBody>
+          <a:bodyPr rtlCol="0" anchor="ctr"/>
+          <a:lstStyle/>
+          <a:p>
+            <a:pPr algn="ctr"/>
+            <a:r>
+              <a:rPr lang="en-US" altLang="zh-TW" sz="1400" dirty="0" err="1">
+                <a:latin typeface="Consolas" panose="020B0609020204030204" pitchFamily="49" charset="0"/>
+              </a:rPr>
+              <a:t>publishedLocation</a:t>
+            </a:r>
+            <a:endParaRPr lang="zh-TW" altLang="en-US" sz="1400" dirty="0">
+              <a:latin typeface="Consolas" panose="020B0609020204030204" pitchFamily="49" charset="0"/>
+            </a:endParaRPr>
+          </a:p>
+        </p:txBody>
+      </p:sp>
+      <p:cxnSp>
+        <p:nvCxnSpPr>
+          <p:cNvPr id="7" name="直線單箭頭接點 6"/>
+          <p:cNvCxnSpPr>
+            <a:stCxn id="86" idx="3"/>
+            <a:endCxn id="113" idx="1"/>
+          </p:cNvCxnSpPr>
+          <p:nvPr/>
+        </p:nvCxnSpPr>
+        <p:spPr>
+          <a:xfrm>
+            <a:off x="2350375" y="1530769"/>
+            <a:ext cx="468747" cy="0"/>
+          </a:xfrm>
+          <a:prstGeom prst="straightConnector1">
+            <a:avLst/>
+          </a:prstGeom>
+          <a:ln w="9525">
+            <a:solidFill>
+              <a:srgbClr val="0080A6"/>
+            </a:solidFill>
+            <a:headEnd type="diamond" w="med" len="med"/>
+            <a:tailEnd type="triangle" w="med" len="med"/>
+          </a:ln>
+        </p:spPr>
+        <p:style>
+          <a:lnRef idx="1">
+            <a:schemeClr val="accent1"/>
+          </a:lnRef>
+          <a:fillRef idx="0">
+            <a:schemeClr val="accent1"/>
+          </a:fillRef>
+          <a:effectRef idx="0">
+            <a:schemeClr val="accent1"/>
+          </a:effectRef>
+          <a:fontRef idx="minor">
+            <a:schemeClr val="tx1"/>
+          </a:fontRef>
+        </p:style>
+      </p:cxnSp>
+      <p:cxnSp>
+        <p:nvCxnSpPr>
+          <p:cNvPr id="28" name="直線單箭頭接點 27"/>
+          <p:cNvCxnSpPr>
+            <a:stCxn id="113" idx="3"/>
+            <a:endCxn id="117" idx="1"/>
+          </p:cNvCxnSpPr>
+          <p:nvPr/>
+        </p:nvCxnSpPr>
+        <p:spPr>
+          <a:xfrm>
+            <a:off x="4709122" y="1530769"/>
+            <a:ext cx="468747" cy="0"/>
+          </a:xfrm>
+          <a:prstGeom prst="straightConnector1">
+            <a:avLst/>
+          </a:prstGeom>
+          <a:ln w="9525">
+            <a:solidFill>
+              <a:schemeClr val="bg1">
+                <a:lumMod val="85000"/>
+              </a:schemeClr>
+            </a:solidFill>
+            <a:headEnd type="diamond" w="med" len="med"/>
+            <a:tailEnd type="triangle" w="med" len="med"/>
+          </a:ln>
+        </p:spPr>
+        <p:style>
+          <a:lnRef idx="1">
+            <a:schemeClr val="accent1"/>
+          </a:lnRef>
+          <a:fillRef idx="0">
+            <a:schemeClr val="accent1"/>
+          </a:fillRef>
+          <a:effectRef idx="0">
+            <a:schemeClr val="accent1"/>
+          </a:effectRef>
+          <a:fontRef idx="minor">
+            <a:schemeClr val="tx1"/>
+          </a:fontRef>
+        </p:style>
+      </p:cxnSp>
+      <p:cxnSp>
+        <p:nvCxnSpPr>
+          <p:cNvPr id="32" name="直線單箭頭接點 31"/>
+          <p:cNvCxnSpPr>
+            <a:stCxn id="117" idx="3"/>
+            <a:endCxn id="111" idx="1"/>
+          </p:cNvCxnSpPr>
+          <p:nvPr/>
+        </p:nvCxnSpPr>
+        <p:spPr>
+          <a:xfrm>
+            <a:off x="7067869" y="1530769"/>
+            <a:ext cx="468747" cy="0"/>
+          </a:xfrm>
+          <a:prstGeom prst="straightConnector1">
+            <a:avLst/>
+          </a:prstGeom>
+          <a:ln w="9525">
+            <a:solidFill>
+              <a:schemeClr val="bg1">
+                <a:lumMod val="85000"/>
+              </a:schemeClr>
+            </a:solidFill>
+            <a:headEnd type="diamond" w="med" len="med"/>
+            <a:tailEnd type="triangle" w="med" len="med"/>
+          </a:ln>
+        </p:spPr>
+        <p:style>
+          <a:lnRef idx="1">
+            <a:schemeClr val="accent1"/>
+          </a:lnRef>
+          <a:fillRef idx="0">
+            <a:schemeClr val="accent1"/>
+          </a:fillRef>
+          <a:effectRef idx="0">
+            <a:schemeClr val="accent1"/>
+          </a:effectRef>
+          <a:fontRef idx="minor">
+            <a:schemeClr val="tx1"/>
+          </a:fontRef>
+        </p:style>
+      </p:cxnSp>
+      <p:cxnSp>
+        <p:nvCxnSpPr>
+          <p:cNvPr id="36" name="直線單箭頭接點 35"/>
+          <p:cNvCxnSpPr>
+            <a:stCxn id="111" idx="3"/>
+            <a:endCxn id="87" idx="1"/>
+          </p:cNvCxnSpPr>
+          <p:nvPr/>
+        </p:nvCxnSpPr>
+        <p:spPr>
+          <a:xfrm>
+            <a:off x="9426616" y="1530769"/>
+            <a:ext cx="468746" cy="0"/>
+          </a:xfrm>
+          <a:prstGeom prst="straightConnector1">
+            <a:avLst/>
+          </a:prstGeom>
+          <a:ln w="9525">
+            <a:solidFill>
+              <a:schemeClr val="bg1">
+                <a:lumMod val="85000"/>
+              </a:schemeClr>
+            </a:solidFill>
+            <a:headEnd type="diamond" w="med" len="med"/>
+            <a:tailEnd type="triangle" w="med" len="med"/>
+          </a:ln>
+        </p:spPr>
+        <p:style>
+          <a:lnRef idx="1">
+            <a:schemeClr val="accent1"/>
+          </a:lnRef>
+          <a:fillRef idx="0">
+            <a:schemeClr val="accent1"/>
+          </a:fillRef>
+          <a:effectRef idx="0">
+            <a:schemeClr val="accent1"/>
+          </a:effectRef>
+          <a:fontRef idx="minor">
+            <a:schemeClr val="tx1"/>
+          </a:fontRef>
+        </p:style>
+      </p:cxnSp>
+      <p:grpSp>
+        <p:nvGrpSpPr>
+          <p:cNvPr id="20" name="群組 19"/>
+          <p:cNvGrpSpPr/>
+          <p:nvPr/>
+        </p:nvGrpSpPr>
+        <p:grpSpPr>
+          <a:xfrm>
+            <a:off x="1258408" y="2349046"/>
+            <a:ext cx="10504286" cy="720602"/>
+            <a:chOff x="1258408" y="2384874"/>
+            <a:chExt cx="10504286" cy="720602"/>
+          </a:xfrm>
+        </p:grpSpPr>
+        <p:sp>
+          <p:nvSpPr>
+            <p:cNvPr id="110" name="矩形 109"/>
+            <p:cNvSpPr/>
+            <p:nvPr/>
+          </p:nvSpPr>
+          <p:spPr>
+            <a:xfrm>
+              <a:off x="1258408" y="2828477"/>
+              <a:ext cx="10504286" cy="276999"/>
+            </a:xfrm>
+            <a:prstGeom prst="rect">
+              <a:avLst/>
+            </a:prstGeom>
+          </p:spPr>
+          <p:txBody>
+            <a:bodyPr wrap="none">
+              <a:spAutoFit/>
+            </a:bodyPr>
+            <a:lstStyle/>
+            <a:p>
+              <a:r>
+                <a:rPr lang="zh-TW" altLang="en-US" sz="1200" b="1" dirty="0">
+                  <a:solidFill>
+                    <a:srgbClr val="FE0000"/>
+                  </a:solidFill>
+                  <a:latin typeface="微軟正黑體" panose="020B0604030504040204" pitchFamily="34" charset="-120"/>
+                  <a:ea typeface="微軟正黑體" panose="020B0604030504040204" pitchFamily="34" charset="-120"/>
+                </a:rPr>
+                <a:t>需實</a:t>
+              </a:r>
+              <a:r>
+                <a:rPr lang="zh-TW" altLang="en-US" sz="1200" b="1" dirty="0" smtClean="0">
+                  <a:solidFill>
+                    <a:srgbClr val="FE0000"/>
+                  </a:solidFill>
+                  <a:latin typeface="微軟正黑體" panose="020B0604030504040204" pitchFamily="34" charset="-120"/>
+                  <a:ea typeface="微軟正黑體" panose="020B0604030504040204" pitchFamily="34" charset="-120"/>
+                </a:rPr>
+                <a:t>作</a:t>
+              </a:r>
+              <a:r>
+                <a:rPr lang="zh-TW" altLang="en-US" sz="1200" dirty="0">
+                  <a:latin typeface="微軟正黑體" panose="020B0604030504040204" pitchFamily="34" charset="-120"/>
+                  <a:ea typeface="微軟正黑體" panose="020B0604030504040204" pitchFamily="34" charset="-120"/>
+                </a:rPr>
+                <a:t>，</a:t>
+              </a:r>
+              <a:r>
+                <a:rPr lang="zh-TW" altLang="en-US" sz="1200" dirty="0" smtClean="0">
+                  <a:latin typeface="微軟正黑體" panose="020B0604030504040204" pitchFamily="34" charset="-120"/>
+                  <a:ea typeface="微軟正黑體" panose="020B0604030504040204" pitchFamily="34" charset="-120"/>
+                </a:rPr>
+                <a:t>報警觸發器，</a:t>
+              </a:r>
+              <a:r>
+                <a:rPr lang="zh-TW" altLang="en-US" sz="1200" dirty="0">
+                  <a:latin typeface="微軟正黑體" panose="020B0604030504040204" pitchFamily="34" charset="-120"/>
+                  <a:ea typeface="微軟正黑體" panose="020B0604030504040204" pitchFamily="34" charset="-120"/>
+                </a:rPr>
+                <a:t>提供報警資料觸發機制，內建時間驅動</a:t>
+              </a:r>
+              <a:r>
+                <a:rPr lang="en-US" altLang="zh-TW" sz="1200" dirty="0">
+                  <a:latin typeface="微軟正黑體" panose="020B0604030504040204" pitchFamily="34" charset="-120"/>
+                  <a:ea typeface="微軟正黑體" panose="020B0604030504040204" pitchFamily="34" charset="-120"/>
+                </a:rPr>
+                <a:t>(Timer-Driven)</a:t>
+              </a:r>
+              <a:r>
+                <a:rPr lang="zh-TW" altLang="en-US" sz="1200" dirty="0">
+                  <a:latin typeface="微軟正黑體" panose="020B0604030504040204" pitchFamily="34" charset="-120"/>
+                  <a:ea typeface="微軟正黑體" panose="020B0604030504040204" pitchFamily="34" charset="-120"/>
+                </a:rPr>
+                <a:t>、資料驅動</a:t>
+              </a:r>
+              <a:r>
+                <a:rPr lang="en-US" altLang="zh-TW" sz="1200" dirty="0">
+                  <a:latin typeface="微軟正黑體" panose="020B0604030504040204" pitchFamily="34" charset="-120"/>
+                  <a:ea typeface="微軟正黑體" panose="020B0604030504040204" pitchFamily="34" charset="-120"/>
+                </a:rPr>
+                <a:t>(Data-Driven)</a:t>
+              </a:r>
+              <a:r>
+                <a:rPr lang="zh-TW" altLang="en-US" sz="1200" dirty="0">
+                  <a:latin typeface="微軟正黑體" panose="020B0604030504040204" pitchFamily="34" charset="-120"/>
+                  <a:ea typeface="微軟正黑體" panose="020B0604030504040204" pitchFamily="34" charset="-120"/>
+                </a:rPr>
+                <a:t>及混合驅動 </a:t>
+              </a:r>
+              <a:r>
+                <a:rPr lang="en-US" altLang="zh-TW" sz="1200" dirty="0">
+                  <a:latin typeface="微軟正黑體" panose="020B0604030504040204" pitchFamily="34" charset="-120"/>
+                  <a:ea typeface="微軟正黑體" panose="020B0604030504040204" pitchFamily="34" charset="-120"/>
+                </a:rPr>
+                <a:t>(</a:t>
+              </a:r>
+              <a:r>
+                <a:rPr lang="en-US" altLang="zh-TW" sz="1200" dirty="0" err="1">
+                  <a:latin typeface="微軟正黑體" panose="020B0604030504040204" pitchFamily="34" charset="-120"/>
+                  <a:ea typeface="微軟正黑體" panose="020B0604030504040204" pitchFamily="34" charset="-120"/>
+                </a:rPr>
+                <a:t>Mixin</a:t>
+              </a:r>
+              <a:r>
+                <a:rPr lang="en-US" altLang="zh-TW" sz="1200" dirty="0">
+                  <a:latin typeface="微軟正黑體" panose="020B0604030504040204" pitchFamily="34" charset="-120"/>
+                  <a:ea typeface="微軟正黑體" panose="020B0604030504040204" pitchFamily="34" charset="-120"/>
+                </a:rPr>
+                <a:t>-Driven)</a:t>
+              </a:r>
+              <a:r>
+                <a:rPr lang="zh-TW" altLang="en-US" sz="1200" dirty="0">
+                  <a:latin typeface="微軟正黑體" panose="020B0604030504040204" pitchFamily="34" charset="-120"/>
+                  <a:ea typeface="微軟正黑體" panose="020B0604030504040204" pitchFamily="34" charset="-120"/>
+                </a:rPr>
+                <a:t>，三種驅動報警的類型</a:t>
+              </a:r>
+              <a:endParaRPr lang="zh-TW" altLang="en-US" sz="1200" dirty="0">
+                <a:latin typeface="微軟正黑體" panose="020B0604030504040204" pitchFamily="34" charset="-120"/>
+                <a:ea typeface="微軟正黑體" panose="020B0604030504040204" pitchFamily="34" charset="-120"/>
+              </a:endParaRPr>
+            </a:p>
+          </p:txBody>
+        </p:sp>
+        <p:grpSp>
+          <p:nvGrpSpPr>
+            <p:cNvPr id="19" name="群組 18"/>
+            <p:cNvGrpSpPr/>
+            <p:nvPr/>
+          </p:nvGrpSpPr>
+          <p:grpSpPr>
+            <a:xfrm>
+              <a:off x="1258408" y="2384874"/>
+              <a:ext cx="3919461" cy="338554"/>
+              <a:chOff x="1258408" y="2384874"/>
+              <a:chExt cx="3919461" cy="338554"/>
+            </a:xfrm>
+          </p:grpSpPr>
+          <p:sp>
+            <p:nvSpPr>
+              <p:cNvPr id="109" name="矩形 108"/>
+              <p:cNvSpPr/>
+              <p:nvPr/>
+            </p:nvSpPr>
+            <p:spPr>
+              <a:xfrm>
+                <a:off x="1258408" y="2384874"/>
+                <a:ext cx="1452257" cy="338554"/>
+              </a:xfrm>
+              <a:prstGeom prst="rect">
+                <a:avLst/>
+              </a:prstGeom>
+            </p:spPr>
+            <p:txBody>
+              <a:bodyPr wrap="none">
+                <a:spAutoFit/>
+              </a:bodyPr>
+              <a:lstStyle/>
+              <a:p>
+                <a:r>
+                  <a:rPr lang="en-US" altLang="zh-TW" sz="1600" b="1" dirty="0" err="1">
+                    <a:solidFill>
+                      <a:schemeClr val="tx1">
+                        <a:lumMod val="85000"/>
+                        <a:lumOff val="15000"/>
+                      </a:schemeClr>
+                    </a:solidFill>
+                    <a:latin typeface="微軟正黑體" panose="020B0604030504040204" pitchFamily="34" charset="-120"/>
+                    <a:ea typeface="微軟正黑體" panose="020B0604030504040204" pitchFamily="34" charset="-120"/>
+                  </a:rPr>
+                  <a:t>alarmTrigger</a:t>
+                </a:r>
+                <a:endParaRPr lang="zh-TW" altLang="en-US" sz="1600" b="1" dirty="0">
+                  <a:solidFill>
+                    <a:schemeClr val="tx1">
+                      <a:lumMod val="85000"/>
+                      <a:lumOff val="15000"/>
+                    </a:schemeClr>
+                  </a:solidFill>
+                  <a:latin typeface="微軟正黑體" panose="020B0604030504040204" pitchFamily="34" charset="-120"/>
+                  <a:ea typeface="微軟正黑體" panose="020B0604030504040204" pitchFamily="34" charset="-120"/>
+                </a:endParaRPr>
+              </a:p>
+            </p:txBody>
+          </p:sp>
+          <p:sp>
+            <p:nvSpPr>
+              <p:cNvPr id="15" name="圓角矩形 14"/>
+              <p:cNvSpPr/>
+              <p:nvPr/>
+            </p:nvSpPr>
+            <p:spPr>
+              <a:xfrm>
+                <a:off x="2805182" y="2398955"/>
+                <a:ext cx="2372687" cy="310393"/>
+              </a:xfrm>
+              <a:prstGeom prst="roundRect">
+                <a:avLst>
+                  <a:gd name="adj" fmla="val 50000"/>
+                </a:avLst>
+              </a:prstGeom>
+              <a:solidFill>
+                <a:schemeClr val="bg1">
+                  <a:lumMod val="95000"/>
+                </a:schemeClr>
+              </a:solidFill>
+              <a:ln w="9525">
+                <a:solidFill>
+                  <a:schemeClr val="bg1">
+                    <a:lumMod val="65000"/>
+                  </a:schemeClr>
+                </a:solidFill>
+              </a:ln>
+            </p:spPr>
+            <p:style>
+              <a:lnRef idx="2">
+                <a:schemeClr val="accent1">
+                  <a:shade val="50000"/>
+                </a:schemeClr>
+              </a:lnRef>
+              <a:fillRef idx="1">
+                <a:schemeClr val="accent1"/>
+              </a:fillRef>
+              <a:effectRef idx="0">
+                <a:schemeClr val="accent1"/>
+              </a:effectRef>
+              <a:fontRef idx="minor">
+                <a:schemeClr val="lt1"/>
+              </a:fontRef>
+            </p:style>
+            <p:txBody>
+              <a:bodyPr rtlCol="0" anchor="ctr"/>
+              <a:lstStyle/>
+              <a:p>
+                <a:pPr algn="ctr"/>
+                <a:r>
+                  <a:rPr lang="zh-TW" altLang="en-US" sz="1200" b="1" dirty="0">
+                    <a:solidFill>
+                      <a:srgbClr val="0080A6"/>
+                    </a:solidFill>
+                    <a:latin typeface="微軟正黑體" panose="020B0604030504040204" pitchFamily="34" charset="-120"/>
+                    <a:ea typeface="微軟正黑體" panose="020B0604030504040204" pitchFamily="34" charset="-120"/>
+                  </a:rPr>
+                  <a:t>型</a:t>
+                </a:r>
+                <a:r>
+                  <a:rPr lang="zh-TW" altLang="en-US" sz="1200" b="1" dirty="0" smtClean="0">
+                    <a:solidFill>
+                      <a:srgbClr val="0080A6"/>
+                    </a:solidFill>
+                    <a:latin typeface="微軟正黑體" panose="020B0604030504040204" pitchFamily="34" charset="-120"/>
+                    <a:ea typeface="微軟正黑體" panose="020B0604030504040204" pitchFamily="34" charset="-120"/>
+                  </a:rPr>
+                  <a:t>別</a:t>
+                </a:r>
+                <a:r>
+                  <a:rPr lang="en-US" altLang="zh-TW" sz="1200" b="1" dirty="0" smtClean="0">
+                    <a:solidFill>
+                      <a:srgbClr val="0080A6"/>
+                    </a:solidFill>
+                    <a:latin typeface="微軟正黑體" panose="020B0604030504040204" pitchFamily="34" charset="-120"/>
+                    <a:ea typeface="微軟正黑體" panose="020B0604030504040204" pitchFamily="34" charset="-120"/>
+                  </a:rPr>
+                  <a:t>:</a:t>
+                </a:r>
+                <a:r>
+                  <a:rPr lang="zh-TW" altLang="en-US" sz="1200" b="1" dirty="0" smtClean="0">
+                    <a:solidFill>
+                      <a:srgbClr val="0080A6"/>
+                    </a:solidFill>
+                    <a:latin typeface="微軟正黑體" panose="020B0604030504040204" pitchFamily="34" charset="-120"/>
+                    <a:ea typeface="微軟正黑體" panose="020B0604030504040204" pitchFamily="34" charset="-120"/>
+                  </a:rPr>
+                  <a:t> </a:t>
+                </a:r>
+                <a:r>
+                  <a:rPr lang="en-US" altLang="zh-TW" sz="1200" b="1" dirty="0" err="1" smtClean="0">
+                    <a:solidFill>
+                      <a:srgbClr val="0080A6"/>
+                    </a:solidFill>
+                    <a:latin typeface="微軟正黑體" panose="020B0604030504040204" pitchFamily="34" charset="-120"/>
+                    <a:ea typeface="微軟正黑體" panose="020B0604030504040204" pitchFamily="34" charset="-120"/>
+                  </a:rPr>
+                  <a:t>AlarmTriggerStrategy</a:t>
+                </a:r>
+                <a:endParaRPr lang="zh-TW" altLang="en-US" sz="1200" b="1" dirty="0">
+                  <a:solidFill>
+                    <a:srgbClr val="0080A6"/>
+                  </a:solidFill>
+                  <a:latin typeface="微軟正黑體" panose="020B0604030504040204" pitchFamily="34" charset="-120"/>
+                  <a:ea typeface="微軟正黑體" panose="020B0604030504040204" pitchFamily="34" charset="-120"/>
+                </a:endParaRPr>
+              </a:p>
+            </p:txBody>
+          </p:sp>
+        </p:grpSp>
+      </p:grpSp>
+      <p:pic>
+        <p:nvPicPr>
+          <p:cNvPr id="18" name="圖片 17"/>
+          <p:cNvPicPr>
+            <a:picLocks noChangeAspect="1"/>
+          </p:cNvPicPr>
+          <p:nvPr/>
+        </p:nvPicPr>
+        <p:blipFill>
+          <a:blip r:embed="rId4">
+            <a:extLst>
+              <a:ext uri="{28A0092B-C50C-407E-A947-70E740481C1C}">
+                <a14:useLocalDpi xmlns:a14="http://schemas.microsoft.com/office/drawing/2010/main" val="0"/>
+              </a:ext>
+            </a:extLst>
+          </a:blip>
+          <a:stretch>
+            <a:fillRect/>
+          </a:stretch>
+        </p:blipFill>
+        <p:spPr>
+          <a:xfrm>
+            <a:off x="653891" y="2439347"/>
+            <a:ext cx="540000" cy="540000"/>
+          </a:xfrm>
+          <a:prstGeom prst="rect">
+            <a:avLst/>
+          </a:prstGeom>
+        </p:spPr>
+      </p:pic>
+      <p:cxnSp>
+        <p:nvCxnSpPr>
+          <p:cNvPr id="44" name="直線單箭頭接點 43"/>
+          <p:cNvCxnSpPr>
+            <a:stCxn id="87" idx="3"/>
+          </p:cNvCxnSpPr>
+          <p:nvPr/>
+        </p:nvCxnSpPr>
+        <p:spPr>
+          <a:xfrm>
+            <a:off x="11785362" y="1530769"/>
+            <a:ext cx="227673" cy="0"/>
+          </a:xfrm>
+          <a:prstGeom prst="straightConnector1">
+            <a:avLst/>
+          </a:prstGeom>
+          <a:ln w="9525">
+            <a:solidFill>
+              <a:schemeClr val="bg1">
+                <a:lumMod val="85000"/>
+              </a:schemeClr>
+            </a:solidFill>
+            <a:headEnd type="diamond" w="med" len="med"/>
+            <a:tailEnd type="triangle" w="med" len="med"/>
+          </a:ln>
+        </p:spPr>
+        <p:style>
+          <a:lnRef idx="1">
+            <a:schemeClr val="accent1"/>
+          </a:lnRef>
+          <a:fillRef idx="0">
+            <a:schemeClr val="accent1"/>
+          </a:fillRef>
+          <a:effectRef idx="0">
+            <a:schemeClr val="accent1"/>
+          </a:effectRef>
+          <a:fontRef idx="minor">
+            <a:schemeClr val="tx1"/>
+          </a:fontRef>
+        </p:style>
+      </p:cxnSp>
+    </p:spTree>
+    <p:extLst>
+      <p:ext uri="{BB962C8B-B14F-4D97-AF65-F5344CB8AC3E}">
+        <p14:creationId xmlns:p14="http://schemas.microsoft.com/office/powerpoint/2010/main" val="1051733916"/>
+      </p:ext>
+    </p:extLst>
+  </p:cSld>
+  <p:clrMapOvr>
+    <a:masterClrMapping/>
+  </p:clrMapOvr>
+  <p:timing>
+    <p:tnLst>
+      <p:par>
+        <p:cTn id="1" dur="indefinite" restart="never" nodeType="tmRoot"/>
+      </p:par>
+    </p:tnLst>
+  </p:timing>
+</p:sld>
+</file>
+
+<file path=ppt/slides/slide2.xml><?xml version="1.0" encoding="utf-8"?>
+<p:sld xmlns:a="http://schemas.openxmlformats.org/drawingml/2006/main" xmlns:r="http://schemas.openxmlformats.org/officeDocument/2006/relationships" xmlns:p="http://schemas.openxmlformats.org/presentationml/2006/main">
+  <p:cSld>
+    <p:spTree>
+      <p:nvGrpSpPr>
+        <p:cNvPr id="1" name=""/>
+        <p:cNvGrpSpPr/>
+        <p:nvPr/>
+      </p:nvGrpSpPr>
+      <p:grpSpPr>
+        <a:xfrm>
+          <a:off x="0" y="0"/>
+          <a:ext cx="0" cy="0"/>
+          <a:chOff x="0" y="0"/>
+          <a:chExt cx="0" cy="0"/>
+        </a:xfrm>
+      </p:grpSpPr>
+      <p:sp>
+        <p:nvSpPr>
+          <p:cNvPr id="17" name="矩形 16"/>
+          <p:cNvSpPr/>
+          <p:nvPr/>
+        </p:nvSpPr>
+        <p:spPr>
+          <a:xfrm>
+            <a:off x="460373" y="2224997"/>
+            <a:ext cx="11141600" cy="3858935"/>
+          </a:xfrm>
+          <a:prstGeom prst="rect">
+            <a:avLst/>
+          </a:prstGeom>
+          <a:solidFill>
+            <a:srgbClr val="FAFAFA"/>
+          </a:solidFill>
+          <a:ln w="9525">
+            <a:solidFill>
+              <a:schemeClr val="bg1">
+                <a:lumMod val="85000"/>
+              </a:schemeClr>
+            </a:solidFill>
+            <a:prstDash val="lgDash"/>
+          </a:ln>
+        </p:spPr>
+        <p:style>
+          <a:lnRef idx="2">
+            <a:schemeClr val="accent1">
+              <a:shade val="50000"/>
+            </a:schemeClr>
+          </a:lnRef>
+          <a:fillRef idx="1">
+            <a:schemeClr val="accent1"/>
+          </a:fillRef>
+          <a:effectRef idx="0">
+            <a:schemeClr val="accent1"/>
+          </a:effectRef>
+          <a:fontRef idx="minor">
+            <a:schemeClr val="lt1"/>
+          </a:fontRef>
+        </p:style>
+        <p:txBody>
+          <a:bodyPr rtlCol="0" anchor="ctr"/>
+          <a:lstStyle/>
+          <a:p>
+            <a:pPr algn="ctr"/>
+            <a:endParaRPr lang="zh-TW" altLang="en-US"/>
+          </a:p>
+        </p:txBody>
+      </p:sp>
+      <p:sp>
+        <p:nvSpPr>
+          <p:cNvPr id="4" name="標題 2"/>
+          <p:cNvSpPr txBox="1">
+            <a:spLocks/>
+          </p:cNvSpPr>
+          <p:nvPr/>
+        </p:nvSpPr>
+        <p:spPr>
+          <a:xfrm>
+            <a:off x="0" y="130262"/>
+            <a:ext cx="12192000" cy="646331"/>
+          </a:xfrm>
+          <a:prstGeom prst="rect">
+            <a:avLst/>
+          </a:prstGeom>
+        </p:spPr>
+        <p:txBody>
+          <a:bodyPr vert="horz" lIns="91440" tIns="45720" rIns="91440" bIns="45720" rtlCol="0" anchor="b">
+            <a:normAutofit/>
+          </a:bodyPr>
+          <a:lstStyle>
+            <a:lvl1pPr algn="ctr" defTabSz="914400" rtl="0" eaLnBrk="1" latinLnBrk="0" hangingPunct="1">
+              <a:lnSpc>
+                <a:spcPct val="90000"/>
+              </a:lnSpc>
+              <a:spcBef>
+                <a:spcPct val="0"/>
+              </a:spcBef>
+              <a:buNone/>
+              <a:defRPr sz="6000" kern="1200">
+                <a:solidFill>
+                  <a:schemeClr val="tx1"/>
+                </a:solidFill>
+                <a:latin typeface="+mj-lt"/>
+                <a:ea typeface="+mj-ea"/>
+                <a:cs typeface="+mj-cs"/>
+              </a:defRPr>
+            </a:lvl1pPr>
+          </a:lstStyle>
+          <a:p>
+            <a:pPr marL="360000" algn="l"/>
+            <a:r>
+              <a:rPr lang="zh-TW" altLang="en-US" sz="3600" dirty="0" smtClean="0">
+                <a:latin typeface="微軟正黑體" panose="020B0604030504040204" pitchFamily="34" charset="-120"/>
+                <a:ea typeface="微軟正黑體" panose="020B0604030504040204" pitchFamily="34" charset="-120"/>
+              </a:rPr>
+              <a:t>程式架構</a:t>
+            </a:r>
+            <a:endParaRPr lang="zh-TW" altLang="en-US" sz="3600" dirty="0">
+              <a:latin typeface="微軟正黑體" panose="020B0604030504040204" pitchFamily="34" charset="-120"/>
+              <a:ea typeface="微軟正黑體" panose="020B0604030504040204" pitchFamily="34" charset="-120"/>
+            </a:endParaRPr>
+          </a:p>
+        </p:txBody>
+      </p:sp>
+      <p:pic>
+        <p:nvPicPr>
+          <p:cNvPr id="33" name="Picture 2" descr="「wistron」的圖片搜尋結果">
+            <a:extLst>
+              <a:ext uri="{FF2B5EF4-FFF2-40B4-BE49-F238E27FC236}">
+                <a16:creationId xmlns:a16="http://schemas.microsoft.com/office/drawing/2014/main" id="{21564FB0-35ED-44A5-BD88-FF073AE24C10}"/>
+              </a:ext>
+            </a:extLst>
+          </p:cNvPr>
+          <p:cNvPicPr>
+            <a:picLocks noChangeAspect="1" noChangeArrowheads="1"/>
+          </p:cNvPicPr>
+          <p:nvPr/>
+        </p:nvPicPr>
+        <p:blipFill>
+          <a:blip r:embed="rId3">
+            <a:extLst>
+              <a:ext uri="{28A0092B-C50C-407E-A947-70E740481C1C}">
+                <a14:useLocalDpi xmlns:a14="http://schemas.microsoft.com/office/drawing/2010/main" val="0"/>
+              </a:ext>
+            </a:extLst>
+          </a:blip>
+          <a:srcRect/>
+          <a:stretch>
+            <a:fillRect/>
+          </a:stretch>
+        </p:blipFill>
+        <p:spPr bwMode="auto">
+          <a:xfrm>
+            <a:off x="10467431" y="270169"/>
+            <a:ext cx="1438275" cy="266700"/>
+          </a:xfrm>
+          <a:prstGeom prst="rect">
+            <a:avLst/>
+          </a:prstGeom>
+          <a:noFill/>
+          <a:extLst>
+            <a:ext uri="{909E8E84-426E-40DD-AFC4-6F175D3DCCD1}">
+              <a14:hiddenFill xmlns:a14="http://schemas.microsoft.com/office/drawing/2010/main">
+                <a:solidFill>
+                  <a:srgbClr val="FFFFFF"/>
+                </a:solidFill>
+              </a14:hiddenFill>
+            </a:ext>
+          </a:extLst>
+        </p:spPr>
+      </p:pic>
+      <p:sp>
+        <p:nvSpPr>
+          <p:cNvPr id="35" name="矩形 34">
+            <a:extLst>
+              <a:ext uri="{FF2B5EF4-FFF2-40B4-BE49-F238E27FC236}">
+                <a16:creationId xmlns:a16="http://schemas.microsoft.com/office/drawing/2014/main" id="{66AFFFD2-7977-4AE3-ABBC-508EEB94D8AC}"/>
+              </a:ext>
+            </a:extLst>
+          </p:cNvPr>
+          <p:cNvSpPr/>
+          <p:nvPr/>
+        </p:nvSpPr>
+        <p:spPr>
+          <a:xfrm>
+            <a:off x="12128269" y="0"/>
+            <a:ext cx="72044" cy="807039"/>
+          </a:xfrm>
+          <a:prstGeom prst="rect">
+            <a:avLst/>
+          </a:prstGeom>
+          <a:solidFill>
+            <a:srgbClr val="0080A6"/>
+          </a:solidFill>
+          <a:ln>
+            <a:noFill/>
+          </a:ln>
+        </p:spPr>
+        <p:style>
+          <a:lnRef idx="2">
+            <a:schemeClr val="accent1">
+              <a:shade val="50000"/>
+            </a:schemeClr>
+          </a:lnRef>
+          <a:fillRef idx="1">
+            <a:schemeClr val="accent1"/>
+          </a:fillRef>
+          <a:effectRef idx="0">
+            <a:schemeClr val="accent1"/>
+          </a:effectRef>
+          <a:fontRef idx="minor">
+            <a:schemeClr val="lt1"/>
+          </a:fontRef>
+        </p:style>
+        <p:txBody>
+          <a:bodyPr rtlCol="0" anchor="ctr"/>
+          <a:lstStyle/>
+          <a:p>
+            <a:pPr algn="ctr"/>
+            <a:endParaRPr lang="zh-TW" altLang="en-US"/>
+          </a:p>
+        </p:txBody>
+      </p:sp>
+      <p:sp>
+        <p:nvSpPr>
+          <p:cNvPr id="16" name="矩形 15"/>
+          <p:cNvSpPr/>
+          <p:nvPr/>
+        </p:nvSpPr>
+        <p:spPr>
+          <a:xfrm>
+            <a:off x="0" y="6492875"/>
+            <a:ext cx="365126" cy="365126"/>
+          </a:xfrm>
+          <a:prstGeom prst="rect">
+            <a:avLst/>
+          </a:prstGeom>
+          <a:solidFill>
+            <a:srgbClr val="0080A6"/>
+          </a:solidFill>
+          <a:ln>
+            <a:noFill/>
+          </a:ln>
+        </p:spPr>
+        <p:style>
+          <a:lnRef idx="2">
+            <a:schemeClr val="accent1">
+              <a:shade val="50000"/>
+            </a:schemeClr>
+          </a:lnRef>
+          <a:fillRef idx="1">
+            <a:schemeClr val="accent1"/>
+          </a:fillRef>
+          <a:effectRef idx="0">
+            <a:schemeClr val="accent1"/>
+          </a:effectRef>
+          <a:fontRef idx="minor">
+            <a:schemeClr val="lt1"/>
+          </a:fontRef>
+        </p:style>
+        <p:txBody>
+          <a:bodyPr rtlCol="0" anchor="ctr"/>
+          <a:lstStyle/>
+          <a:p>
+            <a:pPr algn="ctr"/>
+            <a:endParaRPr lang="zh-TW" altLang="en-US"/>
+          </a:p>
+        </p:txBody>
+      </p:sp>
+      <p:sp>
+        <p:nvSpPr>
+          <p:cNvPr id="3" name="投影片編號版面配置區 2"/>
+          <p:cNvSpPr>
+            <a:spLocks noGrp="1"/>
+          </p:cNvSpPr>
+          <p:nvPr>
+            <p:ph type="sldNum" sz="quarter" idx="12"/>
+          </p:nvPr>
+        </p:nvSpPr>
+        <p:spPr>
+          <a:xfrm>
+            <a:off x="0" y="6492875"/>
+            <a:ext cx="365126" cy="365125"/>
+          </a:xfrm>
+        </p:spPr>
+        <p:txBody>
+          <a:bodyPr/>
+          <a:lstStyle/>
+          <a:p>
+            <a:pPr algn="ctr"/>
+            <a:fld id="{E1A80B5C-E278-48B7-8C77-4630CF8BBC25}" type="slidenum">
+              <a:rPr lang="zh-TW" altLang="en-US" smtClean="0">
+                <a:solidFill>
+                  <a:schemeClr val="bg1"/>
+                </a:solidFill>
+              </a:rPr>
+              <a:pPr algn="ctr"/>
+              <a:t>2</a:t>
             </a:fld>
             <a:endParaRPr lang="zh-TW" altLang="en-US" dirty="0">
               <a:solidFill>
@@ -4381,18 +5663,18 @@
                     <a:t>資料</a:t>
                   </a:r>
                   <a:r>
-                    <a:rPr lang="zh-TW" altLang="en-US" sz="1200" dirty="0">
+                    <a:rPr lang="zh-TW" altLang="en-US" sz="1200" dirty="0" smtClean="0">
                       <a:latin typeface="微軟正黑體" panose="020B0604030504040204" pitchFamily="34" charset="-120"/>
                       <a:ea typeface="微軟正黑體" panose="020B0604030504040204" pitchFamily="34" charset="-120"/>
                     </a:rPr>
-                    <a:t>生者</a:t>
+                    <a:t>生產者</a:t>
                   </a:r>
                   <a:r>
                     <a:rPr lang="zh-TW" altLang="en-US" sz="1200" dirty="0" smtClean="0">
                       <a:latin typeface="微軟正黑體" panose="020B0604030504040204" pitchFamily="34" charset="-120"/>
                       <a:ea typeface="微軟正黑體" panose="020B0604030504040204" pitchFamily="34" charset="-120"/>
                     </a:rPr>
-                    <a:t>者，發送報警數據</a:t>
+                    <a:t>，發送報警數據</a:t>
                   </a:r>
                   <a:endParaRPr lang="zh-TW" altLang="en-US" sz="1200" dirty="0">
                     <a:latin typeface="微軟正黑體" panose="020B0604030504040204" pitchFamily="34" charset="-120"/>

--- a/docs/architecture.pptx
+++ b/docs/architecture.pptx
@@ -5,10 +5,10 @@
     <p:sldMasterId id="2147483648" r:id="rId1"/>
   </p:sldMasterIdLst>
   <p:notesMasterIdLst>
-    <p:notesMasterId r:id="rId13"/>
+    <p:notesMasterId r:id="rId14"/>
   </p:notesMasterIdLst>
   <p:handoutMasterIdLst>
-    <p:handoutMasterId r:id="rId14"/>
+    <p:handoutMasterId r:id="rId15"/>
   </p:handoutMasterIdLst>
   <p:sldIdLst>
     <p:sldId id="329" r:id="rId2"/>
@@ -22,6 +22,7 @@
     <p:sldId id="336" r:id="rId10"/>
     <p:sldId id="338" r:id="rId11"/>
     <p:sldId id="339" r:id="rId12"/>
+    <p:sldId id="341" r:id="rId13"/>
   </p:sldIdLst>
   <p:sldSz cx="12192000" cy="6858000"/>
   <p:notesSz cx="6858000" cy="9144000"/>
@@ -140,6 +141,7 @@
             <p14:sldId id="336"/>
             <p14:sldId id="338"/>
             <p14:sldId id="339"/>
+            <p14:sldId id="341"/>
           </p14:sldIdLst>
         </p14:section>
       </p14:sectionLst>
@@ -233,7 +235,7 @@
           <a:p>
             <a:fld id="{805DD47B-88CB-4049-9955-0141C22A9681}" type="datetimeFigureOut">
               <a:rPr lang="zh-TW" altLang="en-US" smtClean="0"/>
-              <a:t>2021/10/1</a:t>
+              <a:t>2021/10/4</a:t>
             </a:fld>
             <a:endParaRPr lang="zh-TW" altLang="en-US"/>
           </a:p>
@@ -399,7 +401,7 @@
           <a:p>
             <a:fld id="{3AECEA8C-F453-4DE5-BFED-DDEE4ECC0600}" type="datetimeFigureOut">
               <a:rPr lang="zh-TW" altLang="en-US" smtClean="0"/>
-              <a:t>2021/10/1</a:t>
+              <a:t>2021/10/4</a:t>
             </a:fld>
             <a:endParaRPr lang="zh-TW" altLang="en-US"/>
           </a:p>
@@ -3451,14 +3453,7 @@
                   <a:latin typeface="微軟正黑體" panose="020B0604030504040204" pitchFamily="34" charset="-120"/>
                   <a:ea typeface="微軟正黑體" panose="020B0604030504040204" pitchFamily="34" charset="-120"/>
                 </a:rPr>
-                <a:t>流程以及報警狀態升級、</a:t>
-              </a:r>
-              <a:r>
-                <a:rPr lang="zh-TW" altLang="en-US" sz="1200" dirty="0" smtClean="0">
-                  <a:latin typeface="微軟正黑體" panose="020B0604030504040204" pitchFamily="34" charset="-120"/>
-                  <a:ea typeface="微軟正黑體" panose="020B0604030504040204" pitchFamily="34" charset="-120"/>
-                </a:rPr>
-                <a:t>解除等功能，開發者僅需專注於報警升級</a:t>
+                <a:t>流程以及報警狀態升級、解除等功能，開發者僅需專注於報警升級</a:t>
               </a:r>
               <a:r>
                 <a:rPr lang="en-US" altLang="zh-TW" sz="1200" dirty="0" smtClean="0">
@@ -5613,21 +5608,21 @@
       </p:sp>
       <p:grpSp>
         <p:nvGrpSpPr>
-          <p:cNvPr id="57" name="群組 56"/>
+          <p:cNvPr id="3" name="群組 2"/>
           <p:cNvGrpSpPr/>
           <p:nvPr/>
         </p:nvGrpSpPr>
         <p:grpSpPr>
           <a:xfrm>
-            <a:off x="436240" y="1321098"/>
-            <a:ext cx="11165733" cy="664168"/>
-            <a:chOff x="436240" y="1009673"/>
-            <a:chExt cx="11165733" cy="664168"/>
+            <a:off x="436804" y="1321098"/>
+            <a:ext cx="11165169" cy="664168"/>
+            <a:chOff x="436804" y="1321098"/>
+            <a:chExt cx="11165169" cy="664168"/>
           </a:xfrm>
         </p:grpSpPr>
         <p:pic>
           <p:nvPicPr>
-            <p:cNvPr id="56" name="圖片 55"/>
+            <p:cNvPr id="36" name="圖片 35"/>
             <p:cNvPicPr>
               <a:picLocks noChangeAspect="1"/>
             </p:cNvPicPr>
@@ -5647,7 +5642,7 @@
           </p:blipFill>
           <p:spPr>
             <a:xfrm>
-              <a:off x="436240" y="1080676"/>
+              <a:off x="436804" y="1392100"/>
               <a:ext cx="540000" cy="540000"/>
             </a:xfrm>
             <a:prstGeom prst="rect">
@@ -5655,228 +5650,229 @@
             </a:prstGeom>
           </p:spPr>
         </p:pic>
-        <p:sp>
-          <p:nvSpPr>
-            <p:cNvPr id="53" name="矩形 52"/>
-            <p:cNvSpPr/>
+        <p:grpSp>
+          <p:nvGrpSpPr>
+            <p:cNvPr id="57" name="群組 56"/>
+            <p:cNvGrpSpPr/>
             <p:nvPr/>
-          </p:nvSpPr>
-          <p:spPr>
+          </p:nvGrpSpPr>
+          <p:grpSpPr>
             <a:xfrm>
-              <a:off x="1301814" y="1027510"/>
-              <a:ext cx="10300159" cy="646331"/>
+              <a:off x="1124232" y="1321098"/>
+              <a:ext cx="10477741" cy="664168"/>
+              <a:chOff x="1124232" y="1009673"/>
+              <a:chExt cx="10477741" cy="664168"/>
             </a:xfrm>
-            <a:prstGeom prst="rect">
-              <a:avLst/>
-            </a:prstGeom>
-          </p:spPr>
-          <p:txBody>
-            <a:bodyPr wrap="square">
-              <a:spAutoFit/>
-            </a:bodyPr>
-            <a:lstStyle/>
-            <a:p>
-              <a:pPr>
-                <a:lnSpc>
-                  <a:spcPct val="150000"/>
-                </a:lnSpc>
-              </a:pPr>
-              <a:r>
-                <a:rPr lang="en-US" altLang="zh-TW" sz="1200" dirty="0" smtClean="0">
+          </p:grpSpPr>
+          <p:sp>
+            <p:nvSpPr>
+              <p:cNvPr id="53" name="矩形 52"/>
+              <p:cNvSpPr/>
+              <p:nvPr/>
+            </p:nvSpPr>
+            <p:spPr>
+              <a:xfrm>
+                <a:off x="1301814" y="1027510"/>
+                <a:ext cx="10300159" cy="646331"/>
+              </a:xfrm>
+              <a:prstGeom prst="rect">
+                <a:avLst/>
+              </a:prstGeom>
+            </p:spPr>
+            <p:txBody>
+              <a:bodyPr wrap="square">
+                <a:spAutoFit/>
+              </a:bodyPr>
+              <a:lstStyle/>
+              <a:p>
+                <a:pPr>
+                  <a:lnSpc>
+                    <a:spcPct val="150000"/>
+                  </a:lnSpc>
+                </a:pPr>
+                <a:r>
+                  <a:rPr lang="en-US" altLang="zh-TW" sz="1200" dirty="0" smtClean="0">
+                    <a:latin typeface="微軟正黑體" panose="020B0604030504040204" pitchFamily="34" charset="-120"/>
+                    <a:ea typeface="微軟正黑體" panose="020B0604030504040204" pitchFamily="34" charset="-120"/>
+                  </a:rPr>
+                  <a:t>Alarm State </a:t>
+                </a:r>
+                <a:r>
+                  <a:rPr lang="zh-TW" altLang="en-US" sz="1200" dirty="0" smtClean="0">
+                    <a:latin typeface="微軟正黑體" panose="020B0604030504040204" pitchFamily="34" charset="-120"/>
+                    <a:ea typeface="微軟正黑體" panose="020B0604030504040204" pitchFamily="34" charset="-120"/>
+                  </a:rPr>
+                  <a:t>是提供報警狀態更新的抽象類別，開發者僅需要</a:t>
+                </a:r>
+                <a:r>
+                  <a:rPr lang="zh-TW" altLang="en-US" sz="1200" dirty="0">
+                    <a:latin typeface="微軟正黑體" panose="020B0604030504040204" pitchFamily="34" charset="-120"/>
+                    <a:ea typeface="微軟正黑體" panose="020B0604030504040204" pitchFamily="34" charset="-120"/>
+                  </a:rPr>
+                  <a:t>自訂</a:t>
+                </a:r>
+                <a:r>
+                  <a:rPr lang="zh-TW" altLang="en-US" sz="1200" dirty="0" smtClean="0">
+                    <a:latin typeface="微軟正黑體" panose="020B0604030504040204" pitchFamily="34" charset="-120"/>
+                    <a:ea typeface="微軟正黑體" panose="020B0604030504040204" pitchFamily="34" charset="-120"/>
+                  </a:rPr>
+                  <a:t>一個類別，繼承 </a:t>
+                </a:r>
+                <a:r>
+                  <a:rPr lang="en-US" altLang="zh-TW" sz="1200" dirty="0" err="1" smtClean="0">
+                    <a:latin typeface="微軟正黑體" panose="020B0604030504040204" pitchFamily="34" charset="-120"/>
+                    <a:ea typeface="微軟正黑體" panose="020B0604030504040204" pitchFamily="34" charset="-120"/>
+                  </a:rPr>
+                  <a:t>AlarmState</a:t>
+                </a:r>
+                <a:r>
+                  <a:rPr lang="zh-TW" altLang="en-US" sz="1200" dirty="0" smtClean="0">
+                    <a:latin typeface="微軟正黑體" panose="020B0604030504040204" pitchFamily="34" charset="-120"/>
+                    <a:ea typeface="微軟正黑體" panose="020B0604030504040204" pitchFamily="34" charset="-120"/>
+                  </a:rPr>
+                  <a:t>，並將特定的屬性及方法完成實作，即可啟用</a:t>
+                </a:r>
+                <a:r>
+                  <a:rPr lang="zh-TW" altLang="en-US" sz="1200" dirty="0">
+                    <a:latin typeface="微軟正黑體" panose="020B0604030504040204" pitchFamily="34" charset="-120"/>
+                    <a:ea typeface="微軟正黑體" panose="020B0604030504040204" pitchFamily="34" charset="-120"/>
+                  </a:rPr>
+                  <a:t>讓報警</a:t>
+                </a:r>
+                <a:r>
+                  <a:rPr lang="zh-TW" altLang="en-US" sz="1200" dirty="0" smtClean="0">
+                    <a:latin typeface="微軟正黑體" panose="020B0604030504040204" pitchFamily="34" charset="-120"/>
+                    <a:ea typeface="微軟正黑體" panose="020B0604030504040204" pitchFamily="34" charset="-120"/>
+                  </a:rPr>
+                  <a:t>進行觸發、升級以及解除。</a:t>
+                </a:r>
+                <a:endParaRPr lang="zh-TW" altLang="en-US" sz="1200" dirty="0">
                   <a:latin typeface="微軟正黑體" panose="020B0604030504040204" pitchFamily="34" charset="-120"/>
                   <a:ea typeface="微軟正黑體" panose="020B0604030504040204" pitchFamily="34" charset="-120"/>
-                </a:rPr>
-                <a:t>Alarm State </a:t>
-              </a:r>
-              <a:r>
-                <a:rPr lang="zh-TW" altLang="en-US" sz="1200" dirty="0" smtClean="0">
-                  <a:latin typeface="微軟正黑體" panose="020B0604030504040204" pitchFamily="34" charset="-120"/>
-                  <a:ea typeface="微軟正黑體" panose="020B0604030504040204" pitchFamily="34" charset="-120"/>
-                </a:rPr>
-                <a:t>是提供報警狀態更新的抽象類別，開發者僅需要</a:t>
-              </a:r>
-              <a:r>
-                <a:rPr lang="zh-TW" altLang="en-US" sz="1200" dirty="0">
-                  <a:latin typeface="微軟正黑體" panose="020B0604030504040204" pitchFamily="34" charset="-120"/>
-                  <a:ea typeface="微軟正黑體" panose="020B0604030504040204" pitchFamily="34" charset="-120"/>
-                </a:rPr>
-                <a:t>自訂</a:t>
-              </a:r>
-              <a:r>
-                <a:rPr lang="zh-TW" altLang="en-US" sz="1200" dirty="0" smtClean="0">
-                  <a:latin typeface="微軟正黑體" panose="020B0604030504040204" pitchFamily="34" charset="-120"/>
-                  <a:ea typeface="微軟正黑體" panose="020B0604030504040204" pitchFamily="34" charset="-120"/>
-                </a:rPr>
-                <a:t>一個類別，繼承 </a:t>
-              </a:r>
-              <a:r>
-                <a:rPr lang="en-US" altLang="zh-TW" sz="1200" dirty="0" err="1" smtClean="0">
-                  <a:latin typeface="微軟正黑體" panose="020B0604030504040204" pitchFamily="34" charset="-120"/>
-                  <a:ea typeface="微軟正黑體" panose="020B0604030504040204" pitchFamily="34" charset="-120"/>
-                </a:rPr>
-                <a:t>AlarmState</a:t>
-              </a:r>
-              <a:r>
-                <a:rPr lang="zh-TW" altLang="en-US" sz="1200" dirty="0" smtClean="0">
-                  <a:latin typeface="微軟正黑體" panose="020B0604030504040204" pitchFamily="34" charset="-120"/>
-                  <a:ea typeface="微軟正黑體" panose="020B0604030504040204" pitchFamily="34" charset="-120"/>
-                </a:rPr>
-                <a:t>，並</a:t>
-              </a:r>
-              <a:r>
-                <a:rPr lang="zh-TW" altLang="en-US" sz="1200" dirty="0" smtClean="0">
-                  <a:latin typeface="微軟正黑體" panose="020B0604030504040204" pitchFamily="34" charset="-120"/>
-                  <a:ea typeface="微軟正黑體" panose="020B0604030504040204" pitchFamily="34" charset="-120"/>
-                </a:rPr>
-                <a:t>將特定的屬性及方法完成實作，即可啟用</a:t>
-              </a:r>
-              <a:r>
-                <a:rPr lang="zh-TW" altLang="en-US" sz="1200" dirty="0">
-                  <a:latin typeface="微軟正黑體" panose="020B0604030504040204" pitchFamily="34" charset="-120"/>
-                  <a:ea typeface="微軟正黑體" panose="020B0604030504040204" pitchFamily="34" charset="-120"/>
-                </a:rPr>
-                <a:t>讓報警</a:t>
-              </a:r>
-              <a:r>
-                <a:rPr lang="zh-TW" altLang="en-US" sz="1200" dirty="0" smtClean="0">
-                  <a:latin typeface="微軟正黑體" panose="020B0604030504040204" pitchFamily="34" charset="-120"/>
-                  <a:ea typeface="微軟正黑體" panose="020B0604030504040204" pitchFamily="34" charset="-120"/>
-                </a:rPr>
-                <a:t>進行觸發、升級以及解除</a:t>
-              </a:r>
-              <a:r>
-                <a:rPr lang="zh-TW" altLang="en-US" sz="1200" dirty="0" smtClean="0">
-                  <a:latin typeface="微軟正黑體" panose="020B0604030504040204" pitchFamily="34" charset="-120"/>
-                  <a:ea typeface="微軟正黑體" panose="020B0604030504040204" pitchFamily="34" charset="-120"/>
-                </a:rPr>
-                <a:t>。</a:t>
-              </a:r>
-              <a:endParaRPr lang="zh-TW" altLang="en-US" sz="1200" dirty="0">
-                <a:latin typeface="微軟正黑體" panose="020B0604030504040204" pitchFamily="34" charset="-120"/>
-                <a:ea typeface="微軟正黑體" panose="020B0604030504040204" pitchFamily="34" charset="-120"/>
-              </a:endParaRPr>
-            </a:p>
-          </p:txBody>
-        </p:sp>
-        <p:pic>
-          <p:nvPicPr>
-            <p:cNvPr id="54" name="圖片 9">
+                </a:endParaRPr>
+              </a:p>
+            </p:txBody>
+          </p:sp>
+          <p:pic>
+            <p:nvPicPr>
+              <p:cNvPr id="54" name="圖片 9">
+                <a:extLst>
+                  <a:ext uri="{FF2B5EF4-FFF2-40B4-BE49-F238E27FC236}">
+                    <a16:creationId xmlns:a16="http://schemas.microsoft.com/office/drawing/2014/main" id="{9D59B93E-E126-406F-B7DE-9CF49808844E}"/>
+                  </a:ext>
+                </a:extLst>
+              </p:cNvPr>
+              <p:cNvPicPr>
+                <a:picLocks noChangeAspect="1" noChangeArrowheads="1"/>
+              </p:cNvPicPr>
+              <p:nvPr/>
+            </p:nvPicPr>
+            <p:blipFill>
+              <a:blip r:embed="rId3" cstate="print">
+                <a:biLevel thresh="75000"/>
+                <a:extLst>
+                  <a:ext uri="{BEBA8EAE-BF5A-486C-A8C5-ECC9F3942E4B}">
+                    <a14:imgProps xmlns:a14="http://schemas.microsoft.com/office/drawing/2010/main">
+                      <a14:imgLayer r:embed="rId4">
+                        <a14:imgEffect>
+                          <a14:sharpenSoften amount="-50000"/>
+                        </a14:imgEffect>
+                      </a14:imgLayer>
+                    </a14:imgProps>
+                  </a:ext>
+                  <a:ext uri="{28A0092B-C50C-407E-A947-70E740481C1C}">
+                    <a14:useLocalDpi xmlns:a14="http://schemas.microsoft.com/office/drawing/2010/main" val="0"/>
+                  </a:ext>
+                </a:extLst>
+              </a:blip>
+              <a:srcRect/>
+              <a:stretch>
+                <a:fillRect/>
+              </a:stretch>
+            </p:blipFill>
+            <p:spPr bwMode="auto">
+              <a:xfrm>
+                <a:off x="1124232" y="1009673"/>
+                <a:ext cx="150812" cy="150812"/>
+              </a:xfrm>
+              <a:prstGeom prst="rect">
+                <a:avLst/>
+              </a:prstGeom>
+              <a:noFill/>
+              <a:ln>
+                <a:noFill/>
+              </a:ln>
               <a:extLst>
-                <a:ext uri="{FF2B5EF4-FFF2-40B4-BE49-F238E27FC236}">
-                  <a16:creationId xmlns:a16="http://schemas.microsoft.com/office/drawing/2014/main" id="{9D59B93E-E126-406F-B7DE-9CF49808844E}"/>
+                <a:ext uri="{909E8E84-426E-40DD-AFC4-6F175D3DCCD1}">
+                  <a14:hiddenFill xmlns:a14="http://schemas.microsoft.com/office/drawing/2010/main">
+                    <a:solidFill>
+                      <a:srgbClr val="FFFFFF"/>
+                    </a:solidFill>
+                  </a14:hiddenFill>
+                </a:ext>
+                <a:ext uri="{91240B29-F687-4F45-9708-019B960494DF}">
+                  <a14:hiddenLine xmlns:a14="http://schemas.microsoft.com/office/drawing/2010/main" w="9525">
+                    <a:solidFill>
+                      <a:srgbClr val="000000"/>
+                    </a:solidFill>
+                    <a:miter lim="800000"/>
+                    <a:headEnd/>
+                    <a:tailEnd/>
+                  </a14:hiddenLine>
                 </a:ext>
               </a:extLst>
-            </p:cNvPr>
-            <p:cNvPicPr>
-              <a:picLocks noChangeAspect="1" noChangeArrowheads="1"/>
-            </p:cNvPicPr>
-            <p:nvPr/>
-          </p:nvPicPr>
-          <p:blipFill>
-            <a:blip r:embed="rId3" cstate="print">
-              <a:biLevel thresh="75000"/>
-              <a:extLst>
-                <a:ext uri="{BEBA8EAE-BF5A-486C-A8C5-ECC9F3942E4B}">
-                  <a14:imgProps xmlns:a14="http://schemas.microsoft.com/office/drawing/2010/main">
-                    <a14:imgLayer r:embed="rId4">
-                      <a14:imgEffect>
-                        <a14:sharpenSoften amount="-50000"/>
-                      </a14:imgEffect>
-                    </a14:imgLayer>
-                  </a14:imgProps>
-                </a:ext>
-                <a:ext uri="{28A0092B-C50C-407E-A947-70E740481C1C}">
-                  <a14:useLocalDpi xmlns:a14="http://schemas.microsoft.com/office/drawing/2010/main" val="0"/>
-                </a:ext>
-              </a:extLst>
-            </a:blip>
-            <a:srcRect/>
-            <a:stretch>
-              <a:fillRect/>
-            </a:stretch>
-          </p:blipFill>
-          <p:spPr bwMode="auto">
-            <a:xfrm>
-              <a:off x="1124232" y="1009673"/>
-              <a:ext cx="150812" cy="150812"/>
-            </a:xfrm>
-            <a:prstGeom prst="rect">
-              <a:avLst/>
-            </a:prstGeom>
-            <a:noFill/>
-            <a:ln>
+            </p:spPr>
+          </p:pic>
+          <p:pic>
+            <p:nvPicPr>
+              <p:cNvPr id="55" name="圖片 54">
+                <a:extLst>
+                  <a:ext uri="{FF2B5EF4-FFF2-40B4-BE49-F238E27FC236}">
+                    <a16:creationId xmlns:a16="http://schemas.microsoft.com/office/drawing/2014/main" id="{633E2425-8108-4EC1-A366-F0A5815B6015}"/>
+                  </a:ext>
+                </a:extLst>
+              </p:cNvPr>
+              <p:cNvPicPr/>
+              <p:nvPr/>
+            </p:nvPicPr>
+            <p:blipFill>
+              <a:blip r:embed="rId5" cstate="print">
+                <a:biLevel thresh="75000"/>
+                <a:extLst>
+                  <a:ext uri="{BEBA8EAE-BF5A-486C-A8C5-ECC9F3942E4B}">
+                    <a14:imgProps xmlns:a14="http://schemas.microsoft.com/office/drawing/2010/main">
+                      <a14:imgLayer r:embed="rId6">
+                        <a14:imgEffect>
+                          <a14:sharpenSoften amount="-50000"/>
+                        </a14:imgEffect>
+                      </a14:imgLayer>
+                    </a14:imgProps>
+                  </a:ext>
+                  <a:ext uri="{28A0092B-C50C-407E-A947-70E740481C1C}">
+                    <a14:useLocalDpi xmlns:a14="http://schemas.microsoft.com/office/drawing/2010/main" val="0"/>
+                  </a:ext>
+                </a:extLst>
+              </a:blip>
+              <a:srcRect/>
+              <a:stretch>
+                <a:fillRect/>
+              </a:stretch>
+            </p:blipFill>
+            <p:spPr bwMode="auto">
+              <a:xfrm>
+                <a:off x="2948640" y="1350675"/>
+                <a:ext cx="143510" cy="143510"/>
+              </a:xfrm>
+              <a:prstGeom prst="rect">
+                <a:avLst/>
+              </a:prstGeom>
               <a:noFill/>
-            </a:ln>
-            <a:extLst>
-              <a:ext uri="{909E8E84-426E-40DD-AFC4-6F175D3DCCD1}">
-                <a14:hiddenFill xmlns:a14="http://schemas.microsoft.com/office/drawing/2010/main">
-                  <a:solidFill>
-                    <a:srgbClr val="FFFFFF"/>
-                  </a:solidFill>
-                </a14:hiddenFill>
-              </a:ext>
-              <a:ext uri="{91240B29-F687-4F45-9708-019B960494DF}">
-                <a14:hiddenLine xmlns:a14="http://schemas.microsoft.com/office/drawing/2010/main" w="9525">
-                  <a:solidFill>
-                    <a:srgbClr val="000000"/>
-                  </a:solidFill>
-                  <a:miter lim="800000"/>
-                  <a:headEnd/>
-                  <a:tailEnd/>
-                </a14:hiddenLine>
-              </a:ext>
-            </a:extLst>
-          </p:spPr>
-        </p:pic>
-        <p:pic>
-          <p:nvPicPr>
-            <p:cNvPr id="55" name="圖片 54">
-              <a:extLst>
-                <a:ext uri="{FF2B5EF4-FFF2-40B4-BE49-F238E27FC236}">
-                  <a16:creationId xmlns:a16="http://schemas.microsoft.com/office/drawing/2014/main" id="{633E2425-8108-4EC1-A366-F0A5815B6015}"/>
-                </a:ext>
-              </a:extLst>
-            </p:cNvPr>
-            <p:cNvPicPr/>
-            <p:nvPr/>
-          </p:nvPicPr>
-          <p:blipFill>
-            <a:blip r:embed="rId5" cstate="print">
-              <a:biLevel thresh="75000"/>
-              <a:extLst>
-                <a:ext uri="{BEBA8EAE-BF5A-486C-A8C5-ECC9F3942E4B}">
-                  <a14:imgProps xmlns:a14="http://schemas.microsoft.com/office/drawing/2010/main">
-                    <a14:imgLayer r:embed="rId6">
-                      <a14:imgEffect>
-                        <a14:sharpenSoften amount="-50000"/>
-                      </a14:imgEffect>
-                    </a14:imgLayer>
-                  </a14:imgProps>
-                </a:ext>
-                <a:ext uri="{28A0092B-C50C-407E-A947-70E740481C1C}">
-                  <a14:useLocalDpi xmlns:a14="http://schemas.microsoft.com/office/drawing/2010/main" val="0"/>
-                </a:ext>
-              </a:extLst>
-            </a:blip>
-            <a:srcRect/>
-            <a:stretch>
-              <a:fillRect/>
-            </a:stretch>
-          </p:blipFill>
-          <p:spPr bwMode="auto">
-            <a:xfrm>
-              <a:off x="2948640" y="1350675"/>
-              <a:ext cx="143510" cy="143510"/>
-            </a:xfrm>
-            <a:prstGeom prst="rect">
-              <a:avLst/>
-            </a:prstGeom>
-            <a:noFill/>
-            <a:ln>
-              <a:noFill/>
-            </a:ln>
-          </p:spPr>
-        </p:pic>
+              <a:ln>
+                <a:noFill/>
+              </a:ln>
+            </p:spPr>
+          </p:pic>
+        </p:grpSp>
       </p:grpSp>
       <p:grpSp>
         <p:nvGrpSpPr>
@@ -6283,13 +6279,6 @@
                 </a:rPr>
                 <a:t>繼承範本</a:t>
               </a:r>
-              <a:endParaRPr lang="zh-TW" altLang="en-US" sz="1400" b="1" dirty="0">
-                <a:solidFill>
-                  <a:srgbClr val="262626"/>
-                </a:solidFill>
-                <a:latin typeface="微軟正黑體" panose="020B0604030504040204" pitchFamily="34" charset="-120"/>
-                <a:ea typeface="微軟正黑體" panose="020B0604030504040204" pitchFamily="34" charset="-120"/>
-              </a:endParaRPr>
             </a:p>
           </p:txBody>
         </p:sp>
@@ -13673,6 +13662,3015 @@
 </p:sld>
 </file>
 
+<file path=ppt/slides/slide12.xml><?xml version="1.0" encoding="utf-8"?>
+<p:sld xmlns:a="http://schemas.openxmlformats.org/drawingml/2006/main" xmlns:r="http://schemas.openxmlformats.org/officeDocument/2006/relationships" xmlns:p="http://schemas.openxmlformats.org/presentationml/2006/main">
+  <p:cSld>
+    <p:spTree>
+      <p:nvGrpSpPr>
+        <p:cNvPr id="1" name=""/>
+        <p:cNvGrpSpPr/>
+        <p:nvPr/>
+      </p:nvGrpSpPr>
+      <p:grpSpPr>
+        <a:xfrm>
+          <a:off x="0" y="0"/>
+          <a:ext cx="0" cy="0"/>
+          <a:chOff x="0" y="0"/>
+          <a:chExt cx="0" cy="0"/>
+        </a:xfrm>
+      </p:grpSpPr>
+      <p:sp>
+        <p:nvSpPr>
+          <p:cNvPr id="2" name="標題 1"/>
+          <p:cNvSpPr>
+            <a:spLocks noGrp="1"/>
+          </p:cNvSpPr>
+          <p:nvPr>
+            <p:ph type="title"/>
+          </p:nvPr>
+        </p:nvSpPr>
+        <p:spPr/>
+        <p:txBody>
+          <a:bodyPr/>
+          <a:lstStyle/>
+          <a:p>
+            <a:r>
+              <a:rPr lang="en-US" altLang="zh-TW" dirty="0" smtClean="0"/>
+              <a:t>DMC</a:t>
+            </a:r>
+            <a:r>
+              <a:rPr lang="zh-TW" altLang="en-US" dirty="0" smtClean="0"/>
+              <a:t> 套件</a:t>
+            </a:r>
+            <a:r>
+              <a:rPr lang="zh-TW" altLang="en-US" dirty="0"/>
+              <a:t>開發</a:t>
+            </a:r>
+            <a:r>
+              <a:rPr lang="zh-TW" altLang="en-US" dirty="0" smtClean="0"/>
+              <a:t>流程 </a:t>
+            </a:r>
+            <a:r>
+              <a:rPr lang="en-US" altLang="zh-TW" dirty="0" smtClean="0"/>
+              <a:t>– </a:t>
+            </a:r>
+            <a:r>
+              <a:rPr lang="zh-TW" altLang="en-US" dirty="0" smtClean="0"/>
+              <a:t>啟動報警服務</a:t>
+            </a:r>
+            <a:endParaRPr lang="zh-TW" altLang="en-US" dirty="0"/>
+          </a:p>
+        </p:txBody>
+      </p:sp>
+      <p:sp>
+        <p:nvSpPr>
+          <p:cNvPr id="5" name="＞形箭號 4"/>
+          <p:cNvSpPr/>
+          <p:nvPr/>
+        </p:nvSpPr>
+        <p:spPr>
+          <a:xfrm rot="5400000">
+            <a:off x="-1780974" y="3433966"/>
+            <a:ext cx="5137575" cy="269555"/>
+          </a:xfrm>
+          <a:prstGeom prst="chevron">
+            <a:avLst/>
+          </a:prstGeom>
+          <a:gradFill flip="none" rotWithShape="1">
+            <a:gsLst>
+              <a:gs pos="0">
+                <a:srgbClr val="006E94"/>
+              </a:gs>
+              <a:gs pos="100000">
+                <a:srgbClr val="91D44F"/>
+              </a:gs>
+            </a:gsLst>
+            <a:lin ang="10800000" scaled="1"/>
+            <a:tileRect/>
+          </a:gradFill>
+          <a:ln>
+            <a:noFill/>
+          </a:ln>
+        </p:spPr>
+        <p:style>
+          <a:lnRef idx="2">
+            <a:schemeClr val="accent1">
+              <a:shade val="50000"/>
+            </a:schemeClr>
+          </a:lnRef>
+          <a:fillRef idx="1">
+            <a:schemeClr val="accent1"/>
+          </a:fillRef>
+          <a:effectRef idx="0">
+            <a:schemeClr val="accent1"/>
+          </a:effectRef>
+          <a:fontRef idx="minor">
+            <a:schemeClr val="lt1"/>
+          </a:fontRef>
+        </p:style>
+        <p:txBody>
+          <a:bodyPr rtlCol="0" anchor="ctr"/>
+          <a:lstStyle/>
+          <a:p>
+            <a:pPr algn="ctr"/>
+            <a:endParaRPr lang="zh-TW" altLang="en-US">
+              <a:solidFill>
+                <a:schemeClr val="tx1"/>
+              </a:solidFill>
+            </a:endParaRPr>
+          </a:p>
+        </p:txBody>
+      </p:sp>
+      <p:sp>
+        <p:nvSpPr>
+          <p:cNvPr id="41" name="矩形 40"/>
+          <p:cNvSpPr/>
+          <p:nvPr/>
+        </p:nvSpPr>
+        <p:spPr>
+          <a:xfrm>
+            <a:off x="215374" y="3270215"/>
+            <a:ext cx="373353" cy="738664"/>
+          </a:xfrm>
+          <a:prstGeom prst="rect">
+            <a:avLst/>
+          </a:prstGeom>
+        </p:spPr>
+        <p:txBody>
+          <a:bodyPr wrap="square">
+            <a:spAutoFit/>
+          </a:bodyPr>
+          <a:lstStyle/>
+          <a:p>
+            <a:pPr marL="72000" algn="ctr"/>
+            <a:r>
+              <a:rPr lang="zh-TW" altLang="en-US" sz="1400" b="1" dirty="0" smtClean="0">
+                <a:latin typeface="微軟正黑體" panose="020B0604030504040204" pitchFamily="34" charset="-120"/>
+                <a:ea typeface="微軟正黑體" panose="020B0604030504040204" pitchFamily="34" charset="-120"/>
+              </a:rPr>
+              <a:t>完</a:t>
+            </a:r>
+            <a:endParaRPr lang="en-US" altLang="zh-TW" sz="1400" b="1" dirty="0" smtClean="0">
+              <a:latin typeface="微軟正黑體" panose="020B0604030504040204" pitchFamily="34" charset="-120"/>
+              <a:ea typeface="微軟正黑體" panose="020B0604030504040204" pitchFamily="34" charset="-120"/>
+            </a:endParaRPr>
+          </a:p>
+          <a:p>
+            <a:pPr marL="72000" algn="ctr"/>
+            <a:r>
+              <a:rPr lang="zh-TW" altLang="en-US" sz="1400" b="1" dirty="0" smtClean="0">
+                <a:latin typeface="微軟正黑體" panose="020B0604030504040204" pitchFamily="34" charset="-120"/>
+                <a:ea typeface="微軟正黑體" panose="020B0604030504040204" pitchFamily="34" charset="-120"/>
+              </a:rPr>
+              <a:t>成</a:t>
+            </a:r>
+            <a:endParaRPr lang="en-US" altLang="zh-TW" sz="1400" b="1" dirty="0" smtClean="0">
+              <a:latin typeface="微軟正黑體" panose="020B0604030504040204" pitchFamily="34" charset="-120"/>
+              <a:ea typeface="微軟正黑體" panose="020B0604030504040204" pitchFamily="34" charset="-120"/>
+            </a:endParaRPr>
+          </a:p>
+          <a:p>
+            <a:pPr marL="72000" algn="ctr"/>
+            <a:r>
+              <a:rPr lang="zh-TW" altLang="en-US" sz="1400" b="1" dirty="0" smtClean="0">
+                <a:latin typeface="微軟正黑體" panose="020B0604030504040204" pitchFamily="34" charset="-120"/>
+                <a:ea typeface="微軟正黑體" panose="020B0604030504040204" pitchFamily="34" charset="-120"/>
+              </a:rPr>
+              <a:t>度</a:t>
+            </a:r>
+            <a:endParaRPr lang="zh-TW" altLang="en-US" sz="1400" b="1" dirty="0">
+              <a:latin typeface="微軟正黑體" panose="020B0604030504040204" pitchFamily="34" charset="-120"/>
+              <a:ea typeface="微軟正黑體" panose="020B0604030504040204" pitchFamily="34" charset="-120"/>
+            </a:endParaRPr>
+          </a:p>
+        </p:txBody>
+      </p:sp>
+      <p:sp>
+        <p:nvSpPr>
+          <p:cNvPr id="10" name="矩形 9"/>
+          <p:cNvSpPr/>
+          <p:nvPr/>
+        </p:nvSpPr>
+        <p:spPr>
+          <a:xfrm>
+            <a:off x="618536" y="1233971"/>
+            <a:ext cx="338554" cy="276999"/>
+          </a:xfrm>
+          <a:prstGeom prst="rect">
+            <a:avLst/>
+          </a:prstGeom>
+        </p:spPr>
+        <p:txBody>
+          <a:bodyPr wrap="none">
+            <a:spAutoFit/>
+          </a:bodyPr>
+          <a:lstStyle/>
+          <a:p>
+            <a:pPr algn="ctr"/>
+            <a:r>
+              <a:rPr lang="zh-TW" altLang="en-US" sz="1200" b="1" dirty="0">
+                <a:latin typeface="微軟正黑體" panose="020B0604030504040204" pitchFamily="34" charset="-120"/>
+                <a:ea typeface="微軟正黑體" panose="020B0604030504040204" pitchFamily="34" charset="-120"/>
+              </a:rPr>
+              <a:t>低</a:t>
+            </a:r>
+            <a:endParaRPr lang="zh-TW" altLang="en-US" sz="1200" dirty="0"/>
+          </a:p>
+        </p:txBody>
+      </p:sp>
+      <p:sp>
+        <p:nvSpPr>
+          <p:cNvPr id="47" name="矩形 46"/>
+          <p:cNvSpPr/>
+          <p:nvPr/>
+        </p:nvSpPr>
+        <p:spPr>
+          <a:xfrm>
+            <a:off x="618536" y="5691915"/>
+            <a:ext cx="338554" cy="276999"/>
+          </a:xfrm>
+          <a:prstGeom prst="rect">
+            <a:avLst/>
+          </a:prstGeom>
+        </p:spPr>
+        <p:txBody>
+          <a:bodyPr wrap="none">
+            <a:spAutoFit/>
+          </a:bodyPr>
+          <a:lstStyle/>
+          <a:p>
+            <a:pPr algn="ctr"/>
+            <a:r>
+              <a:rPr lang="zh-TW" altLang="en-US" sz="1200" b="1" dirty="0" smtClean="0">
+                <a:solidFill>
+                  <a:schemeClr val="bg1"/>
+                </a:solidFill>
+                <a:latin typeface="微軟正黑體" panose="020B0604030504040204" pitchFamily="34" charset="-120"/>
+                <a:ea typeface="微軟正黑體" panose="020B0604030504040204" pitchFamily="34" charset="-120"/>
+              </a:rPr>
+              <a:t>高</a:t>
+            </a:r>
+            <a:endParaRPr lang="zh-TW" altLang="en-US" sz="1200" dirty="0">
+              <a:solidFill>
+                <a:schemeClr val="bg1"/>
+              </a:solidFill>
+            </a:endParaRPr>
+          </a:p>
+        </p:txBody>
+      </p:sp>
+      <p:grpSp>
+        <p:nvGrpSpPr>
+          <p:cNvPr id="59" name="群組 58"/>
+          <p:cNvGrpSpPr/>
+          <p:nvPr/>
+        </p:nvGrpSpPr>
+        <p:grpSpPr>
+          <a:xfrm rot="16200000">
+            <a:off x="1038959" y="1439572"/>
+            <a:ext cx="148972" cy="759376"/>
+            <a:chOff x="6048290" y="1854428"/>
+            <a:chExt cx="148972" cy="759376"/>
+          </a:xfrm>
+        </p:grpSpPr>
+        <p:sp>
+          <p:nvSpPr>
+            <p:cNvPr id="60" name="橢圓 59"/>
+            <p:cNvSpPr/>
+            <p:nvPr/>
+          </p:nvSpPr>
+          <p:spPr>
+            <a:xfrm>
+              <a:off x="6048290" y="1854428"/>
+              <a:ext cx="148972" cy="148972"/>
+            </a:xfrm>
+            <a:prstGeom prst="ellipse">
+              <a:avLst/>
+            </a:prstGeom>
+            <a:solidFill>
+              <a:schemeClr val="bg1">
+                <a:lumMod val="85000"/>
+              </a:schemeClr>
+            </a:solidFill>
+            <a:ln>
+              <a:noFill/>
+            </a:ln>
+          </p:spPr>
+          <p:style>
+            <a:lnRef idx="2">
+              <a:schemeClr val="accent1">
+                <a:shade val="50000"/>
+              </a:schemeClr>
+            </a:lnRef>
+            <a:fillRef idx="1">
+              <a:schemeClr val="accent1"/>
+            </a:fillRef>
+            <a:effectRef idx="0">
+              <a:schemeClr val="accent1"/>
+            </a:effectRef>
+            <a:fontRef idx="minor">
+              <a:schemeClr val="lt1"/>
+            </a:fontRef>
+          </p:style>
+          <p:txBody>
+            <a:bodyPr rtlCol="0" anchor="ctr"/>
+            <a:lstStyle/>
+            <a:p>
+              <a:pPr algn="ctr"/>
+              <a:endParaRPr lang="zh-TW" altLang="en-US"/>
+            </a:p>
+          </p:txBody>
+        </p:sp>
+        <p:cxnSp>
+          <p:nvCxnSpPr>
+            <p:cNvPr id="61" name="直線接點 60"/>
+            <p:cNvCxnSpPr/>
+            <p:nvPr/>
+          </p:nvCxnSpPr>
+          <p:spPr>
+            <a:xfrm>
+              <a:off x="6122776" y="2003400"/>
+              <a:ext cx="0" cy="610404"/>
+            </a:xfrm>
+            <a:prstGeom prst="line">
+              <a:avLst/>
+            </a:prstGeom>
+            <a:ln w="9525">
+              <a:solidFill>
+                <a:schemeClr val="bg1">
+                  <a:lumMod val="75000"/>
+                </a:schemeClr>
+              </a:solidFill>
+              <a:prstDash val="dash"/>
+            </a:ln>
+          </p:spPr>
+          <p:style>
+            <a:lnRef idx="1">
+              <a:schemeClr val="accent1"/>
+            </a:lnRef>
+            <a:fillRef idx="0">
+              <a:schemeClr val="accent1"/>
+            </a:fillRef>
+            <a:effectRef idx="0">
+              <a:schemeClr val="accent1"/>
+            </a:effectRef>
+            <a:fontRef idx="minor">
+              <a:schemeClr val="tx1"/>
+            </a:fontRef>
+          </p:style>
+        </p:cxnSp>
+      </p:grpSp>
+      <p:pic>
+        <p:nvPicPr>
+          <p:cNvPr id="62" name="圖片 61"/>
+          <p:cNvPicPr>
+            <a:picLocks noChangeAspect="1"/>
+          </p:cNvPicPr>
+          <p:nvPr/>
+        </p:nvPicPr>
+        <p:blipFill>
+          <a:blip r:embed="rId2">
+            <a:extLst>
+              <a:ext uri="{28A0092B-C50C-407E-A947-70E740481C1C}">
+                <a14:useLocalDpi xmlns:a14="http://schemas.microsoft.com/office/drawing/2010/main" val="0"/>
+              </a:ext>
+            </a:extLst>
+          </a:blip>
+          <a:stretch>
+            <a:fillRect/>
+          </a:stretch>
+        </p:blipFill>
+        <p:spPr>
+          <a:xfrm>
+            <a:off x="1702127" y="1459259"/>
+            <a:ext cx="720000" cy="720000"/>
+          </a:xfrm>
+          <a:prstGeom prst="rect">
+            <a:avLst/>
+          </a:prstGeom>
+        </p:spPr>
+      </p:pic>
+      <p:grpSp>
+        <p:nvGrpSpPr>
+          <p:cNvPr id="3" name="群組 2"/>
+          <p:cNvGrpSpPr/>
+          <p:nvPr/>
+        </p:nvGrpSpPr>
+        <p:grpSpPr>
+          <a:xfrm>
+            <a:off x="2681464" y="1357081"/>
+            <a:ext cx="2477764" cy="954108"/>
+            <a:chOff x="2681464" y="1357081"/>
+            <a:chExt cx="2477764" cy="954108"/>
+          </a:xfrm>
+        </p:grpSpPr>
+        <p:sp>
+          <p:nvSpPr>
+            <p:cNvPr id="66" name="矩形 65"/>
+            <p:cNvSpPr/>
+            <p:nvPr/>
+          </p:nvSpPr>
+          <p:spPr>
+            <a:xfrm>
+              <a:off x="2681464" y="1357081"/>
+              <a:ext cx="1733588" cy="307777"/>
+            </a:xfrm>
+            <a:prstGeom prst="rect">
+              <a:avLst/>
+            </a:prstGeom>
+          </p:spPr>
+          <p:txBody>
+            <a:bodyPr wrap="square">
+              <a:spAutoFit/>
+            </a:bodyPr>
+            <a:lstStyle/>
+            <a:p>
+              <a:r>
+                <a:rPr lang="zh-TW" altLang="en-US" sz="1400" b="1" dirty="0">
+                  <a:latin typeface="微軟正黑體" panose="020B0604030504040204" pitchFamily="34" charset="-120"/>
+                  <a:ea typeface="微軟正黑體" panose="020B0604030504040204" pitchFamily="34" charset="-120"/>
+                </a:rPr>
+                <a:t>報警</a:t>
+              </a:r>
+              <a:r>
+                <a:rPr lang="zh-TW" altLang="en-US" sz="1400" b="1" dirty="0" smtClean="0">
+                  <a:latin typeface="微軟正黑體" panose="020B0604030504040204" pitchFamily="34" charset="-120"/>
+                  <a:ea typeface="微軟正黑體" panose="020B0604030504040204" pitchFamily="34" charset="-120"/>
+                </a:rPr>
+                <a:t>狀態紀錄實</a:t>
+              </a:r>
+              <a:r>
+                <a:rPr lang="zh-TW" altLang="en-US" sz="1400" b="1" dirty="0">
+                  <a:latin typeface="微軟正黑體" panose="020B0604030504040204" pitchFamily="34" charset="-120"/>
+                  <a:ea typeface="微軟正黑體" panose="020B0604030504040204" pitchFamily="34" charset="-120"/>
+                </a:rPr>
+                <a:t>作</a:t>
+              </a:r>
+              <a:endParaRPr lang="zh-TW" altLang="en-US" sz="1400" b="1" dirty="0">
+                <a:latin typeface="微軟正黑體" panose="020B0604030504040204" pitchFamily="34" charset="-120"/>
+                <a:ea typeface="微軟正黑體" panose="020B0604030504040204" pitchFamily="34" charset="-120"/>
+              </a:endParaRPr>
+            </a:p>
+          </p:txBody>
+        </p:sp>
+        <p:sp>
+          <p:nvSpPr>
+            <p:cNvPr id="68" name="矩形 67"/>
+            <p:cNvSpPr/>
+            <p:nvPr/>
+          </p:nvSpPr>
+          <p:spPr>
+            <a:xfrm>
+              <a:off x="2681464" y="1664858"/>
+              <a:ext cx="2477764" cy="646331"/>
+            </a:xfrm>
+            <a:prstGeom prst="rect">
+              <a:avLst/>
+            </a:prstGeom>
+          </p:spPr>
+          <p:txBody>
+            <a:bodyPr wrap="square">
+              <a:spAutoFit/>
+            </a:bodyPr>
+            <a:lstStyle/>
+            <a:p>
+              <a:pPr>
+                <a:lnSpc>
+                  <a:spcPct val="150000"/>
+                </a:lnSpc>
+              </a:pPr>
+              <a:r>
+                <a:rPr lang="zh-TW" altLang="en-US" sz="1200" dirty="0">
+                  <a:latin typeface="微軟正黑體" panose="020B0604030504040204" pitchFamily="34" charset="-120"/>
+                  <a:ea typeface="微軟正黑體" panose="020B0604030504040204" pitchFamily="34" charset="-120"/>
+                </a:rPr>
+                <a:t>分別將非報警狀態、</a:t>
+              </a:r>
+              <a:r>
+                <a:rPr lang="en-US" altLang="zh-TW" sz="1200" dirty="0">
+                  <a:latin typeface="微軟正黑體" panose="020B0604030504040204" pitchFamily="34" charset="-120"/>
+                  <a:ea typeface="微軟正黑體" panose="020B0604030504040204" pitchFamily="34" charset="-120"/>
+                </a:rPr>
+                <a:t>L4 ~ L1 </a:t>
+              </a:r>
+              <a:r>
+                <a:rPr lang="zh-TW" altLang="en-US" sz="1200" dirty="0" smtClean="0">
+                  <a:latin typeface="微軟正黑體" panose="020B0604030504040204" pitchFamily="34" charset="-120"/>
+                  <a:ea typeface="微軟正黑體" panose="020B0604030504040204" pitchFamily="34" charset="-120"/>
+                </a:rPr>
+                <a:t>報警狀態紀錄完成</a:t>
+              </a:r>
+              <a:endParaRPr lang="zh-TW" altLang="en-US" sz="1200" dirty="0"/>
+            </a:p>
+          </p:txBody>
+        </p:sp>
+      </p:grpSp>
+      <p:graphicFrame>
+        <p:nvGraphicFramePr>
+          <p:cNvPr id="21" name="表格 20"/>
+          <p:cNvGraphicFramePr>
+            <a:graphicFrameLocks noGrp="1"/>
+          </p:cNvGraphicFramePr>
+          <p:nvPr>
+            <p:extLst>
+              <p:ext uri="{D42A27DB-BD31-4B8C-83A1-F6EECF244321}">
+                <p14:modId xmlns:p14="http://schemas.microsoft.com/office/powerpoint/2010/main" val="3276490202"/>
+              </p:ext>
+            </p:extLst>
+          </p:nvPr>
+        </p:nvGraphicFramePr>
+        <p:xfrm>
+          <a:off x="5678885" y="1819259"/>
+          <a:ext cx="6038159" cy="1257300"/>
+        </p:xfrm>
+        <a:graphic>
+          <a:graphicData uri="http://schemas.openxmlformats.org/drawingml/2006/table">
+            <a:tbl>
+              <a:tblPr/>
+              <a:tblGrid>
+                <a:gridCol w="445078">
+                  <a:extLst>
+                    <a:ext uri="{9D8B030D-6E8A-4147-A177-3AD203B41FA5}">
+                      <a16:colId xmlns:a16="http://schemas.microsoft.com/office/drawing/2014/main" val="2216700354"/>
+                    </a:ext>
+                  </a:extLst>
+                </a:gridCol>
+                <a:gridCol w="5593081">
+                  <a:extLst>
+                    <a:ext uri="{9D8B030D-6E8A-4147-A177-3AD203B41FA5}">
+                      <a16:colId xmlns:a16="http://schemas.microsoft.com/office/drawing/2014/main" val="4257436014"/>
+                    </a:ext>
+                  </a:extLst>
+                </a:gridCol>
+              </a:tblGrid>
+              <a:tr h="209550">
+                <a:tc>
+                  <a:txBody>
+                    <a:bodyPr/>
+                    <a:lstStyle/>
+                    <a:p>
+                      <a:pPr algn="ctr" fontAlgn="ctr"/>
+                      <a:r>
+                        <a:rPr lang="en-US" altLang="zh-TW" sz="1200" b="0" i="0" u="none" strike="noStrike">
+                          <a:solidFill>
+                            <a:srgbClr val="000000"/>
+                          </a:solidFill>
+                          <a:effectLst/>
+                          <a:latin typeface="Consolas" panose="020B0609020204030204" pitchFamily="49" charset="0"/>
+                          <a:ea typeface="新細明體" panose="02020500000000000000" pitchFamily="18" charset="-120"/>
+                        </a:rPr>
+                        <a:t>1</a:t>
+                      </a:r>
+                    </a:p>
+                  </a:txBody>
+                  <a:tcPr marL="9525" marR="9525" marT="9525" marB="0" anchor="ctr">
+                    <a:lnL w="12700" cap="flat" cmpd="sng" algn="ctr">
+                      <a:solidFill>
+                        <a:schemeClr val="bg1">
+                          <a:lumMod val="85000"/>
+                        </a:schemeClr>
+                      </a:solidFill>
+                      <a:prstDash val="solid"/>
+                      <a:round/>
+                      <a:headEnd type="none" w="med" len="med"/>
+                      <a:tailEnd type="none" w="med" len="med"/>
+                    </a:lnL>
+                    <a:lnR w="12700" cap="flat" cmpd="sng" algn="ctr">
+                      <a:solidFill>
+                        <a:schemeClr val="bg1">
+                          <a:lumMod val="85000"/>
+                        </a:schemeClr>
+                      </a:solidFill>
+                      <a:prstDash val="solid"/>
+                      <a:round/>
+                      <a:headEnd type="none" w="med" len="med"/>
+                      <a:tailEnd type="none" w="med" len="med"/>
+                    </a:lnR>
+                    <a:lnT w="12700" cap="flat" cmpd="sng" algn="ctr">
+                      <a:solidFill>
+                        <a:schemeClr val="bg1">
+                          <a:lumMod val="85000"/>
+                        </a:schemeClr>
+                      </a:solidFill>
+                      <a:prstDash val="solid"/>
+                      <a:round/>
+                      <a:headEnd type="none" w="med" len="med"/>
+                      <a:tailEnd type="none" w="med" len="med"/>
+                    </a:lnT>
+                    <a:lnB w="12700" cap="flat" cmpd="sng" algn="ctr">
+                      <a:solidFill>
+                        <a:schemeClr val="bg1">
+                          <a:lumMod val="85000"/>
+                        </a:schemeClr>
+                      </a:solidFill>
+                      <a:prstDash val="solid"/>
+                      <a:round/>
+                      <a:headEnd type="none" w="med" len="med"/>
+                      <a:tailEnd type="none" w="med" len="med"/>
+                    </a:lnB>
+                  </a:tcPr>
+                </a:tc>
+                <a:tc>
+                  <a:txBody>
+                    <a:bodyPr/>
+                    <a:lstStyle/>
+                    <a:p>
+                      <a:pPr algn="l" fontAlgn="ctr"/>
+                      <a:r>
+                        <a:rPr lang="en-US" sz="1100" b="0" i="0" u="none" strike="noStrike" dirty="0">
+                          <a:solidFill>
+                            <a:srgbClr val="AF00DB"/>
+                          </a:solidFill>
+                          <a:effectLst/>
+                          <a:latin typeface="Consolas" panose="020B0609020204030204" pitchFamily="49" charset="0"/>
+                          <a:ea typeface="新細明體" panose="02020500000000000000" pitchFamily="18" charset="-120"/>
+                        </a:rPr>
+                        <a:t>import</a:t>
+                      </a:r>
+                      <a:r>
+                        <a:rPr lang="en-US" sz="1100" b="0" i="0" u="none" strike="noStrike" dirty="0">
+                          <a:solidFill>
+                            <a:srgbClr val="000000"/>
+                          </a:solidFill>
+                          <a:effectLst/>
+                          <a:latin typeface="Consolas" panose="020B0609020204030204" pitchFamily="49" charset="0"/>
+                          <a:ea typeface="新細明體" panose="02020500000000000000" pitchFamily="18" charset="-120"/>
+                        </a:rPr>
+                        <a:t> { </a:t>
+                      </a:r>
+                      <a:r>
+                        <a:rPr lang="en-US" sz="1100" b="0" i="0" u="none" strike="noStrike" dirty="0">
+                          <a:solidFill>
+                            <a:srgbClr val="001080"/>
+                          </a:solidFill>
+                          <a:effectLst/>
+                          <a:latin typeface="Consolas" panose="020B0609020204030204" pitchFamily="49" charset="0"/>
+                          <a:ea typeface="新細明體" panose="02020500000000000000" pitchFamily="18" charset="-120"/>
+                        </a:rPr>
+                        <a:t>Log4js</a:t>
+                      </a:r>
+                      <a:r>
+                        <a:rPr lang="en-US" sz="1100" b="0" i="0" u="none" strike="noStrike" dirty="0">
+                          <a:solidFill>
+                            <a:srgbClr val="000000"/>
+                          </a:solidFill>
+                          <a:effectLst/>
+                          <a:latin typeface="Consolas" panose="020B0609020204030204" pitchFamily="49" charset="0"/>
+                          <a:ea typeface="新細明體" panose="02020500000000000000" pitchFamily="18" charset="-120"/>
+                        </a:rPr>
+                        <a:t> } </a:t>
+                      </a:r>
+                      <a:r>
+                        <a:rPr lang="en-US" sz="1100" b="0" i="0" u="none" strike="noStrike" dirty="0">
+                          <a:solidFill>
+                            <a:srgbClr val="AF00DB"/>
+                          </a:solidFill>
+                          <a:effectLst/>
+                          <a:latin typeface="Consolas" panose="020B0609020204030204" pitchFamily="49" charset="0"/>
+                          <a:ea typeface="新細明體" panose="02020500000000000000" pitchFamily="18" charset="-120"/>
+                        </a:rPr>
+                        <a:t>from</a:t>
+                      </a:r>
+                      <a:r>
+                        <a:rPr lang="en-US" sz="1100" b="0" i="0" u="none" strike="noStrike" dirty="0">
+                          <a:solidFill>
+                            <a:srgbClr val="000000"/>
+                          </a:solidFill>
+                          <a:effectLst/>
+                          <a:latin typeface="Consolas" panose="020B0609020204030204" pitchFamily="49" charset="0"/>
+                          <a:ea typeface="新細明體" panose="02020500000000000000" pitchFamily="18" charset="-120"/>
+                        </a:rPr>
+                        <a:t> </a:t>
+                      </a:r>
+                      <a:r>
+                        <a:rPr lang="en-US" sz="1100" b="0" i="0" u="none" strike="noStrike" dirty="0">
+                          <a:solidFill>
+                            <a:srgbClr val="A31515"/>
+                          </a:solidFill>
+                          <a:effectLst/>
+                          <a:latin typeface="Consolas" panose="020B0609020204030204" pitchFamily="49" charset="0"/>
+                          <a:ea typeface="新細明體" panose="02020500000000000000" pitchFamily="18" charset="-120"/>
+                        </a:rPr>
+                        <a:t>'../../lib'</a:t>
+                      </a:r>
+                      <a:r>
+                        <a:rPr lang="en-US" sz="1100" b="0" i="0" u="none" strike="noStrike" dirty="0">
+                          <a:solidFill>
+                            <a:srgbClr val="000000"/>
+                          </a:solidFill>
+                          <a:effectLst/>
+                          <a:latin typeface="Consolas" panose="020B0609020204030204" pitchFamily="49" charset="0"/>
+                          <a:ea typeface="新細明體" panose="02020500000000000000" pitchFamily="18" charset="-120"/>
+                        </a:rPr>
+                        <a:t>;</a:t>
+                      </a:r>
+                      <a:endParaRPr lang="en-US" sz="1100" b="0" i="0" u="none" strike="noStrike" dirty="0">
+                        <a:solidFill>
+                          <a:srgbClr val="AF00DB"/>
+                        </a:solidFill>
+                        <a:effectLst/>
+                        <a:latin typeface="Consolas" panose="020B0609020204030204" pitchFamily="49" charset="0"/>
+                        <a:ea typeface="新細明體" panose="02020500000000000000" pitchFamily="18" charset="-120"/>
+                      </a:endParaRPr>
+                    </a:p>
+                  </a:txBody>
+                  <a:tcPr marL="142875" marR="9525" marT="9525" marB="0" anchor="ctr">
+                    <a:lnL w="12700" cap="flat" cmpd="sng" algn="ctr">
+                      <a:solidFill>
+                        <a:schemeClr val="bg1">
+                          <a:lumMod val="85000"/>
+                        </a:schemeClr>
+                      </a:solidFill>
+                      <a:prstDash val="solid"/>
+                      <a:round/>
+                      <a:headEnd type="none" w="med" len="med"/>
+                      <a:tailEnd type="none" w="med" len="med"/>
+                    </a:lnL>
+                    <a:lnR w="12700" cap="flat" cmpd="sng" algn="ctr">
+                      <a:solidFill>
+                        <a:schemeClr val="bg1">
+                          <a:lumMod val="85000"/>
+                        </a:schemeClr>
+                      </a:solidFill>
+                      <a:prstDash val="solid"/>
+                      <a:round/>
+                      <a:headEnd type="none" w="med" len="med"/>
+                      <a:tailEnd type="none" w="med" len="med"/>
+                    </a:lnR>
+                    <a:lnT w="12700" cap="flat" cmpd="sng" algn="ctr">
+                      <a:solidFill>
+                        <a:schemeClr val="bg1">
+                          <a:lumMod val="85000"/>
+                        </a:schemeClr>
+                      </a:solidFill>
+                      <a:prstDash val="solid"/>
+                      <a:round/>
+                      <a:headEnd type="none" w="med" len="med"/>
+                      <a:tailEnd type="none" w="med" len="med"/>
+                    </a:lnT>
+                    <a:lnB w="12700" cap="flat" cmpd="sng" algn="ctr">
+                      <a:solidFill>
+                        <a:schemeClr val="bg1">
+                          <a:lumMod val="85000"/>
+                        </a:schemeClr>
+                      </a:solidFill>
+                      <a:prstDash val="solid"/>
+                      <a:round/>
+                      <a:headEnd type="none" w="med" len="med"/>
+                      <a:tailEnd type="none" w="med" len="med"/>
+                    </a:lnB>
+                  </a:tcPr>
+                </a:tc>
+                <a:extLst>
+                  <a:ext uri="{0D108BD9-81ED-4DB2-BD59-A6C34878D82A}">
+                    <a16:rowId xmlns:a16="http://schemas.microsoft.com/office/drawing/2014/main" val="3723120076"/>
+                  </a:ext>
+                </a:extLst>
+              </a:tr>
+              <a:tr h="209550">
+                <a:tc>
+                  <a:txBody>
+                    <a:bodyPr/>
+                    <a:lstStyle/>
+                    <a:p>
+                      <a:pPr algn="ctr" fontAlgn="ctr"/>
+                      <a:r>
+                        <a:rPr lang="en-US" altLang="zh-TW" sz="1200" b="0" i="0" u="none" strike="noStrike">
+                          <a:solidFill>
+                            <a:srgbClr val="000000"/>
+                          </a:solidFill>
+                          <a:effectLst/>
+                          <a:latin typeface="Consolas" panose="020B0609020204030204" pitchFamily="49" charset="0"/>
+                          <a:ea typeface="新細明體" panose="02020500000000000000" pitchFamily="18" charset="-120"/>
+                        </a:rPr>
+                        <a:t>2</a:t>
+                      </a:r>
+                    </a:p>
+                  </a:txBody>
+                  <a:tcPr marL="9525" marR="9525" marT="9525" marB="0" anchor="ctr">
+                    <a:lnL w="12700" cap="flat" cmpd="sng" algn="ctr">
+                      <a:solidFill>
+                        <a:schemeClr val="bg1">
+                          <a:lumMod val="85000"/>
+                        </a:schemeClr>
+                      </a:solidFill>
+                      <a:prstDash val="solid"/>
+                      <a:round/>
+                      <a:headEnd type="none" w="med" len="med"/>
+                      <a:tailEnd type="none" w="med" len="med"/>
+                    </a:lnL>
+                    <a:lnR w="12700" cap="flat" cmpd="sng" algn="ctr">
+                      <a:solidFill>
+                        <a:schemeClr val="bg1">
+                          <a:lumMod val="85000"/>
+                        </a:schemeClr>
+                      </a:solidFill>
+                      <a:prstDash val="solid"/>
+                      <a:round/>
+                      <a:headEnd type="none" w="med" len="med"/>
+                      <a:tailEnd type="none" w="med" len="med"/>
+                    </a:lnR>
+                    <a:lnT w="12700" cap="flat" cmpd="sng" algn="ctr">
+                      <a:solidFill>
+                        <a:schemeClr val="bg1">
+                          <a:lumMod val="85000"/>
+                        </a:schemeClr>
+                      </a:solidFill>
+                      <a:prstDash val="solid"/>
+                      <a:round/>
+                      <a:headEnd type="none" w="med" len="med"/>
+                      <a:tailEnd type="none" w="med" len="med"/>
+                    </a:lnT>
+                    <a:lnB w="12700" cap="flat" cmpd="sng" algn="ctr">
+                      <a:solidFill>
+                        <a:schemeClr val="bg1">
+                          <a:lumMod val="85000"/>
+                        </a:schemeClr>
+                      </a:solidFill>
+                      <a:prstDash val="solid"/>
+                      <a:round/>
+                      <a:headEnd type="none" w="med" len="med"/>
+                      <a:tailEnd type="none" w="med" len="med"/>
+                    </a:lnB>
+                  </a:tcPr>
+                </a:tc>
+                <a:tc>
+                  <a:txBody>
+                    <a:bodyPr/>
+                    <a:lstStyle/>
+                    <a:p>
+                      <a:pPr algn="l" fontAlgn="ctr"/>
+                      <a:r>
+                        <a:rPr lang="en-US" sz="1100" b="0" i="0" u="none" strike="noStrike">
+                          <a:solidFill>
+                            <a:srgbClr val="AF00DB"/>
+                          </a:solidFill>
+                          <a:effectLst/>
+                          <a:latin typeface="Consolas" panose="020B0609020204030204" pitchFamily="49" charset="0"/>
+                          <a:ea typeface="新細明體" panose="02020500000000000000" pitchFamily="18" charset="-120"/>
+                        </a:rPr>
+                        <a:t>import</a:t>
+                      </a:r>
+                      <a:r>
+                        <a:rPr lang="en-US" sz="1100" b="0" i="0" u="none" strike="noStrike">
+                          <a:solidFill>
+                            <a:srgbClr val="000000"/>
+                          </a:solidFill>
+                          <a:effectLst/>
+                          <a:latin typeface="Consolas" panose="020B0609020204030204" pitchFamily="49" charset="0"/>
+                          <a:ea typeface="新細明體" panose="02020500000000000000" pitchFamily="18" charset="-120"/>
+                        </a:rPr>
+                        <a:t> { </a:t>
+                      </a:r>
+                      <a:r>
+                        <a:rPr lang="en-US" sz="1100" b="0" i="0" u="none" strike="noStrike">
+                          <a:solidFill>
+                            <a:srgbClr val="001080"/>
+                          </a:solidFill>
+                          <a:effectLst/>
+                          <a:latin typeface="Consolas" panose="020B0609020204030204" pitchFamily="49" charset="0"/>
+                          <a:ea typeface="新細明體" panose="02020500000000000000" pitchFamily="18" charset="-120"/>
+                        </a:rPr>
+                        <a:t>AlarmService</a:t>
+                      </a:r>
+                      <a:r>
+                        <a:rPr lang="en-US" sz="1100" b="0" i="0" u="none" strike="noStrike">
+                          <a:solidFill>
+                            <a:srgbClr val="000000"/>
+                          </a:solidFill>
+                          <a:effectLst/>
+                          <a:latin typeface="Consolas" panose="020B0609020204030204" pitchFamily="49" charset="0"/>
+                          <a:ea typeface="新細明體" panose="02020500000000000000" pitchFamily="18" charset="-120"/>
+                        </a:rPr>
+                        <a:t> } </a:t>
+                      </a:r>
+                      <a:r>
+                        <a:rPr lang="en-US" sz="1100" b="0" i="0" u="none" strike="noStrike">
+                          <a:solidFill>
+                            <a:srgbClr val="AF00DB"/>
+                          </a:solidFill>
+                          <a:effectLst/>
+                          <a:latin typeface="Consolas" panose="020B0609020204030204" pitchFamily="49" charset="0"/>
+                          <a:ea typeface="新細明體" panose="02020500000000000000" pitchFamily="18" charset="-120"/>
+                        </a:rPr>
+                        <a:t>from</a:t>
+                      </a:r>
+                      <a:r>
+                        <a:rPr lang="en-US" sz="1100" b="0" i="0" u="none" strike="noStrike">
+                          <a:solidFill>
+                            <a:srgbClr val="000000"/>
+                          </a:solidFill>
+                          <a:effectLst/>
+                          <a:latin typeface="Consolas" panose="020B0609020204030204" pitchFamily="49" charset="0"/>
+                          <a:ea typeface="新細明體" panose="02020500000000000000" pitchFamily="18" charset="-120"/>
+                        </a:rPr>
+                        <a:t> </a:t>
+                      </a:r>
+                      <a:r>
+                        <a:rPr lang="en-US" sz="1100" b="0" i="0" u="none" strike="noStrike">
+                          <a:solidFill>
+                            <a:srgbClr val="A31515"/>
+                          </a:solidFill>
+                          <a:effectLst/>
+                          <a:latin typeface="Consolas" panose="020B0609020204030204" pitchFamily="49" charset="0"/>
+                          <a:ea typeface="新細明體" panose="02020500000000000000" pitchFamily="18" charset="-120"/>
+                        </a:rPr>
+                        <a:t>'./alarm.service'</a:t>
+                      </a:r>
+                      <a:r>
+                        <a:rPr lang="en-US" sz="1100" b="0" i="0" u="none" strike="noStrike">
+                          <a:solidFill>
+                            <a:srgbClr val="000000"/>
+                          </a:solidFill>
+                          <a:effectLst/>
+                          <a:latin typeface="Consolas" panose="020B0609020204030204" pitchFamily="49" charset="0"/>
+                          <a:ea typeface="新細明體" panose="02020500000000000000" pitchFamily="18" charset="-120"/>
+                        </a:rPr>
+                        <a:t>;</a:t>
+                      </a:r>
+                      <a:endParaRPr lang="en-US" sz="1100" b="0" i="0" u="none" strike="noStrike">
+                        <a:solidFill>
+                          <a:srgbClr val="AF00DB"/>
+                        </a:solidFill>
+                        <a:effectLst/>
+                        <a:latin typeface="Consolas" panose="020B0609020204030204" pitchFamily="49" charset="0"/>
+                        <a:ea typeface="新細明體" panose="02020500000000000000" pitchFamily="18" charset="-120"/>
+                      </a:endParaRPr>
+                    </a:p>
+                  </a:txBody>
+                  <a:tcPr marL="142875" marR="9525" marT="9525" marB="0" anchor="ctr">
+                    <a:lnL w="12700" cap="flat" cmpd="sng" algn="ctr">
+                      <a:solidFill>
+                        <a:schemeClr val="bg1">
+                          <a:lumMod val="85000"/>
+                        </a:schemeClr>
+                      </a:solidFill>
+                      <a:prstDash val="solid"/>
+                      <a:round/>
+                      <a:headEnd type="none" w="med" len="med"/>
+                      <a:tailEnd type="none" w="med" len="med"/>
+                    </a:lnL>
+                    <a:lnR w="12700" cap="flat" cmpd="sng" algn="ctr">
+                      <a:solidFill>
+                        <a:schemeClr val="bg1">
+                          <a:lumMod val="85000"/>
+                        </a:schemeClr>
+                      </a:solidFill>
+                      <a:prstDash val="solid"/>
+                      <a:round/>
+                      <a:headEnd type="none" w="med" len="med"/>
+                      <a:tailEnd type="none" w="med" len="med"/>
+                    </a:lnR>
+                    <a:lnT w="12700" cap="flat" cmpd="sng" algn="ctr">
+                      <a:solidFill>
+                        <a:schemeClr val="bg1">
+                          <a:lumMod val="85000"/>
+                        </a:schemeClr>
+                      </a:solidFill>
+                      <a:prstDash val="solid"/>
+                      <a:round/>
+                      <a:headEnd type="none" w="med" len="med"/>
+                      <a:tailEnd type="none" w="med" len="med"/>
+                    </a:lnT>
+                    <a:lnB w="12700" cap="flat" cmpd="sng" algn="ctr">
+                      <a:solidFill>
+                        <a:schemeClr val="bg1">
+                          <a:lumMod val="85000"/>
+                        </a:schemeClr>
+                      </a:solidFill>
+                      <a:prstDash val="solid"/>
+                      <a:round/>
+                      <a:headEnd type="none" w="med" len="med"/>
+                      <a:tailEnd type="none" w="med" len="med"/>
+                    </a:lnB>
+                  </a:tcPr>
+                </a:tc>
+                <a:extLst>
+                  <a:ext uri="{0D108BD9-81ED-4DB2-BD59-A6C34878D82A}">
+                    <a16:rowId xmlns:a16="http://schemas.microsoft.com/office/drawing/2014/main" val="1018724242"/>
+                  </a:ext>
+                </a:extLst>
+              </a:tr>
+              <a:tr h="209550">
+                <a:tc>
+                  <a:txBody>
+                    <a:bodyPr/>
+                    <a:lstStyle/>
+                    <a:p>
+                      <a:pPr algn="ctr" fontAlgn="ctr"/>
+                      <a:r>
+                        <a:rPr lang="en-US" altLang="zh-TW" sz="1200" b="0" i="0" u="none" strike="noStrike">
+                          <a:solidFill>
+                            <a:srgbClr val="000000"/>
+                          </a:solidFill>
+                          <a:effectLst/>
+                          <a:latin typeface="Consolas" panose="020B0609020204030204" pitchFamily="49" charset="0"/>
+                          <a:ea typeface="新細明體" panose="02020500000000000000" pitchFamily="18" charset="-120"/>
+                        </a:rPr>
+                        <a:t>3</a:t>
+                      </a:r>
+                    </a:p>
+                  </a:txBody>
+                  <a:tcPr marL="9525" marR="9525" marT="9525" marB="0" anchor="ctr">
+                    <a:lnL w="12700" cap="flat" cmpd="sng" algn="ctr">
+                      <a:solidFill>
+                        <a:schemeClr val="bg1">
+                          <a:lumMod val="85000"/>
+                        </a:schemeClr>
+                      </a:solidFill>
+                      <a:prstDash val="solid"/>
+                      <a:round/>
+                      <a:headEnd type="none" w="med" len="med"/>
+                      <a:tailEnd type="none" w="med" len="med"/>
+                    </a:lnL>
+                    <a:lnR w="12700" cap="flat" cmpd="sng" algn="ctr">
+                      <a:solidFill>
+                        <a:schemeClr val="bg1">
+                          <a:lumMod val="85000"/>
+                        </a:schemeClr>
+                      </a:solidFill>
+                      <a:prstDash val="solid"/>
+                      <a:round/>
+                      <a:headEnd type="none" w="med" len="med"/>
+                      <a:tailEnd type="none" w="med" len="med"/>
+                    </a:lnR>
+                    <a:lnT w="12700" cap="flat" cmpd="sng" algn="ctr">
+                      <a:solidFill>
+                        <a:schemeClr val="bg1">
+                          <a:lumMod val="85000"/>
+                        </a:schemeClr>
+                      </a:solidFill>
+                      <a:prstDash val="solid"/>
+                      <a:round/>
+                      <a:headEnd type="none" w="med" len="med"/>
+                      <a:tailEnd type="none" w="med" len="med"/>
+                    </a:lnT>
+                    <a:lnB w="12700" cap="flat" cmpd="sng" algn="ctr">
+                      <a:solidFill>
+                        <a:schemeClr val="bg1">
+                          <a:lumMod val="85000"/>
+                        </a:schemeClr>
+                      </a:solidFill>
+                      <a:prstDash val="solid"/>
+                      <a:round/>
+                      <a:headEnd type="none" w="med" len="med"/>
+                      <a:tailEnd type="none" w="med" len="med"/>
+                    </a:lnB>
+                  </a:tcPr>
+                </a:tc>
+                <a:tc>
+                  <a:txBody>
+                    <a:bodyPr/>
+                    <a:lstStyle/>
+                    <a:p>
+                      <a:pPr algn="l" fontAlgn="ctr"/>
+                      <a:endParaRPr lang="zh-TW" altLang="en-US" sz="1200" b="0" i="0" u="none" strike="noStrike" dirty="0">
+                        <a:solidFill>
+                          <a:srgbClr val="000000"/>
+                        </a:solidFill>
+                        <a:effectLst/>
+                        <a:latin typeface="新細明體" panose="02020500000000000000" pitchFamily="18" charset="-120"/>
+                        <a:ea typeface="新細明體" panose="02020500000000000000" pitchFamily="18" charset="-120"/>
+                      </a:endParaRPr>
+                    </a:p>
+                  </a:txBody>
+                  <a:tcPr marL="142875" marR="9525" marT="9525" marB="0" anchor="ctr">
+                    <a:lnL w="12700" cap="flat" cmpd="sng" algn="ctr">
+                      <a:solidFill>
+                        <a:schemeClr val="bg1">
+                          <a:lumMod val="85000"/>
+                        </a:schemeClr>
+                      </a:solidFill>
+                      <a:prstDash val="solid"/>
+                      <a:round/>
+                      <a:headEnd type="none" w="med" len="med"/>
+                      <a:tailEnd type="none" w="med" len="med"/>
+                    </a:lnL>
+                    <a:lnR w="12700" cap="flat" cmpd="sng" algn="ctr">
+                      <a:solidFill>
+                        <a:schemeClr val="bg1">
+                          <a:lumMod val="85000"/>
+                        </a:schemeClr>
+                      </a:solidFill>
+                      <a:prstDash val="solid"/>
+                      <a:round/>
+                      <a:headEnd type="none" w="med" len="med"/>
+                      <a:tailEnd type="none" w="med" len="med"/>
+                    </a:lnR>
+                    <a:lnT w="12700" cap="flat" cmpd="sng" algn="ctr">
+                      <a:solidFill>
+                        <a:schemeClr val="bg1">
+                          <a:lumMod val="85000"/>
+                        </a:schemeClr>
+                      </a:solidFill>
+                      <a:prstDash val="solid"/>
+                      <a:round/>
+                      <a:headEnd type="none" w="med" len="med"/>
+                      <a:tailEnd type="none" w="med" len="med"/>
+                    </a:lnT>
+                    <a:lnB w="12700" cap="flat" cmpd="sng" algn="ctr">
+                      <a:solidFill>
+                        <a:schemeClr val="bg1">
+                          <a:lumMod val="85000"/>
+                        </a:schemeClr>
+                      </a:solidFill>
+                      <a:prstDash val="solid"/>
+                      <a:round/>
+                      <a:headEnd type="none" w="med" len="med"/>
+                      <a:tailEnd type="none" w="med" len="med"/>
+                    </a:lnB>
+                  </a:tcPr>
+                </a:tc>
+                <a:extLst>
+                  <a:ext uri="{0D108BD9-81ED-4DB2-BD59-A6C34878D82A}">
+                    <a16:rowId xmlns:a16="http://schemas.microsoft.com/office/drawing/2014/main" val="3136639310"/>
+                  </a:ext>
+                </a:extLst>
+              </a:tr>
+              <a:tr h="209550">
+                <a:tc>
+                  <a:txBody>
+                    <a:bodyPr/>
+                    <a:lstStyle/>
+                    <a:p>
+                      <a:pPr algn="ctr" fontAlgn="ctr"/>
+                      <a:r>
+                        <a:rPr lang="en-US" altLang="zh-TW" sz="1200" b="0" i="0" u="none" strike="noStrike">
+                          <a:solidFill>
+                            <a:srgbClr val="000000"/>
+                          </a:solidFill>
+                          <a:effectLst/>
+                          <a:latin typeface="Consolas" panose="020B0609020204030204" pitchFamily="49" charset="0"/>
+                          <a:ea typeface="新細明體" panose="02020500000000000000" pitchFamily="18" charset="-120"/>
+                        </a:rPr>
+                        <a:t>4</a:t>
+                      </a:r>
+                    </a:p>
+                  </a:txBody>
+                  <a:tcPr marL="9525" marR="9525" marT="9525" marB="0" anchor="ctr">
+                    <a:lnL w="12700" cap="flat" cmpd="sng" algn="ctr">
+                      <a:solidFill>
+                        <a:schemeClr val="bg1">
+                          <a:lumMod val="85000"/>
+                        </a:schemeClr>
+                      </a:solidFill>
+                      <a:prstDash val="solid"/>
+                      <a:round/>
+                      <a:headEnd type="none" w="med" len="med"/>
+                      <a:tailEnd type="none" w="med" len="med"/>
+                    </a:lnL>
+                    <a:lnR w="12700" cap="flat" cmpd="sng" algn="ctr">
+                      <a:solidFill>
+                        <a:schemeClr val="bg1">
+                          <a:lumMod val="85000"/>
+                        </a:schemeClr>
+                      </a:solidFill>
+                      <a:prstDash val="solid"/>
+                      <a:round/>
+                      <a:headEnd type="none" w="med" len="med"/>
+                      <a:tailEnd type="none" w="med" len="med"/>
+                    </a:lnR>
+                    <a:lnT w="12700" cap="flat" cmpd="sng" algn="ctr">
+                      <a:solidFill>
+                        <a:schemeClr val="bg1">
+                          <a:lumMod val="85000"/>
+                        </a:schemeClr>
+                      </a:solidFill>
+                      <a:prstDash val="solid"/>
+                      <a:round/>
+                      <a:headEnd type="none" w="med" len="med"/>
+                      <a:tailEnd type="none" w="med" len="med"/>
+                    </a:lnT>
+                    <a:lnB w="12700" cap="flat" cmpd="sng" algn="ctr">
+                      <a:solidFill>
+                        <a:schemeClr val="bg1">
+                          <a:lumMod val="85000"/>
+                        </a:schemeClr>
+                      </a:solidFill>
+                      <a:prstDash val="solid"/>
+                      <a:round/>
+                      <a:headEnd type="none" w="med" len="med"/>
+                      <a:tailEnd type="none" w="med" len="med"/>
+                    </a:lnB>
+                  </a:tcPr>
+                </a:tc>
+                <a:tc>
+                  <a:txBody>
+                    <a:bodyPr/>
+                    <a:lstStyle/>
+                    <a:p>
+                      <a:pPr algn="l" fontAlgn="ctr"/>
+                      <a:r>
+                        <a:rPr lang="en-US" sz="1100" b="0" i="0" u="none" strike="noStrike" dirty="0" err="1">
+                          <a:solidFill>
+                            <a:srgbClr val="0000FF"/>
+                          </a:solidFill>
+                          <a:effectLst/>
+                          <a:latin typeface="Consolas" panose="020B0609020204030204" pitchFamily="49" charset="0"/>
+                          <a:ea typeface="新細明體" panose="02020500000000000000" pitchFamily="18" charset="-120"/>
+                        </a:rPr>
+                        <a:t>const</a:t>
+                      </a:r>
+                      <a:r>
+                        <a:rPr lang="en-US" sz="1100" b="0" i="0" u="none" strike="noStrike" dirty="0">
+                          <a:solidFill>
+                            <a:srgbClr val="000000"/>
+                          </a:solidFill>
+                          <a:effectLst/>
+                          <a:latin typeface="Consolas" panose="020B0609020204030204" pitchFamily="49" charset="0"/>
+                          <a:ea typeface="新細明體" panose="02020500000000000000" pitchFamily="18" charset="-120"/>
+                        </a:rPr>
+                        <a:t> </a:t>
+                      </a:r>
+                      <a:r>
+                        <a:rPr lang="en-US" sz="1100" b="0" i="0" u="none" strike="noStrike" dirty="0">
+                          <a:solidFill>
+                            <a:srgbClr val="0070C1"/>
+                          </a:solidFill>
+                          <a:effectLst/>
+                          <a:latin typeface="Consolas" panose="020B0609020204030204" pitchFamily="49" charset="0"/>
+                          <a:ea typeface="新細明體" panose="02020500000000000000" pitchFamily="18" charset="-120"/>
+                        </a:rPr>
+                        <a:t>logger</a:t>
+                      </a:r>
+                      <a:r>
+                        <a:rPr lang="en-US" sz="1100" b="0" i="0" u="none" strike="noStrike" dirty="0">
+                          <a:solidFill>
+                            <a:srgbClr val="000000"/>
+                          </a:solidFill>
+                          <a:effectLst/>
+                          <a:latin typeface="Consolas" panose="020B0609020204030204" pitchFamily="49" charset="0"/>
+                          <a:ea typeface="新細明體" panose="02020500000000000000" pitchFamily="18" charset="-120"/>
+                        </a:rPr>
+                        <a:t> = </a:t>
+                      </a:r>
+                      <a:r>
+                        <a:rPr lang="en-US" sz="1100" b="0" i="0" u="none" strike="noStrike" dirty="0">
+                          <a:solidFill>
+                            <a:srgbClr val="0000FF"/>
+                          </a:solidFill>
+                          <a:effectLst/>
+                          <a:latin typeface="Consolas" panose="020B0609020204030204" pitchFamily="49" charset="0"/>
+                          <a:ea typeface="新細明體" panose="02020500000000000000" pitchFamily="18" charset="-120"/>
+                        </a:rPr>
+                        <a:t>new</a:t>
+                      </a:r>
+                      <a:r>
+                        <a:rPr lang="en-US" sz="1100" b="0" i="0" u="none" strike="noStrike" dirty="0">
+                          <a:solidFill>
+                            <a:srgbClr val="000000"/>
+                          </a:solidFill>
+                          <a:effectLst/>
+                          <a:latin typeface="Consolas" panose="020B0609020204030204" pitchFamily="49" charset="0"/>
+                          <a:ea typeface="新細明體" panose="02020500000000000000" pitchFamily="18" charset="-120"/>
+                        </a:rPr>
+                        <a:t> </a:t>
+                      </a:r>
+                      <a:r>
+                        <a:rPr lang="en-US" sz="1100" b="0" i="0" u="none" strike="noStrike" dirty="0">
+                          <a:solidFill>
+                            <a:srgbClr val="795E26"/>
+                          </a:solidFill>
+                          <a:effectLst/>
+                          <a:latin typeface="Consolas" panose="020B0609020204030204" pitchFamily="49" charset="0"/>
+                          <a:ea typeface="新細明體" panose="02020500000000000000" pitchFamily="18" charset="-120"/>
+                        </a:rPr>
+                        <a:t>Log4js</a:t>
+                      </a:r>
+                      <a:r>
+                        <a:rPr lang="en-US" sz="1100" b="0" i="0" u="none" strike="noStrike" dirty="0">
+                          <a:solidFill>
+                            <a:srgbClr val="000000"/>
+                          </a:solidFill>
+                          <a:effectLst/>
+                          <a:latin typeface="Consolas" panose="020B0609020204030204" pitchFamily="49" charset="0"/>
+                          <a:ea typeface="新細明體" panose="02020500000000000000" pitchFamily="18" charset="-120"/>
+                        </a:rPr>
+                        <a:t>(</a:t>
+                      </a:r>
+                      <a:r>
+                        <a:rPr lang="en-US" sz="1100" b="0" i="0" u="none" strike="noStrike" dirty="0">
+                          <a:solidFill>
+                            <a:srgbClr val="A31515"/>
+                          </a:solidFill>
+                          <a:effectLst/>
+                          <a:latin typeface="Consolas" panose="020B0609020204030204" pitchFamily="49" charset="0"/>
+                          <a:ea typeface="新細明體" panose="02020500000000000000" pitchFamily="18" charset="-120"/>
+                        </a:rPr>
+                        <a:t>'EXAMPLE'</a:t>
+                      </a:r>
+                      <a:r>
+                        <a:rPr lang="en-US" sz="1100" b="0" i="0" u="none" strike="noStrike" dirty="0">
+                          <a:solidFill>
+                            <a:srgbClr val="000000"/>
+                          </a:solidFill>
+                          <a:effectLst/>
+                          <a:latin typeface="Consolas" panose="020B0609020204030204" pitchFamily="49" charset="0"/>
+                          <a:ea typeface="新細明體" panose="02020500000000000000" pitchFamily="18" charset="-120"/>
+                        </a:rPr>
+                        <a:t>);</a:t>
+                      </a:r>
+                      <a:endParaRPr lang="en-US" sz="1100" b="0" i="0" u="none" strike="noStrike" dirty="0">
+                        <a:solidFill>
+                          <a:srgbClr val="0000FF"/>
+                        </a:solidFill>
+                        <a:effectLst/>
+                        <a:latin typeface="Consolas" panose="020B0609020204030204" pitchFamily="49" charset="0"/>
+                        <a:ea typeface="新細明體" panose="02020500000000000000" pitchFamily="18" charset="-120"/>
+                      </a:endParaRPr>
+                    </a:p>
+                  </a:txBody>
+                  <a:tcPr marL="142875" marR="9525" marT="9525" marB="0" anchor="ctr">
+                    <a:lnL w="12700" cap="flat" cmpd="sng" algn="ctr">
+                      <a:solidFill>
+                        <a:schemeClr val="bg1">
+                          <a:lumMod val="85000"/>
+                        </a:schemeClr>
+                      </a:solidFill>
+                      <a:prstDash val="solid"/>
+                      <a:round/>
+                      <a:headEnd type="none" w="med" len="med"/>
+                      <a:tailEnd type="none" w="med" len="med"/>
+                    </a:lnL>
+                    <a:lnR w="12700" cap="flat" cmpd="sng" algn="ctr">
+                      <a:solidFill>
+                        <a:schemeClr val="bg1">
+                          <a:lumMod val="85000"/>
+                        </a:schemeClr>
+                      </a:solidFill>
+                      <a:prstDash val="solid"/>
+                      <a:round/>
+                      <a:headEnd type="none" w="med" len="med"/>
+                      <a:tailEnd type="none" w="med" len="med"/>
+                    </a:lnR>
+                    <a:lnT w="12700" cap="flat" cmpd="sng" algn="ctr">
+                      <a:solidFill>
+                        <a:schemeClr val="bg1">
+                          <a:lumMod val="85000"/>
+                        </a:schemeClr>
+                      </a:solidFill>
+                      <a:prstDash val="solid"/>
+                      <a:round/>
+                      <a:headEnd type="none" w="med" len="med"/>
+                      <a:tailEnd type="none" w="med" len="med"/>
+                    </a:lnT>
+                    <a:lnB w="12700" cap="flat" cmpd="sng" algn="ctr">
+                      <a:solidFill>
+                        <a:schemeClr val="bg1">
+                          <a:lumMod val="85000"/>
+                        </a:schemeClr>
+                      </a:solidFill>
+                      <a:prstDash val="solid"/>
+                      <a:round/>
+                      <a:headEnd type="none" w="med" len="med"/>
+                      <a:tailEnd type="none" w="med" len="med"/>
+                    </a:lnB>
+                  </a:tcPr>
+                </a:tc>
+                <a:extLst>
+                  <a:ext uri="{0D108BD9-81ED-4DB2-BD59-A6C34878D82A}">
+                    <a16:rowId xmlns:a16="http://schemas.microsoft.com/office/drawing/2014/main" val="125620166"/>
+                  </a:ext>
+                </a:extLst>
+              </a:tr>
+              <a:tr h="209550">
+                <a:tc>
+                  <a:txBody>
+                    <a:bodyPr/>
+                    <a:lstStyle/>
+                    <a:p>
+                      <a:pPr algn="ctr" fontAlgn="ctr"/>
+                      <a:r>
+                        <a:rPr lang="en-US" altLang="zh-TW" sz="1200" b="0" i="0" u="none" strike="noStrike">
+                          <a:solidFill>
+                            <a:srgbClr val="000000"/>
+                          </a:solidFill>
+                          <a:effectLst/>
+                          <a:latin typeface="Consolas" panose="020B0609020204030204" pitchFamily="49" charset="0"/>
+                          <a:ea typeface="新細明體" panose="02020500000000000000" pitchFamily="18" charset="-120"/>
+                        </a:rPr>
+                        <a:t>5</a:t>
+                      </a:r>
+                    </a:p>
+                  </a:txBody>
+                  <a:tcPr marL="9525" marR="9525" marT="9525" marB="0" anchor="ctr">
+                    <a:lnL w="12700" cap="flat" cmpd="sng" algn="ctr">
+                      <a:solidFill>
+                        <a:schemeClr val="bg1">
+                          <a:lumMod val="85000"/>
+                        </a:schemeClr>
+                      </a:solidFill>
+                      <a:prstDash val="solid"/>
+                      <a:round/>
+                      <a:headEnd type="none" w="med" len="med"/>
+                      <a:tailEnd type="none" w="med" len="med"/>
+                    </a:lnL>
+                    <a:lnR w="12700" cap="flat" cmpd="sng" algn="ctr">
+                      <a:solidFill>
+                        <a:schemeClr val="bg1">
+                          <a:lumMod val="85000"/>
+                        </a:schemeClr>
+                      </a:solidFill>
+                      <a:prstDash val="solid"/>
+                      <a:round/>
+                      <a:headEnd type="none" w="med" len="med"/>
+                      <a:tailEnd type="none" w="med" len="med"/>
+                    </a:lnR>
+                    <a:lnT w="12700" cap="flat" cmpd="sng" algn="ctr">
+                      <a:solidFill>
+                        <a:schemeClr val="bg1">
+                          <a:lumMod val="85000"/>
+                        </a:schemeClr>
+                      </a:solidFill>
+                      <a:prstDash val="solid"/>
+                      <a:round/>
+                      <a:headEnd type="none" w="med" len="med"/>
+                      <a:tailEnd type="none" w="med" len="med"/>
+                    </a:lnT>
+                    <a:lnB w="12700" cap="flat" cmpd="sng" algn="ctr">
+                      <a:solidFill>
+                        <a:schemeClr val="bg1">
+                          <a:lumMod val="85000"/>
+                        </a:schemeClr>
+                      </a:solidFill>
+                      <a:prstDash val="solid"/>
+                      <a:round/>
+                      <a:headEnd type="none" w="med" len="med"/>
+                      <a:tailEnd type="none" w="med" len="med"/>
+                    </a:lnB>
+                  </a:tcPr>
+                </a:tc>
+                <a:tc>
+                  <a:txBody>
+                    <a:bodyPr/>
+                    <a:lstStyle/>
+                    <a:p>
+                      <a:pPr algn="l" fontAlgn="ctr"/>
+                      <a:r>
+                        <a:rPr lang="en-US" sz="1100" b="0" i="0" u="none" strike="noStrike">
+                          <a:solidFill>
+                            <a:srgbClr val="0000FF"/>
+                          </a:solidFill>
+                          <a:effectLst/>
+                          <a:latin typeface="Consolas" panose="020B0609020204030204" pitchFamily="49" charset="0"/>
+                          <a:ea typeface="新細明體" panose="02020500000000000000" pitchFamily="18" charset="-120"/>
+                        </a:rPr>
+                        <a:t>const</a:t>
+                      </a:r>
+                      <a:r>
+                        <a:rPr lang="en-US" sz="1100" b="0" i="0" u="none" strike="noStrike">
+                          <a:solidFill>
+                            <a:srgbClr val="000000"/>
+                          </a:solidFill>
+                          <a:effectLst/>
+                          <a:latin typeface="Consolas" panose="020B0609020204030204" pitchFamily="49" charset="0"/>
+                          <a:ea typeface="新細明體" panose="02020500000000000000" pitchFamily="18" charset="-120"/>
+                        </a:rPr>
+                        <a:t> </a:t>
+                      </a:r>
+                      <a:r>
+                        <a:rPr lang="en-US" sz="1100" b="0" i="0" u="none" strike="noStrike">
+                          <a:solidFill>
+                            <a:srgbClr val="0070C1"/>
+                          </a:solidFill>
+                          <a:effectLst/>
+                          <a:latin typeface="Consolas" panose="020B0609020204030204" pitchFamily="49" charset="0"/>
+                          <a:ea typeface="新細明體" panose="02020500000000000000" pitchFamily="18" charset="-120"/>
+                        </a:rPr>
+                        <a:t>alarmService</a:t>
+                      </a:r>
+                      <a:r>
+                        <a:rPr lang="en-US" sz="1100" b="0" i="0" u="none" strike="noStrike">
+                          <a:solidFill>
+                            <a:srgbClr val="000000"/>
+                          </a:solidFill>
+                          <a:effectLst/>
+                          <a:latin typeface="Consolas" panose="020B0609020204030204" pitchFamily="49" charset="0"/>
+                          <a:ea typeface="新細明體" panose="02020500000000000000" pitchFamily="18" charset="-120"/>
+                        </a:rPr>
+                        <a:t> = </a:t>
+                      </a:r>
+                      <a:r>
+                        <a:rPr lang="en-US" sz="1100" b="0" i="0" u="none" strike="noStrike">
+                          <a:solidFill>
+                            <a:srgbClr val="0000FF"/>
+                          </a:solidFill>
+                          <a:effectLst/>
+                          <a:latin typeface="Consolas" panose="020B0609020204030204" pitchFamily="49" charset="0"/>
+                          <a:ea typeface="新細明體" panose="02020500000000000000" pitchFamily="18" charset="-120"/>
+                        </a:rPr>
+                        <a:t>new</a:t>
+                      </a:r>
+                      <a:r>
+                        <a:rPr lang="en-US" sz="1100" b="0" i="0" u="none" strike="noStrike">
+                          <a:solidFill>
+                            <a:srgbClr val="000000"/>
+                          </a:solidFill>
+                          <a:effectLst/>
+                          <a:latin typeface="Consolas" panose="020B0609020204030204" pitchFamily="49" charset="0"/>
+                          <a:ea typeface="新細明體" panose="02020500000000000000" pitchFamily="18" charset="-120"/>
+                        </a:rPr>
+                        <a:t> </a:t>
+                      </a:r>
+                      <a:r>
+                        <a:rPr lang="en-US" sz="1100" b="0" i="0" u="none" strike="noStrike">
+                          <a:solidFill>
+                            <a:srgbClr val="795E26"/>
+                          </a:solidFill>
+                          <a:effectLst/>
+                          <a:latin typeface="Consolas" panose="020B0609020204030204" pitchFamily="49" charset="0"/>
+                          <a:ea typeface="新細明體" panose="02020500000000000000" pitchFamily="18" charset="-120"/>
+                        </a:rPr>
+                        <a:t>AlarmService</a:t>
+                      </a:r>
+                      <a:r>
+                        <a:rPr lang="en-US" sz="1100" b="0" i="0" u="none" strike="noStrike">
+                          <a:solidFill>
+                            <a:srgbClr val="000000"/>
+                          </a:solidFill>
+                          <a:effectLst/>
+                          <a:latin typeface="Consolas" panose="020B0609020204030204" pitchFamily="49" charset="0"/>
+                          <a:ea typeface="新細明體" panose="02020500000000000000" pitchFamily="18" charset="-120"/>
+                        </a:rPr>
+                        <a:t>(</a:t>
+                      </a:r>
+                      <a:r>
+                        <a:rPr lang="en-US" sz="1100" b="0" i="0" u="none" strike="noStrike">
+                          <a:solidFill>
+                            <a:srgbClr val="A31515"/>
+                          </a:solidFill>
+                          <a:effectLst/>
+                          <a:latin typeface="Consolas" panose="020B0609020204030204" pitchFamily="49" charset="0"/>
+                          <a:ea typeface="新細明體" panose="02020500000000000000" pitchFamily="18" charset="-120"/>
+                        </a:rPr>
+                        <a:t>'example'</a:t>
+                      </a:r>
+                      <a:r>
+                        <a:rPr lang="en-US" sz="1100" b="0" i="0" u="none" strike="noStrike">
+                          <a:solidFill>
+                            <a:srgbClr val="000000"/>
+                          </a:solidFill>
+                          <a:effectLst/>
+                          <a:latin typeface="Consolas" panose="020B0609020204030204" pitchFamily="49" charset="0"/>
+                          <a:ea typeface="新細明體" panose="02020500000000000000" pitchFamily="18" charset="-120"/>
+                        </a:rPr>
+                        <a:t>);</a:t>
+                      </a:r>
+                      <a:endParaRPr lang="en-US" sz="1100" b="0" i="0" u="none" strike="noStrike">
+                        <a:solidFill>
+                          <a:srgbClr val="0000FF"/>
+                        </a:solidFill>
+                        <a:effectLst/>
+                        <a:latin typeface="Consolas" panose="020B0609020204030204" pitchFamily="49" charset="0"/>
+                        <a:ea typeface="新細明體" panose="02020500000000000000" pitchFamily="18" charset="-120"/>
+                      </a:endParaRPr>
+                    </a:p>
+                  </a:txBody>
+                  <a:tcPr marL="142875" marR="9525" marT="9525" marB="0" anchor="ctr">
+                    <a:lnL w="12700" cap="flat" cmpd="sng" algn="ctr">
+                      <a:solidFill>
+                        <a:schemeClr val="bg1">
+                          <a:lumMod val="85000"/>
+                        </a:schemeClr>
+                      </a:solidFill>
+                      <a:prstDash val="solid"/>
+                      <a:round/>
+                      <a:headEnd type="none" w="med" len="med"/>
+                      <a:tailEnd type="none" w="med" len="med"/>
+                    </a:lnL>
+                    <a:lnR w="12700" cap="flat" cmpd="sng" algn="ctr">
+                      <a:solidFill>
+                        <a:schemeClr val="bg1">
+                          <a:lumMod val="85000"/>
+                        </a:schemeClr>
+                      </a:solidFill>
+                      <a:prstDash val="solid"/>
+                      <a:round/>
+                      <a:headEnd type="none" w="med" len="med"/>
+                      <a:tailEnd type="none" w="med" len="med"/>
+                    </a:lnR>
+                    <a:lnT w="12700" cap="flat" cmpd="sng" algn="ctr">
+                      <a:solidFill>
+                        <a:schemeClr val="bg1">
+                          <a:lumMod val="85000"/>
+                        </a:schemeClr>
+                      </a:solidFill>
+                      <a:prstDash val="solid"/>
+                      <a:round/>
+                      <a:headEnd type="none" w="med" len="med"/>
+                      <a:tailEnd type="none" w="med" len="med"/>
+                    </a:lnT>
+                    <a:lnB w="12700" cap="flat" cmpd="sng" algn="ctr">
+                      <a:solidFill>
+                        <a:schemeClr val="bg1">
+                          <a:lumMod val="85000"/>
+                        </a:schemeClr>
+                      </a:solidFill>
+                      <a:prstDash val="solid"/>
+                      <a:round/>
+                      <a:headEnd type="none" w="med" len="med"/>
+                      <a:tailEnd type="none" w="med" len="med"/>
+                    </a:lnB>
+                  </a:tcPr>
+                </a:tc>
+                <a:extLst>
+                  <a:ext uri="{0D108BD9-81ED-4DB2-BD59-A6C34878D82A}">
+                    <a16:rowId xmlns:a16="http://schemas.microsoft.com/office/drawing/2014/main" val="4206320362"/>
+                  </a:ext>
+                </a:extLst>
+              </a:tr>
+              <a:tr h="209550">
+                <a:tc>
+                  <a:txBody>
+                    <a:bodyPr/>
+                    <a:lstStyle/>
+                    <a:p>
+                      <a:pPr algn="ctr" fontAlgn="ctr"/>
+                      <a:r>
+                        <a:rPr lang="en-US" altLang="zh-TW" sz="1200" b="0" i="0" u="none" strike="noStrike">
+                          <a:solidFill>
+                            <a:srgbClr val="000000"/>
+                          </a:solidFill>
+                          <a:effectLst/>
+                          <a:latin typeface="Consolas" panose="020B0609020204030204" pitchFamily="49" charset="0"/>
+                          <a:ea typeface="新細明體" panose="02020500000000000000" pitchFamily="18" charset="-120"/>
+                        </a:rPr>
+                        <a:t>6</a:t>
+                      </a:r>
+                    </a:p>
+                  </a:txBody>
+                  <a:tcPr marL="9525" marR="9525" marT="9525" marB="0" anchor="ctr">
+                    <a:lnL w="12700" cap="flat" cmpd="sng" algn="ctr">
+                      <a:solidFill>
+                        <a:schemeClr val="bg1">
+                          <a:lumMod val="85000"/>
+                        </a:schemeClr>
+                      </a:solidFill>
+                      <a:prstDash val="solid"/>
+                      <a:round/>
+                      <a:headEnd type="none" w="med" len="med"/>
+                      <a:tailEnd type="none" w="med" len="med"/>
+                    </a:lnL>
+                    <a:lnR w="12700" cap="flat" cmpd="sng" algn="ctr">
+                      <a:solidFill>
+                        <a:schemeClr val="bg1">
+                          <a:lumMod val="85000"/>
+                        </a:schemeClr>
+                      </a:solidFill>
+                      <a:prstDash val="solid"/>
+                      <a:round/>
+                      <a:headEnd type="none" w="med" len="med"/>
+                      <a:tailEnd type="none" w="med" len="med"/>
+                    </a:lnR>
+                    <a:lnT w="12700" cap="flat" cmpd="sng" algn="ctr">
+                      <a:solidFill>
+                        <a:schemeClr val="bg1">
+                          <a:lumMod val="85000"/>
+                        </a:schemeClr>
+                      </a:solidFill>
+                      <a:prstDash val="solid"/>
+                      <a:round/>
+                      <a:headEnd type="none" w="med" len="med"/>
+                      <a:tailEnd type="none" w="med" len="med"/>
+                    </a:lnT>
+                    <a:lnB w="12700" cap="flat" cmpd="sng" algn="ctr">
+                      <a:solidFill>
+                        <a:schemeClr val="bg1">
+                          <a:lumMod val="85000"/>
+                        </a:schemeClr>
+                      </a:solidFill>
+                      <a:prstDash val="solid"/>
+                      <a:round/>
+                      <a:headEnd type="none" w="med" len="med"/>
+                      <a:tailEnd type="none" w="med" len="med"/>
+                    </a:lnB>
+                  </a:tcPr>
+                </a:tc>
+                <a:tc>
+                  <a:txBody>
+                    <a:bodyPr/>
+                    <a:lstStyle/>
+                    <a:p>
+                      <a:pPr algn="l" fontAlgn="ctr"/>
+                      <a:r>
+                        <a:rPr lang="en-US" sz="1100" b="0" i="0" u="none" strike="noStrike" dirty="0" err="1">
+                          <a:solidFill>
+                            <a:srgbClr val="0070C1"/>
+                          </a:solidFill>
+                          <a:effectLst/>
+                          <a:latin typeface="Consolas" panose="020B0609020204030204" pitchFamily="49" charset="0"/>
+                          <a:ea typeface="新細明體" panose="02020500000000000000" pitchFamily="18" charset="-120"/>
+                        </a:rPr>
+                        <a:t>alarmService</a:t>
+                      </a:r>
+                      <a:r>
+                        <a:rPr lang="en-US" sz="1100" b="0" i="0" u="none" strike="noStrike" dirty="0" err="1">
+                          <a:solidFill>
+                            <a:srgbClr val="000000"/>
+                          </a:solidFill>
+                          <a:effectLst/>
+                          <a:latin typeface="Consolas" panose="020B0609020204030204" pitchFamily="49" charset="0"/>
+                          <a:ea typeface="新細明體" panose="02020500000000000000" pitchFamily="18" charset="-120"/>
+                        </a:rPr>
+                        <a:t>.</a:t>
+                      </a:r>
+                      <a:r>
+                        <a:rPr lang="en-US" sz="1100" b="0" i="0" u="none" strike="noStrike" dirty="0" err="1">
+                          <a:solidFill>
+                            <a:srgbClr val="795E26"/>
+                          </a:solidFill>
+                          <a:effectLst/>
+                          <a:latin typeface="Consolas" panose="020B0609020204030204" pitchFamily="49" charset="0"/>
+                          <a:ea typeface="新細明體" panose="02020500000000000000" pitchFamily="18" charset="-120"/>
+                        </a:rPr>
+                        <a:t>execute</a:t>
+                      </a:r>
+                      <a:r>
+                        <a:rPr lang="en-US" sz="1100" b="0" i="0" u="none" strike="noStrike" dirty="0">
+                          <a:solidFill>
+                            <a:srgbClr val="000000"/>
+                          </a:solidFill>
+                          <a:effectLst/>
+                          <a:latin typeface="Consolas" panose="020B0609020204030204" pitchFamily="49" charset="0"/>
+                          <a:ea typeface="新細明體" panose="02020500000000000000" pitchFamily="18" charset="-120"/>
+                        </a:rPr>
+                        <a:t>().</a:t>
+                      </a:r>
+                      <a:r>
+                        <a:rPr lang="en-US" sz="1100" b="0" i="0" u="none" strike="noStrike" dirty="0">
+                          <a:solidFill>
+                            <a:srgbClr val="795E26"/>
+                          </a:solidFill>
+                          <a:effectLst/>
+                          <a:latin typeface="Consolas" panose="020B0609020204030204" pitchFamily="49" charset="0"/>
+                          <a:ea typeface="新細明體" panose="02020500000000000000" pitchFamily="18" charset="-120"/>
+                        </a:rPr>
+                        <a:t>subscribe</a:t>
+                      </a:r>
+                      <a:r>
+                        <a:rPr lang="en-US" sz="1100" b="0" i="0" u="none" strike="noStrike" dirty="0">
+                          <a:solidFill>
+                            <a:srgbClr val="000000"/>
+                          </a:solidFill>
+                          <a:effectLst/>
+                          <a:latin typeface="Consolas" panose="020B0609020204030204" pitchFamily="49" charset="0"/>
+                          <a:ea typeface="新細明體" panose="02020500000000000000" pitchFamily="18" charset="-120"/>
+                        </a:rPr>
+                        <a:t>(</a:t>
+                      </a:r>
+                      <a:r>
+                        <a:rPr lang="en-US" sz="1100" b="0" i="0" u="none" strike="noStrike" dirty="0">
+                          <a:solidFill>
+                            <a:srgbClr val="001080"/>
+                          </a:solidFill>
+                          <a:effectLst/>
+                          <a:latin typeface="Consolas" panose="020B0609020204030204" pitchFamily="49" charset="0"/>
+                          <a:ea typeface="新細明體" panose="02020500000000000000" pitchFamily="18" charset="-120"/>
+                        </a:rPr>
+                        <a:t>res</a:t>
+                      </a:r>
+                      <a:r>
+                        <a:rPr lang="en-US" sz="1100" b="0" i="0" u="none" strike="noStrike" dirty="0">
+                          <a:solidFill>
+                            <a:srgbClr val="000000"/>
+                          </a:solidFill>
+                          <a:effectLst/>
+                          <a:latin typeface="Consolas" panose="020B0609020204030204" pitchFamily="49" charset="0"/>
+                          <a:ea typeface="新細明體" panose="02020500000000000000" pitchFamily="18" charset="-120"/>
+                        </a:rPr>
+                        <a:t> </a:t>
+                      </a:r>
+                      <a:r>
+                        <a:rPr lang="en-US" sz="1100" b="0" i="0" u="none" strike="noStrike" dirty="0">
+                          <a:solidFill>
+                            <a:srgbClr val="0000FF"/>
+                          </a:solidFill>
+                          <a:effectLst/>
+                          <a:latin typeface="Consolas" panose="020B0609020204030204" pitchFamily="49" charset="0"/>
+                          <a:ea typeface="新細明體" panose="02020500000000000000" pitchFamily="18" charset="-120"/>
+                        </a:rPr>
+                        <a:t>=&gt;</a:t>
+                      </a:r>
+                      <a:r>
+                        <a:rPr lang="en-US" sz="1100" b="0" i="0" u="none" strike="noStrike" dirty="0">
+                          <a:solidFill>
+                            <a:srgbClr val="000000"/>
+                          </a:solidFill>
+                          <a:effectLst/>
+                          <a:latin typeface="Consolas" panose="020B0609020204030204" pitchFamily="49" charset="0"/>
+                          <a:ea typeface="新細明體" panose="02020500000000000000" pitchFamily="18" charset="-120"/>
+                        </a:rPr>
+                        <a:t> </a:t>
+                      </a:r>
+                      <a:r>
+                        <a:rPr lang="en-US" sz="1100" b="0" i="0" u="none" strike="noStrike" dirty="0" err="1">
+                          <a:solidFill>
+                            <a:srgbClr val="0070C1"/>
+                          </a:solidFill>
+                          <a:effectLst/>
+                          <a:latin typeface="Consolas" panose="020B0609020204030204" pitchFamily="49" charset="0"/>
+                          <a:ea typeface="新細明體" panose="02020500000000000000" pitchFamily="18" charset="-120"/>
+                        </a:rPr>
+                        <a:t>logger</a:t>
+                      </a:r>
+                      <a:r>
+                        <a:rPr lang="en-US" sz="1100" b="0" i="0" u="none" strike="noStrike" dirty="0" err="1">
+                          <a:solidFill>
+                            <a:srgbClr val="000000"/>
+                          </a:solidFill>
+                          <a:effectLst/>
+                          <a:latin typeface="Consolas" panose="020B0609020204030204" pitchFamily="49" charset="0"/>
+                          <a:ea typeface="新細明體" panose="02020500000000000000" pitchFamily="18" charset="-120"/>
+                        </a:rPr>
+                        <a:t>.</a:t>
+                      </a:r>
+                      <a:r>
+                        <a:rPr lang="en-US" sz="1100" b="0" i="0" u="none" strike="noStrike" dirty="0" err="1">
+                          <a:solidFill>
+                            <a:srgbClr val="795E26"/>
+                          </a:solidFill>
+                          <a:effectLst/>
+                          <a:latin typeface="Consolas" panose="020B0609020204030204" pitchFamily="49" charset="0"/>
+                          <a:ea typeface="新細明體" panose="02020500000000000000" pitchFamily="18" charset="-120"/>
+                        </a:rPr>
+                        <a:t>trace</a:t>
+                      </a:r>
+                      <a:r>
+                        <a:rPr lang="en-US" sz="1100" b="0" i="0" u="none" strike="noStrike" dirty="0">
+                          <a:solidFill>
+                            <a:srgbClr val="000000"/>
+                          </a:solidFill>
+                          <a:effectLst/>
+                          <a:latin typeface="Consolas" panose="020B0609020204030204" pitchFamily="49" charset="0"/>
+                          <a:ea typeface="新細明體" panose="02020500000000000000" pitchFamily="18" charset="-120"/>
+                        </a:rPr>
+                        <a:t>(</a:t>
+                      </a:r>
+                      <a:r>
+                        <a:rPr lang="en-US" sz="1100" b="0" i="0" u="none" strike="noStrike" dirty="0">
+                          <a:solidFill>
+                            <a:srgbClr val="001080"/>
+                          </a:solidFill>
+                          <a:effectLst/>
+                          <a:latin typeface="Consolas" panose="020B0609020204030204" pitchFamily="49" charset="0"/>
+                          <a:ea typeface="新細明體" panose="02020500000000000000" pitchFamily="18" charset="-120"/>
+                        </a:rPr>
+                        <a:t>res</a:t>
+                      </a:r>
+                      <a:r>
+                        <a:rPr lang="en-US" sz="1100" b="0" i="0" u="none" strike="noStrike" dirty="0">
+                          <a:solidFill>
+                            <a:srgbClr val="000000"/>
+                          </a:solidFill>
+                          <a:effectLst/>
+                          <a:latin typeface="Consolas" panose="020B0609020204030204" pitchFamily="49" charset="0"/>
+                          <a:ea typeface="新細明體" panose="02020500000000000000" pitchFamily="18" charset="-120"/>
+                        </a:rPr>
+                        <a:t>));</a:t>
+                      </a:r>
+                      <a:endParaRPr lang="en-US" sz="1100" b="0" i="0" u="none" strike="noStrike" dirty="0">
+                        <a:solidFill>
+                          <a:srgbClr val="0070C1"/>
+                        </a:solidFill>
+                        <a:effectLst/>
+                        <a:latin typeface="Consolas" panose="020B0609020204030204" pitchFamily="49" charset="0"/>
+                        <a:ea typeface="新細明體" panose="02020500000000000000" pitchFamily="18" charset="-120"/>
+                      </a:endParaRPr>
+                    </a:p>
+                  </a:txBody>
+                  <a:tcPr marL="142875" marR="9525" marT="9525" marB="0" anchor="ctr">
+                    <a:lnL w="12700" cap="flat" cmpd="sng" algn="ctr">
+                      <a:solidFill>
+                        <a:schemeClr val="bg1">
+                          <a:lumMod val="85000"/>
+                        </a:schemeClr>
+                      </a:solidFill>
+                      <a:prstDash val="solid"/>
+                      <a:round/>
+                      <a:headEnd type="none" w="med" len="med"/>
+                      <a:tailEnd type="none" w="med" len="med"/>
+                    </a:lnL>
+                    <a:lnR w="12700" cap="flat" cmpd="sng" algn="ctr">
+                      <a:solidFill>
+                        <a:schemeClr val="bg1">
+                          <a:lumMod val="85000"/>
+                        </a:schemeClr>
+                      </a:solidFill>
+                      <a:prstDash val="solid"/>
+                      <a:round/>
+                      <a:headEnd type="none" w="med" len="med"/>
+                      <a:tailEnd type="none" w="med" len="med"/>
+                    </a:lnR>
+                    <a:lnT w="12700" cap="flat" cmpd="sng" algn="ctr">
+                      <a:solidFill>
+                        <a:schemeClr val="bg1">
+                          <a:lumMod val="85000"/>
+                        </a:schemeClr>
+                      </a:solidFill>
+                      <a:prstDash val="solid"/>
+                      <a:round/>
+                      <a:headEnd type="none" w="med" len="med"/>
+                      <a:tailEnd type="none" w="med" len="med"/>
+                    </a:lnT>
+                    <a:lnB w="12700" cap="flat" cmpd="sng" algn="ctr">
+                      <a:solidFill>
+                        <a:schemeClr val="bg1">
+                          <a:lumMod val="85000"/>
+                        </a:schemeClr>
+                      </a:solidFill>
+                      <a:prstDash val="solid"/>
+                      <a:round/>
+                      <a:headEnd type="none" w="med" len="med"/>
+                      <a:tailEnd type="none" w="med" len="med"/>
+                    </a:lnB>
+                  </a:tcPr>
+                </a:tc>
+                <a:extLst>
+                  <a:ext uri="{0D108BD9-81ED-4DB2-BD59-A6C34878D82A}">
+                    <a16:rowId xmlns:a16="http://schemas.microsoft.com/office/drawing/2014/main" val="626634101"/>
+                  </a:ext>
+                </a:extLst>
+              </a:tr>
+            </a:tbl>
+          </a:graphicData>
+        </a:graphic>
+      </p:graphicFrame>
+      <p:pic>
+        <p:nvPicPr>
+          <p:cNvPr id="36" name="圖片 35"/>
+          <p:cNvPicPr>
+            <a:picLocks noChangeAspect="1"/>
+          </p:cNvPicPr>
+          <p:nvPr/>
+        </p:nvPicPr>
+        <p:blipFill>
+          <a:blip r:embed="rId3">
+            <a:extLst>
+              <a:ext uri="{28A0092B-C50C-407E-A947-70E740481C1C}">
+                <a14:useLocalDpi xmlns:a14="http://schemas.microsoft.com/office/drawing/2010/main" val="0"/>
+              </a:ext>
+            </a:extLst>
+          </a:blip>
+          <a:stretch>
+            <a:fillRect/>
+          </a:stretch>
+        </p:blipFill>
+        <p:spPr>
+          <a:xfrm>
+            <a:off x="1702127" y="3296875"/>
+            <a:ext cx="720000" cy="720000"/>
+          </a:xfrm>
+          <a:prstGeom prst="rect">
+            <a:avLst/>
+          </a:prstGeom>
+        </p:spPr>
+      </p:pic>
+      <p:grpSp>
+        <p:nvGrpSpPr>
+          <p:cNvPr id="27" name="群組 26"/>
+          <p:cNvGrpSpPr/>
+          <p:nvPr/>
+        </p:nvGrpSpPr>
+        <p:grpSpPr>
+          <a:xfrm rot="16200000">
+            <a:off x="1038959" y="3263541"/>
+            <a:ext cx="148972" cy="759376"/>
+            <a:chOff x="6048290" y="1854428"/>
+            <a:chExt cx="148972" cy="759376"/>
+          </a:xfrm>
+        </p:grpSpPr>
+        <p:sp>
+          <p:nvSpPr>
+            <p:cNvPr id="28" name="橢圓 27"/>
+            <p:cNvSpPr/>
+            <p:nvPr/>
+          </p:nvSpPr>
+          <p:spPr>
+            <a:xfrm>
+              <a:off x="6048290" y="1854428"/>
+              <a:ext cx="148972" cy="148972"/>
+            </a:xfrm>
+            <a:prstGeom prst="ellipse">
+              <a:avLst/>
+            </a:prstGeom>
+            <a:solidFill>
+              <a:schemeClr val="bg1">
+                <a:lumMod val="85000"/>
+              </a:schemeClr>
+            </a:solidFill>
+            <a:ln>
+              <a:noFill/>
+            </a:ln>
+          </p:spPr>
+          <p:style>
+            <a:lnRef idx="2">
+              <a:schemeClr val="accent1">
+                <a:shade val="50000"/>
+              </a:schemeClr>
+            </a:lnRef>
+            <a:fillRef idx="1">
+              <a:schemeClr val="accent1"/>
+            </a:fillRef>
+            <a:effectRef idx="0">
+              <a:schemeClr val="accent1"/>
+            </a:effectRef>
+            <a:fontRef idx="minor">
+              <a:schemeClr val="lt1"/>
+            </a:fontRef>
+          </p:style>
+          <p:txBody>
+            <a:bodyPr rtlCol="0" anchor="ctr"/>
+            <a:lstStyle/>
+            <a:p>
+              <a:pPr algn="ctr"/>
+              <a:endParaRPr lang="zh-TW" altLang="en-US"/>
+            </a:p>
+          </p:txBody>
+        </p:sp>
+        <p:cxnSp>
+          <p:nvCxnSpPr>
+            <p:cNvPr id="29" name="直線接點 28"/>
+            <p:cNvCxnSpPr/>
+            <p:nvPr/>
+          </p:nvCxnSpPr>
+          <p:spPr>
+            <a:xfrm>
+              <a:off x="6122776" y="2003400"/>
+              <a:ext cx="0" cy="610404"/>
+            </a:xfrm>
+            <a:prstGeom prst="line">
+              <a:avLst/>
+            </a:prstGeom>
+            <a:ln w="9525">
+              <a:solidFill>
+                <a:schemeClr val="bg1">
+                  <a:lumMod val="75000"/>
+                </a:schemeClr>
+              </a:solidFill>
+              <a:prstDash val="dash"/>
+            </a:ln>
+          </p:spPr>
+          <p:style>
+            <a:lnRef idx="1">
+              <a:schemeClr val="accent1"/>
+            </a:lnRef>
+            <a:fillRef idx="0">
+              <a:schemeClr val="accent1"/>
+            </a:fillRef>
+            <a:effectRef idx="0">
+              <a:schemeClr val="accent1"/>
+            </a:effectRef>
+            <a:fontRef idx="minor">
+              <a:schemeClr val="tx1"/>
+            </a:fontRef>
+          </p:style>
+        </p:cxnSp>
+      </p:grpSp>
+      <p:grpSp>
+        <p:nvGrpSpPr>
+          <p:cNvPr id="30" name="群組 29"/>
+          <p:cNvGrpSpPr/>
+          <p:nvPr/>
+        </p:nvGrpSpPr>
+        <p:grpSpPr>
+          <a:xfrm>
+            <a:off x="2681464" y="3179821"/>
+            <a:ext cx="2477764" cy="954108"/>
+            <a:chOff x="2681464" y="1357081"/>
+            <a:chExt cx="2477764" cy="954108"/>
+          </a:xfrm>
+        </p:grpSpPr>
+        <p:sp>
+          <p:nvSpPr>
+            <p:cNvPr id="31" name="矩形 30"/>
+            <p:cNvSpPr/>
+            <p:nvPr/>
+          </p:nvSpPr>
+          <p:spPr>
+            <a:xfrm>
+              <a:off x="2681464" y="1357081"/>
+              <a:ext cx="1733588" cy="307777"/>
+            </a:xfrm>
+            <a:prstGeom prst="rect">
+              <a:avLst/>
+            </a:prstGeom>
+          </p:spPr>
+          <p:txBody>
+            <a:bodyPr wrap="square">
+              <a:spAutoFit/>
+            </a:bodyPr>
+            <a:lstStyle/>
+            <a:p>
+              <a:r>
+                <a:rPr lang="zh-TW" altLang="en-US" sz="1400" b="1" dirty="0">
+                  <a:latin typeface="微軟正黑體" panose="020B0604030504040204" pitchFamily="34" charset="-120"/>
+                  <a:ea typeface="微軟正黑體" panose="020B0604030504040204" pitchFamily="34" charset="-120"/>
+                </a:rPr>
+                <a:t>報警範本實作</a:t>
+              </a:r>
+              <a:endParaRPr lang="zh-TW" altLang="en-US" sz="1400" b="1" dirty="0">
+                <a:latin typeface="微軟正黑體" panose="020B0604030504040204" pitchFamily="34" charset="-120"/>
+                <a:ea typeface="微軟正黑體" panose="020B0604030504040204" pitchFamily="34" charset="-120"/>
+              </a:endParaRPr>
+            </a:p>
+          </p:txBody>
+        </p:sp>
+        <p:sp>
+          <p:nvSpPr>
+            <p:cNvPr id="32" name="矩形 31"/>
+            <p:cNvSpPr/>
+            <p:nvPr/>
+          </p:nvSpPr>
+          <p:spPr>
+            <a:xfrm>
+              <a:off x="2681464" y="1664858"/>
+              <a:ext cx="2477764" cy="646331"/>
+            </a:xfrm>
+            <a:prstGeom prst="rect">
+              <a:avLst/>
+            </a:prstGeom>
+          </p:spPr>
+          <p:txBody>
+            <a:bodyPr wrap="square">
+              <a:spAutoFit/>
+            </a:bodyPr>
+            <a:lstStyle/>
+            <a:p>
+              <a:pPr>
+                <a:lnSpc>
+                  <a:spcPct val="150000"/>
+                </a:lnSpc>
+              </a:pPr>
+              <a:r>
+                <a:rPr lang="zh-TW" altLang="en-US" sz="1200" dirty="0">
+                  <a:latin typeface="微軟正黑體" panose="020B0604030504040204" pitchFamily="34" charset="-120"/>
+                  <a:ea typeface="微軟正黑體" panose="020B0604030504040204" pitchFamily="34" charset="-120"/>
+                </a:rPr>
+                <a:t>根據上述步驟，依序將範本所需實作的屬性及方法完成</a:t>
+              </a:r>
+              <a:endParaRPr lang="zh-TW" altLang="en-US" sz="1200" dirty="0"/>
+            </a:p>
+          </p:txBody>
+        </p:sp>
+      </p:grpSp>
+      <p:pic>
+        <p:nvPicPr>
+          <p:cNvPr id="73" name="圖片 72"/>
+          <p:cNvPicPr>
+            <a:picLocks noChangeAspect="1"/>
+          </p:cNvPicPr>
+          <p:nvPr/>
+        </p:nvPicPr>
+        <p:blipFill>
+          <a:blip r:embed="rId4">
+            <a:extLst>
+              <a:ext uri="{28A0092B-C50C-407E-A947-70E740481C1C}">
+                <a14:useLocalDpi xmlns:a14="http://schemas.microsoft.com/office/drawing/2010/main" val="0"/>
+              </a:ext>
+            </a:extLst>
+          </a:blip>
+          <a:stretch>
+            <a:fillRect/>
+          </a:stretch>
+        </p:blipFill>
+        <p:spPr>
+          <a:xfrm>
+            <a:off x="1702127" y="5104739"/>
+            <a:ext cx="720000" cy="720000"/>
+          </a:xfrm>
+          <a:prstGeom prst="rect">
+            <a:avLst/>
+          </a:prstGeom>
+        </p:spPr>
+      </p:pic>
+      <p:grpSp>
+        <p:nvGrpSpPr>
+          <p:cNvPr id="33" name="群組 32"/>
+          <p:cNvGrpSpPr/>
+          <p:nvPr/>
+        </p:nvGrpSpPr>
+        <p:grpSpPr>
+          <a:xfrm rot="16200000">
+            <a:off x="1038959" y="5087510"/>
+            <a:ext cx="148972" cy="759376"/>
+            <a:chOff x="6048290" y="1854428"/>
+            <a:chExt cx="148972" cy="759376"/>
+          </a:xfrm>
+        </p:grpSpPr>
+        <p:sp>
+          <p:nvSpPr>
+            <p:cNvPr id="34" name="橢圓 33"/>
+            <p:cNvSpPr/>
+            <p:nvPr/>
+          </p:nvSpPr>
+          <p:spPr>
+            <a:xfrm>
+              <a:off x="6048290" y="1854428"/>
+              <a:ext cx="148972" cy="148972"/>
+            </a:xfrm>
+            <a:prstGeom prst="ellipse">
+              <a:avLst/>
+            </a:prstGeom>
+            <a:solidFill>
+              <a:schemeClr val="bg1">
+                <a:lumMod val="85000"/>
+              </a:schemeClr>
+            </a:solidFill>
+            <a:ln>
+              <a:noFill/>
+            </a:ln>
+          </p:spPr>
+          <p:style>
+            <a:lnRef idx="2">
+              <a:schemeClr val="accent1">
+                <a:shade val="50000"/>
+              </a:schemeClr>
+            </a:lnRef>
+            <a:fillRef idx="1">
+              <a:schemeClr val="accent1"/>
+            </a:fillRef>
+            <a:effectRef idx="0">
+              <a:schemeClr val="accent1"/>
+            </a:effectRef>
+            <a:fontRef idx="minor">
+              <a:schemeClr val="lt1"/>
+            </a:fontRef>
+          </p:style>
+          <p:txBody>
+            <a:bodyPr rtlCol="0" anchor="ctr"/>
+            <a:lstStyle/>
+            <a:p>
+              <a:pPr algn="ctr"/>
+              <a:endParaRPr lang="zh-TW" altLang="en-US"/>
+            </a:p>
+          </p:txBody>
+        </p:sp>
+        <p:cxnSp>
+          <p:nvCxnSpPr>
+            <p:cNvPr id="35" name="直線接點 34"/>
+            <p:cNvCxnSpPr/>
+            <p:nvPr/>
+          </p:nvCxnSpPr>
+          <p:spPr>
+            <a:xfrm>
+              <a:off x="6122776" y="2003400"/>
+              <a:ext cx="0" cy="610404"/>
+            </a:xfrm>
+            <a:prstGeom prst="line">
+              <a:avLst/>
+            </a:prstGeom>
+            <a:ln w="9525">
+              <a:solidFill>
+                <a:schemeClr val="bg1">
+                  <a:lumMod val="75000"/>
+                </a:schemeClr>
+              </a:solidFill>
+              <a:prstDash val="dash"/>
+            </a:ln>
+          </p:spPr>
+          <p:style>
+            <a:lnRef idx="1">
+              <a:schemeClr val="accent1"/>
+            </a:lnRef>
+            <a:fillRef idx="0">
+              <a:schemeClr val="accent1"/>
+            </a:fillRef>
+            <a:effectRef idx="0">
+              <a:schemeClr val="accent1"/>
+            </a:effectRef>
+            <a:fontRef idx="minor">
+              <a:schemeClr val="tx1"/>
+            </a:fontRef>
+          </p:style>
+        </p:cxnSp>
+      </p:grpSp>
+      <p:grpSp>
+        <p:nvGrpSpPr>
+          <p:cNvPr id="37" name="群組 36"/>
+          <p:cNvGrpSpPr/>
+          <p:nvPr/>
+        </p:nvGrpSpPr>
+        <p:grpSpPr>
+          <a:xfrm>
+            <a:off x="2681463" y="5002561"/>
+            <a:ext cx="2477765" cy="954108"/>
+            <a:chOff x="2681463" y="1357081"/>
+            <a:chExt cx="2477765" cy="954108"/>
+          </a:xfrm>
+        </p:grpSpPr>
+        <p:sp>
+          <p:nvSpPr>
+            <p:cNvPr id="38" name="矩形 37"/>
+            <p:cNvSpPr/>
+            <p:nvPr/>
+          </p:nvSpPr>
+          <p:spPr>
+            <a:xfrm>
+              <a:off x="2681464" y="1357081"/>
+              <a:ext cx="1733588" cy="307777"/>
+            </a:xfrm>
+            <a:prstGeom prst="rect">
+              <a:avLst/>
+            </a:prstGeom>
+          </p:spPr>
+          <p:txBody>
+            <a:bodyPr wrap="square">
+              <a:spAutoFit/>
+            </a:bodyPr>
+            <a:lstStyle/>
+            <a:p>
+              <a:r>
+                <a:rPr lang="zh-TW" altLang="en-US" sz="1400" b="1" dirty="0">
+                  <a:latin typeface="微軟正黑體" panose="020B0604030504040204" pitchFamily="34" charset="-120"/>
+                  <a:ea typeface="微軟正黑體" panose="020B0604030504040204" pitchFamily="34" charset="-120"/>
+                </a:rPr>
+                <a:t>執行報警服務</a:t>
+              </a:r>
+            </a:p>
+          </p:txBody>
+        </p:sp>
+        <p:sp>
+          <p:nvSpPr>
+            <p:cNvPr id="39" name="矩形 38"/>
+            <p:cNvSpPr/>
+            <p:nvPr/>
+          </p:nvSpPr>
+          <p:spPr>
+            <a:xfrm>
+              <a:off x="2681463" y="1664858"/>
+              <a:ext cx="2477765" cy="646331"/>
+            </a:xfrm>
+            <a:prstGeom prst="rect">
+              <a:avLst/>
+            </a:prstGeom>
+          </p:spPr>
+          <p:txBody>
+            <a:bodyPr wrap="square">
+              <a:spAutoFit/>
+            </a:bodyPr>
+            <a:lstStyle/>
+            <a:p>
+              <a:pPr>
+                <a:lnSpc>
+                  <a:spcPct val="150000"/>
+                </a:lnSpc>
+              </a:pPr>
+              <a:r>
+                <a:rPr lang="zh-TW" altLang="en-US" sz="1200" dirty="0">
+                  <a:latin typeface="微軟正黑體" panose="020B0604030504040204" pitchFamily="34" charset="-120"/>
+                  <a:ea typeface="微軟正黑體" panose="020B0604030504040204" pitchFamily="34" charset="-120"/>
+                </a:rPr>
+                <a:t>完成報警狀態及範本後，即可實例報警服務，並</a:t>
+              </a:r>
+              <a:r>
+                <a:rPr lang="zh-TW" altLang="en-US" sz="1200" dirty="0" smtClean="0">
+                  <a:latin typeface="微軟正黑體" panose="020B0604030504040204" pitchFamily="34" charset="-120"/>
+                  <a:ea typeface="微軟正黑體" panose="020B0604030504040204" pitchFamily="34" charset="-120"/>
+                </a:rPr>
+                <a:t>執行。如右方所示</a:t>
+              </a:r>
+              <a:endParaRPr lang="zh-TW" altLang="en-US" sz="1200" dirty="0">
+                <a:latin typeface="微軟正黑體" panose="020B0604030504040204" pitchFamily="34" charset="-120"/>
+                <a:ea typeface="微軟正黑體" panose="020B0604030504040204" pitchFamily="34" charset="-120"/>
+              </a:endParaRPr>
+            </a:p>
+          </p:txBody>
+        </p:sp>
+      </p:grpSp>
+      <p:sp>
+        <p:nvSpPr>
+          <p:cNvPr id="40" name="矩形 39"/>
+          <p:cNvSpPr/>
+          <p:nvPr/>
+        </p:nvSpPr>
+        <p:spPr>
+          <a:xfrm>
+            <a:off x="5930885" y="1354301"/>
+            <a:ext cx="1733588" cy="307777"/>
+          </a:xfrm>
+          <a:prstGeom prst="rect">
+            <a:avLst/>
+          </a:prstGeom>
+        </p:spPr>
+        <p:txBody>
+          <a:bodyPr wrap="square">
+            <a:spAutoFit/>
+          </a:bodyPr>
+          <a:lstStyle/>
+          <a:p>
+            <a:r>
+              <a:rPr lang="zh-TW" altLang="en-US" sz="1400" b="1" dirty="0" smtClean="0">
+                <a:solidFill>
+                  <a:srgbClr val="006E94"/>
+                </a:solidFill>
+                <a:latin typeface="微軟正黑體" panose="020B0604030504040204" pitchFamily="34" charset="-120"/>
+                <a:ea typeface="微軟正黑體" panose="020B0604030504040204" pitchFamily="34" charset="-120"/>
+              </a:rPr>
+              <a:t>報警服務執行代碼</a:t>
+            </a:r>
+            <a:endParaRPr lang="zh-TW" altLang="en-US" sz="1400" b="1" dirty="0">
+              <a:solidFill>
+                <a:srgbClr val="006E94"/>
+              </a:solidFill>
+              <a:latin typeface="微軟正黑體" panose="020B0604030504040204" pitchFamily="34" charset="-120"/>
+              <a:ea typeface="微軟正黑體" panose="020B0604030504040204" pitchFamily="34" charset="-120"/>
+            </a:endParaRPr>
+          </a:p>
+        </p:txBody>
+      </p:sp>
+      <p:pic>
+        <p:nvPicPr>
+          <p:cNvPr id="4" name="圖片 3"/>
+          <p:cNvPicPr>
+            <a:picLocks noChangeAspect="1"/>
+          </p:cNvPicPr>
+          <p:nvPr/>
+        </p:nvPicPr>
+        <p:blipFill>
+          <a:blip r:embed="rId5">
+            <a:extLst>
+              <a:ext uri="{28A0092B-C50C-407E-A947-70E740481C1C}">
+                <a14:useLocalDpi xmlns:a14="http://schemas.microsoft.com/office/drawing/2010/main" val="0"/>
+              </a:ext>
+            </a:extLst>
+          </a:blip>
+          <a:stretch>
+            <a:fillRect/>
+          </a:stretch>
+        </p:blipFill>
+        <p:spPr>
+          <a:xfrm>
+            <a:off x="5678885" y="1382189"/>
+            <a:ext cx="252000" cy="252000"/>
+          </a:xfrm>
+          <a:prstGeom prst="rect">
+            <a:avLst/>
+          </a:prstGeom>
+        </p:spPr>
+      </p:pic>
+      <p:pic>
+        <p:nvPicPr>
+          <p:cNvPr id="6" name="圖片 5"/>
+          <p:cNvPicPr>
+            <a:picLocks noChangeAspect="1"/>
+          </p:cNvPicPr>
+          <p:nvPr/>
+        </p:nvPicPr>
+        <p:blipFill>
+          <a:blip r:embed="rId6">
+            <a:extLst>
+              <a:ext uri="{28A0092B-C50C-407E-A947-70E740481C1C}">
+                <a14:useLocalDpi xmlns:a14="http://schemas.microsoft.com/office/drawing/2010/main" val="0"/>
+              </a:ext>
+            </a:extLst>
+          </a:blip>
+          <a:stretch>
+            <a:fillRect/>
+          </a:stretch>
+        </p:blipFill>
+        <p:spPr>
+          <a:xfrm>
+            <a:off x="5678885" y="3438869"/>
+            <a:ext cx="252000" cy="252000"/>
+          </a:xfrm>
+          <a:prstGeom prst="rect">
+            <a:avLst/>
+          </a:prstGeom>
+        </p:spPr>
+      </p:pic>
+      <p:sp>
+        <p:nvSpPr>
+          <p:cNvPr id="42" name="矩形 41"/>
+          <p:cNvSpPr/>
+          <p:nvPr/>
+        </p:nvSpPr>
+        <p:spPr>
+          <a:xfrm>
+            <a:off x="5936106" y="3410981"/>
+            <a:ext cx="1733588" cy="307777"/>
+          </a:xfrm>
+          <a:prstGeom prst="rect">
+            <a:avLst/>
+          </a:prstGeom>
+        </p:spPr>
+        <p:txBody>
+          <a:bodyPr wrap="square">
+            <a:spAutoFit/>
+          </a:bodyPr>
+          <a:lstStyle/>
+          <a:p>
+            <a:r>
+              <a:rPr lang="zh-TW" altLang="en-US" sz="1400" b="1" dirty="0" smtClean="0">
+                <a:solidFill>
+                  <a:srgbClr val="006E94"/>
+                </a:solidFill>
+                <a:latin typeface="微軟正黑體" panose="020B0604030504040204" pitchFamily="34" charset="-120"/>
+                <a:ea typeface="微軟正黑體" panose="020B0604030504040204" pitchFamily="34" charset="-120"/>
+              </a:rPr>
+              <a:t>特色說明</a:t>
+            </a:r>
+            <a:endParaRPr lang="zh-TW" altLang="en-US" sz="1400" b="1" dirty="0">
+              <a:solidFill>
+                <a:srgbClr val="006E94"/>
+              </a:solidFill>
+              <a:latin typeface="微軟正黑體" panose="020B0604030504040204" pitchFamily="34" charset="-120"/>
+              <a:ea typeface="微軟正黑體" panose="020B0604030504040204" pitchFamily="34" charset="-120"/>
+            </a:endParaRPr>
+          </a:p>
+        </p:txBody>
+      </p:sp>
+      <p:sp>
+        <p:nvSpPr>
+          <p:cNvPr id="44" name="矩形 43"/>
+          <p:cNvSpPr/>
+          <p:nvPr/>
+        </p:nvSpPr>
+        <p:spPr>
+          <a:xfrm>
+            <a:off x="5578216" y="3906427"/>
+            <a:ext cx="6138827" cy="2246769"/>
+          </a:xfrm>
+          <a:prstGeom prst="rect">
+            <a:avLst/>
+          </a:prstGeom>
+        </p:spPr>
+        <p:txBody>
+          <a:bodyPr wrap="square">
+            <a:spAutoFit/>
+          </a:bodyPr>
+          <a:lstStyle/>
+          <a:p>
+            <a:pPr marL="171450" indent="-172800" algn="just">
+              <a:lnSpc>
+                <a:spcPts val="2800"/>
+              </a:lnSpc>
+              <a:buClr>
+                <a:srgbClr val="91D44F"/>
+              </a:buClr>
+              <a:buSzPct val="80000"/>
+              <a:buFont typeface="Wingdings" panose="05000000000000000000" pitchFamily="2" charset="2"/>
+              <a:buChar char="n"/>
+            </a:pPr>
+            <a:r>
+              <a:rPr lang="zh-TW" altLang="en-US" sz="1200" dirty="0" smtClean="0">
+                <a:latin typeface="微軟正黑體" panose="020B0604030504040204" pitchFamily="34" charset="-120"/>
+                <a:ea typeface="微軟正黑體" panose="020B0604030504040204" pitchFamily="34" charset="-120"/>
+              </a:rPr>
+              <a:t>建構值中的 </a:t>
+            </a:r>
+            <a:r>
+              <a:rPr lang="en-US" altLang="zh-TW" sz="1200" dirty="0" smtClean="0">
+                <a:latin typeface="微軟正黑體" panose="020B0604030504040204" pitchFamily="34" charset="-120"/>
+                <a:ea typeface="微軟正黑體" panose="020B0604030504040204" pitchFamily="34" charset="-120"/>
+              </a:rPr>
+              <a:t>id</a:t>
+            </a:r>
+            <a:r>
+              <a:rPr lang="zh-TW" altLang="en-US" sz="1200" dirty="0" smtClean="0">
+                <a:latin typeface="微軟正黑體" panose="020B0604030504040204" pitchFamily="34" charset="-120"/>
+                <a:ea typeface="微軟正黑體" panose="020B0604030504040204" pitchFamily="34" charset="-120"/>
+              </a:rPr>
+              <a:t>，除了作為服務本身的 </a:t>
+            </a:r>
+            <a:r>
+              <a:rPr lang="en-US" altLang="zh-TW" sz="1200" dirty="0" smtClean="0">
+                <a:latin typeface="微軟正黑體" panose="020B0604030504040204" pitchFamily="34" charset="-120"/>
+                <a:ea typeface="微軟正黑體" panose="020B0604030504040204" pitchFamily="34" charset="-120"/>
+              </a:rPr>
+              <a:t>id </a:t>
+            </a:r>
+            <a:r>
+              <a:rPr lang="zh-TW" altLang="en-US" sz="1200" dirty="0" smtClean="0">
+                <a:latin typeface="微軟正黑體" panose="020B0604030504040204" pitchFamily="34" charset="-120"/>
+                <a:ea typeface="微軟正黑體" panose="020B0604030504040204" pitchFamily="34" charset="-120"/>
+              </a:rPr>
+              <a:t>外，也是提供報警狀態紀錄實體檔案的存放目錄名稱，以上方為例，</a:t>
+            </a:r>
+            <a:r>
+              <a:rPr lang="en-US" altLang="zh-TW" sz="1200" dirty="0" smtClean="0">
+                <a:latin typeface="微軟正黑體" panose="020B0604030504040204" pitchFamily="34" charset="-120"/>
+                <a:ea typeface="微軟正黑體" panose="020B0604030504040204" pitchFamily="34" charset="-120"/>
+              </a:rPr>
+              <a:t>id </a:t>
+            </a:r>
+            <a:r>
+              <a:rPr lang="zh-TW" altLang="en-US" sz="1200" dirty="0" smtClean="0">
+                <a:latin typeface="微軟正黑體" panose="020B0604030504040204" pitchFamily="34" charset="-120"/>
+                <a:ea typeface="微軟正黑體" panose="020B0604030504040204" pitchFamily="34" charset="-120"/>
+              </a:rPr>
+              <a:t>為 </a:t>
+            </a:r>
+            <a:r>
+              <a:rPr lang="en-US" altLang="zh-TW" sz="1200" b="1" dirty="0" smtClean="0">
+                <a:solidFill>
+                  <a:srgbClr val="006E94"/>
+                </a:solidFill>
+                <a:latin typeface="Arial" panose="020B0604020202020204" pitchFamily="34" charset="0"/>
+                <a:ea typeface="微軟正黑體" panose="020B0604030504040204" pitchFamily="34" charset="-120"/>
+                <a:cs typeface="Arial" panose="020B0604020202020204" pitchFamily="34" charset="0"/>
+              </a:rPr>
+              <a:t>“</a:t>
+            </a:r>
+            <a:r>
+              <a:rPr lang="en-US" altLang="zh-TW" sz="1200" b="1" dirty="0" smtClean="0">
+                <a:solidFill>
+                  <a:srgbClr val="006E94"/>
+                </a:solidFill>
+                <a:latin typeface="微軟正黑體" panose="020B0604030504040204" pitchFamily="34" charset="-120"/>
+                <a:ea typeface="微軟正黑體" panose="020B0604030504040204" pitchFamily="34" charset="-120"/>
+              </a:rPr>
+              <a:t>example</a:t>
+            </a:r>
+            <a:r>
+              <a:rPr lang="en-US" altLang="zh-TW" sz="1200" b="1" dirty="0" smtClean="0">
+                <a:solidFill>
+                  <a:srgbClr val="006E94"/>
+                </a:solidFill>
+                <a:latin typeface="Arial" panose="020B0604020202020204" pitchFamily="34" charset="0"/>
+                <a:ea typeface="微軟正黑體" panose="020B0604030504040204" pitchFamily="34" charset="-120"/>
+                <a:cs typeface="Arial" panose="020B0604020202020204" pitchFamily="34" charset="0"/>
+              </a:rPr>
+              <a:t>”</a:t>
+            </a:r>
+            <a:r>
+              <a:rPr lang="zh-TW" altLang="en-US" sz="1200" dirty="0" smtClean="0">
+                <a:solidFill>
+                  <a:srgbClr val="262626"/>
+                </a:solidFill>
+                <a:latin typeface="Arial" panose="020B0604020202020204" pitchFamily="34" charset="0"/>
+                <a:ea typeface="微軟正黑體" panose="020B0604030504040204" pitchFamily="34" charset="-120"/>
+                <a:cs typeface="Arial" panose="020B0604020202020204" pitchFamily="34" charset="0"/>
+              </a:rPr>
+              <a:t>，其檔案路徑 </a:t>
+            </a:r>
+            <a:r>
+              <a:rPr lang="en-US" altLang="zh-TW" sz="1200" dirty="0" smtClean="0">
+                <a:solidFill>
+                  <a:srgbClr val="262626"/>
+                </a:solidFill>
+                <a:latin typeface="Arial" panose="020B0604020202020204" pitchFamily="34" charset="0"/>
+                <a:ea typeface="微軟正黑體" panose="020B0604030504040204" pitchFamily="34" charset="-120"/>
+                <a:cs typeface="Arial" panose="020B0604020202020204" pitchFamily="34" charset="0"/>
+              </a:rPr>
+              <a:t>./storage/example/{</a:t>
+            </a:r>
+            <a:r>
+              <a:rPr lang="en-US" altLang="zh-TW" sz="1200" dirty="0" err="1" smtClean="0">
+                <a:solidFill>
+                  <a:srgbClr val="262626"/>
+                </a:solidFill>
+                <a:latin typeface="Arial" panose="020B0604020202020204" pitchFamily="34" charset="0"/>
+                <a:ea typeface="微軟正黑體" panose="020B0604030504040204" pitchFamily="34" charset="-120"/>
+                <a:cs typeface="Arial" panose="020B0604020202020204" pitchFamily="34" charset="0"/>
+              </a:rPr>
+              <a:t>sync_id</a:t>
+            </a:r>
+            <a:r>
+              <a:rPr lang="en-US" altLang="zh-TW" sz="1200" dirty="0" smtClean="0">
+                <a:solidFill>
+                  <a:srgbClr val="262626"/>
+                </a:solidFill>
+                <a:latin typeface="Arial" panose="020B0604020202020204" pitchFamily="34" charset="0"/>
+                <a:ea typeface="微軟正黑體" panose="020B0604030504040204" pitchFamily="34" charset="-120"/>
+                <a:cs typeface="Arial" panose="020B0604020202020204" pitchFamily="34" charset="0"/>
+              </a:rPr>
+              <a:t>}</a:t>
+            </a:r>
+            <a:r>
+              <a:rPr lang="zh-TW" altLang="en-US" sz="1200" dirty="0" smtClean="0">
+                <a:solidFill>
+                  <a:srgbClr val="262626"/>
+                </a:solidFill>
+                <a:latin typeface="Arial" panose="020B0604020202020204" pitchFamily="34" charset="0"/>
+                <a:ea typeface="微軟正黑體" panose="020B0604030504040204" pitchFamily="34" charset="-120"/>
+                <a:cs typeface="Arial" panose="020B0604020202020204" pitchFamily="34" charset="0"/>
+              </a:rPr>
+              <a:t>，</a:t>
+            </a:r>
+            <a:r>
+              <a:rPr lang="zh-TW" altLang="en-US" sz="1200" dirty="0">
+                <a:solidFill>
+                  <a:srgbClr val="262626"/>
+                </a:solidFill>
+                <a:latin typeface="微軟正黑體" panose="020B0604030504040204" pitchFamily="34" charset="-120"/>
+                <a:ea typeface="微軟正黑體" panose="020B0604030504040204" pitchFamily="34" charset="-120"/>
+              </a:rPr>
+              <a:t>其中</a:t>
+            </a:r>
+            <a:r>
+              <a:rPr lang="zh-TW" altLang="en-US" sz="1200" dirty="0" smtClean="0">
+                <a:solidFill>
+                  <a:srgbClr val="262626"/>
+                </a:solidFill>
+                <a:latin typeface="微軟正黑體" panose="020B0604030504040204" pitchFamily="34" charset="-120"/>
+                <a:ea typeface="微軟正黑體" panose="020B0604030504040204" pitchFamily="34" charset="-120"/>
+              </a:rPr>
+              <a:t>檔案名稱會以報警的的 </a:t>
+            </a:r>
+            <a:r>
+              <a:rPr lang="en-US" altLang="zh-TW" sz="1200" dirty="0" smtClean="0">
+                <a:solidFill>
+                  <a:srgbClr val="262626"/>
+                </a:solidFill>
+                <a:latin typeface="微軟正黑體" panose="020B0604030504040204" pitchFamily="34" charset="-120"/>
+                <a:ea typeface="微軟正黑體" panose="020B0604030504040204" pitchFamily="34" charset="-120"/>
+              </a:rPr>
+              <a:t>SYNC ID </a:t>
+            </a:r>
+            <a:r>
+              <a:rPr lang="zh-TW" altLang="en-US" sz="1200" dirty="0" smtClean="0">
+                <a:solidFill>
+                  <a:srgbClr val="262626"/>
+                </a:solidFill>
+                <a:latin typeface="微軟正黑體" panose="020B0604030504040204" pitchFamily="34" charset="-120"/>
+                <a:ea typeface="微軟正黑體" panose="020B0604030504040204" pitchFamily="34" charset="-120"/>
+              </a:rPr>
+              <a:t>表示。</a:t>
+            </a:r>
+            <a:endParaRPr lang="en-US" altLang="zh-TW" sz="1200" dirty="0" smtClean="0">
+              <a:solidFill>
+                <a:srgbClr val="262626"/>
+              </a:solidFill>
+              <a:latin typeface="微軟正黑體" panose="020B0604030504040204" pitchFamily="34" charset="-120"/>
+              <a:ea typeface="微軟正黑體" panose="020B0604030504040204" pitchFamily="34" charset="-120"/>
+            </a:endParaRPr>
+          </a:p>
+          <a:p>
+            <a:pPr marL="171450" indent="-172800" algn="just">
+              <a:lnSpc>
+                <a:spcPts val="2800"/>
+              </a:lnSpc>
+              <a:buClr>
+                <a:srgbClr val="91D44F"/>
+              </a:buClr>
+              <a:buSzPct val="80000"/>
+              <a:buFont typeface="Wingdings" panose="05000000000000000000" pitchFamily="2" charset="2"/>
+              <a:buChar char="n"/>
+            </a:pPr>
+            <a:r>
+              <a:rPr lang="zh-TW" altLang="en-US" sz="1200" dirty="0" smtClean="0">
+                <a:solidFill>
+                  <a:srgbClr val="262626"/>
+                </a:solidFill>
+                <a:latin typeface="微軟正黑體" panose="020B0604030504040204" pitchFamily="34" charset="-120"/>
+                <a:ea typeface="微軟正黑體" panose="020B0604030504040204" pitchFamily="34" charset="-120"/>
+                <a:cs typeface="Arial" panose="020B0604020202020204" pitchFamily="34" charset="0"/>
+              </a:rPr>
+              <a:t>因服務的執行是使用 </a:t>
+            </a:r>
+            <a:r>
+              <a:rPr lang="en-US" altLang="zh-TW" sz="1200" dirty="0" err="1" smtClean="0">
+                <a:solidFill>
+                  <a:srgbClr val="262626"/>
+                </a:solidFill>
+                <a:latin typeface="微軟正黑體" panose="020B0604030504040204" pitchFamily="34" charset="-120"/>
+                <a:ea typeface="微軟正黑體" panose="020B0604030504040204" pitchFamily="34" charset="-120"/>
+                <a:cs typeface="Arial" panose="020B0604020202020204" pitchFamily="34" charset="0"/>
+              </a:rPr>
+              <a:t>rxjs</a:t>
+            </a:r>
+            <a:r>
+              <a:rPr lang="zh-TW" altLang="en-US" sz="1200" dirty="0" smtClean="0">
+                <a:solidFill>
+                  <a:srgbClr val="262626"/>
+                </a:solidFill>
+                <a:latin typeface="微軟正黑體" panose="020B0604030504040204" pitchFamily="34" charset="-120"/>
+                <a:ea typeface="微軟正黑體" panose="020B0604030504040204" pitchFamily="34" charset="-120"/>
+                <a:cs typeface="Arial" panose="020B0604020202020204" pitchFamily="34" charset="0"/>
+              </a:rPr>
+              <a:t> 的 </a:t>
+            </a:r>
+            <a:r>
+              <a:rPr lang="en-US" altLang="zh-TW" sz="1200" dirty="0" smtClean="0">
+                <a:solidFill>
+                  <a:srgbClr val="262626"/>
+                </a:solidFill>
+                <a:latin typeface="微軟正黑體" panose="020B0604030504040204" pitchFamily="34" charset="-120"/>
+                <a:ea typeface="微軟正黑體" panose="020B0604030504040204" pitchFamily="34" charset="-120"/>
+                <a:cs typeface="Arial" panose="020B0604020202020204" pitchFamily="34" charset="0"/>
+              </a:rPr>
+              <a:t>Observable </a:t>
+            </a:r>
+            <a:r>
+              <a:rPr lang="zh-TW" altLang="en-US" sz="1200" dirty="0" smtClean="0">
+                <a:solidFill>
+                  <a:srgbClr val="262626"/>
+                </a:solidFill>
+                <a:latin typeface="微軟正黑體" panose="020B0604030504040204" pitchFamily="34" charset="-120"/>
+                <a:ea typeface="微軟正黑體" panose="020B0604030504040204" pitchFamily="34" charset="-120"/>
+                <a:cs typeface="Arial" panose="020B0604020202020204" pitchFamily="34" charset="0"/>
+              </a:rPr>
+              <a:t>作回傳值，因此一定要執行 </a:t>
+            </a:r>
+            <a:r>
+              <a:rPr lang="en-US" altLang="zh-TW" sz="1200" b="1" dirty="0" smtClean="0">
+                <a:solidFill>
+                  <a:srgbClr val="006E94"/>
+                </a:solidFill>
+                <a:latin typeface="Arial" panose="020B0604020202020204" pitchFamily="34" charset="0"/>
+                <a:ea typeface="微軟正黑體" panose="020B0604030504040204" pitchFamily="34" charset="-120"/>
+                <a:cs typeface="Arial" panose="020B0604020202020204" pitchFamily="34" charset="0"/>
+              </a:rPr>
+              <a:t>“</a:t>
+            </a:r>
+            <a:r>
+              <a:rPr lang="en-US" altLang="zh-TW" sz="1200" b="1" dirty="0" smtClean="0">
+                <a:solidFill>
+                  <a:srgbClr val="006E94"/>
+                </a:solidFill>
+                <a:latin typeface="微軟正黑體" panose="020B0604030504040204" pitchFamily="34" charset="-120"/>
+                <a:ea typeface="微軟正黑體" panose="020B0604030504040204" pitchFamily="34" charset="-120"/>
+              </a:rPr>
+              <a:t>subscribe()</a:t>
+            </a:r>
+            <a:r>
+              <a:rPr lang="en-US" altLang="zh-TW" sz="1200" b="1" dirty="0" smtClean="0">
+                <a:solidFill>
+                  <a:srgbClr val="006E94"/>
+                </a:solidFill>
+                <a:latin typeface="Arial" panose="020B0604020202020204" pitchFamily="34" charset="0"/>
+                <a:ea typeface="微軟正黑體" panose="020B0604030504040204" pitchFamily="34" charset="-120"/>
+                <a:cs typeface="Arial" panose="020B0604020202020204" pitchFamily="34" charset="0"/>
+              </a:rPr>
+              <a:t>” </a:t>
+            </a:r>
+            <a:r>
+              <a:rPr lang="zh-TW" altLang="en-US" sz="1200" b="1" dirty="0" smtClean="0">
+                <a:solidFill>
+                  <a:srgbClr val="006E94"/>
+                </a:solidFill>
+                <a:latin typeface="Arial" panose="020B0604020202020204" pitchFamily="34" charset="0"/>
+                <a:ea typeface="微軟正黑體" panose="020B0604030504040204" pitchFamily="34" charset="-120"/>
+                <a:cs typeface="Arial" panose="020B0604020202020204" pitchFamily="34" charset="0"/>
+              </a:rPr>
+              <a:t> </a:t>
+            </a:r>
+            <a:r>
+              <a:rPr lang="zh-TW" altLang="en-US" sz="1200" dirty="0" smtClean="0">
+                <a:solidFill>
+                  <a:srgbClr val="262626"/>
+                </a:solidFill>
+                <a:latin typeface="Arial" panose="020B0604020202020204" pitchFamily="34" charset="0"/>
+                <a:ea typeface="微軟正黑體" panose="020B0604030504040204" pitchFamily="34" charset="-120"/>
+                <a:cs typeface="Arial" panose="020B0604020202020204" pitchFamily="34" charset="0"/>
+              </a:rPr>
+              <a:t>方法，否則服務不會啟動，其中回乎函數中的參數 </a:t>
+            </a:r>
+            <a:r>
+              <a:rPr lang="en-US" altLang="zh-TW" sz="1200" b="1" dirty="0" smtClean="0">
+                <a:solidFill>
+                  <a:srgbClr val="006E94"/>
+                </a:solidFill>
+                <a:latin typeface="Arial" panose="020B0604020202020204" pitchFamily="34" charset="0"/>
+                <a:ea typeface="微軟正黑體" panose="020B0604030504040204" pitchFamily="34" charset="-120"/>
+                <a:cs typeface="Arial" panose="020B0604020202020204" pitchFamily="34" charset="0"/>
+              </a:rPr>
+              <a:t>“res” </a:t>
+            </a:r>
+            <a:r>
+              <a:rPr lang="zh-TW" altLang="en-US" sz="1200" dirty="0" smtClean="0">
+                <a:solidFill>
+                  <a:srgbClr val="262626"/>
+                </a:solidFill>
+                <a:latin typeface="Arial" panose="020B0604020202020204" pitchFamily="34" charset="0"/>
+                <a:ea typeface="微軟正黑體" panose="020B0604030504040204" pitchFamily="34" charset="-120"/>
+                <a:cs typeface="Arial" panose="020B0604020202020204" pitchFamily="34" charset="0"/>
+              </a:rPr>
+              <a:t>會夾帶錯誤訊息及報警信息，可以分別透過 </a:t>
+            </a:r>
+            <a:r>
+              <a:rPr lang="en-US" altLang="zh-TW" sz="1200" b="1" dirty="0">
+                <a:solidFill>
+                  <a:srgbClr val="006E94"/>
+                </a:solidFill>
+                <a:latin typeface="Arial" panose="020B0604020202020204" pitchFamily="34" charset="0"/>
+                <a:ea typeface="微軟正黑體" panose="020B0604030504040204" pitchFamily="34" charset="-120"/>
+                <a:cs typeface="Arial" panose="020B0604020202020204" pitchFamily="34" charset="0"/>
+              </a:rPr>
+              <a:t>“</a:t>
+            </a:r>
+            <a:r>
+              <a:rPr lang="en-US" altLang="zh-TW" sz="1200" b="1" dirty="0" err="1" smtClean="0">
+                <a:solidFill>
+                  <a:srgbClr val="006E94"/>
+                </a:solidFill>
+                <a:latin typeface="Arial" panose="020B0604020202020204" pitchFamily="34" charset="0"/>
+                <a:ea typeface="微軟正黑體" panose="020B0604030504040204" pitchFamily="34" charset="-120"/>
+                <a:cs typeface="Arial" panose="020B0604020202020204" pitchFamily="34" charset="0"/>
+              </a:rPr>
+              <a:t>res.error</a:t>
+            </a:r>
+            <a:r>
+              <a:rPr lang="en-US" altLang="zh-TW" sz="1200" b="1" dirty="0" smtClean="0">
+                <a:solidFill>
+                  <a:srgbClr val="006E94"/>
+                </a:solidFill>
+                <a:latin typeface="Arial" panose="020B0604020202020204" pitchFamily="34" charset="0"/>
+                <a:ea typeface="微軟正黑體" panose="020B0604030504040204" pitchFamily="34" charset="-120"/>
+                <a:cs typeface="Arial" panose="020B0604020202020204" pitchFamily="34" charset="0"/>
+              </a:rPr>
+              <a:t>”</a:t>
+            </a:r>
+            <a:r>
+              <a:rPr lang="en-US" altLang="zh-TW" sz="1200" dirty="0" smtClean="0">
+                <a:solidFill>
+                  <a:srgbClr val="262626"/>
+                </a:solidFill>
+                <a:latin typeface="Arial" panose="020B0604020202020204" pitchFamily="34" charset="0"/>
+                <a:ea typeface="微軟正黑體" panose="020B0604030504040204" pitchFamily="34" charset="-120"/>
+                <a:cs typeface="Arial" panose="020B0604020202020204" pitchFamily="34" charset="0"/>
+              </a:rPr>
+              <a:t> </a:t>
+            </a:r>
+            <a:r>
+              <a:rPr lang="zh-TW" altLang="en-US" sz="1200" dirty="0" smtClean="0">
+                <a:solidFill>
+                  <a:srgbClr val="262626"/>
+                </a:solidFill>
+                <a:latin typeface="Arial" panose="020B0604020202020204" pitchFamily="34" charset="0"/>
+                <a:ea typeface="微軟正黑體" panose="020B0604030504040204" pitchFamily="34" charset="-120"/>
+                <a:cs typeface="Arial" panose="020B0604020202020204" pitchFamily="34" charset="0"/>
+              </a:rPr>
+              <a:t>及 </a:t>
+            </a:r>
+            <a:r>
+              <a:rPr lang="en-US" altLang="zh-TW" sz="1200" b="1" dirty="0" smtClean="0">
+                <a:solidFill>
+                  <a:srgbClr val="006E94"/>
+                </a:solidFill>
+                <a:latin typeface="Arial" panose="020B0604020202020204" pitchFamily="34" charset="0"/>
+                <a:ea typeface="微軟正黑體" panose="020B0604030504040204" pitchFamily="34" charset="-120"/>
+                <a:cs typeface="Arial" panose="020B0604020202020204" pitchFamily="34" charset="0"/>
+              </a:rPr>
+              <a:t>“</a:t>
+            </a:r>
+            <a:r>
+              <a:rPr lang="en-US" altLang="zh-TW" sz="1200" b="1" dirty="0" err="1" smtClean="0">
+                <a:solidFill>
+                  <a:srgbClr val="006E94"/>
+                </a:solidFill>
+                <a:latin typeface="Arial" panose="020B0604020202020204" pitchFamily="34" charset="0"/>
+                <a:ea typeface="微軟正黑體" panose="020B0604030504040204" pitchFamily="34" charset="-120"/>
+                <a:cs typeface="Arial" panose="020B0604020202020204" pitchFamily="34" charset="0"/>
+              </a:rPr>
+              <a:t>res.result</a:t>
+            </a:r>
+            <a:r>
+              <a:rPr lang="en-US" altLang="zh-TW" sz="1200" b="1" dirty="0" smtClean="0">
+                <a:solidFill>
+                  <a:srgbClr val="006E94"/>
+                </a:solidFill>
+                <a:latin typeface="Arial" panose="020B0604020202020204" pitchFamily="34" charset="0"/>
+                <a:ea typeface="微軟正黑體" panose="020B0604030504040204" pitchFamily="34" charset="-120"/>
+                <a:cs typeface="Arial" panose="020B0604020202020204" pitchFamily="34" charset="0"/>
+              </a:rPr>
+              <a:t>”</a:t>
+            </a:r>
+            <a:r>
+              <a:rPr lang="en-US" altLang="zh-TW" sz="1200" dirty="0" smtClean="0">
+                <a:solidFill>
+                  <a:srgbClr val="262626"/>
+                </a:solidFill>
+                <a:latin typeface="Arial" panose="020B0604020202020204" pitchFamily="34" charset="0"/>
+                <a:ea typeface="微軟正黑體" panose="020B0604030504040204" pitchFamily="34" charset="-120"/>
+                <a:cs typeface="Arial" panose="020B0604020202020204" pitchFamily="34" charset="0"/>
+              </a:rPr>
+              <a:t> </a:t>
+            </a:r>
+            <a:r>
+              <a:rPr lang="zh-TW" altLang="en-US" sz="1200" dirty="0" smtClean="0">
+                <a:solidFill>
+                  <a:srgbClr val="262626"/>
+                </a:solidFill>
+                <a:latin typeface="Arial" panose="020B0604020202020204" pitchFamily="34" charset="0"/>
+                <a:ea typeface="微軟正黑體" panose="020B0604030504040204" pitchFamily="34" charset="-120"/>
+                <a:cs typeface="Arial" panose="020B0604020202020204" pitchFamily="34" charset="0"/>
+              </a:rPr>
+              <a:t>取得。</a:t>
+            </a:r>
+            <a:endParaRPr lang="en-US" altLang="zh-TW" sz="1200" dirty="0" smtClean="0">
+              <a:solidFill>
+                <a:srgbClr val="262626"/>
+              </a:solidFill>
+              <a:latin typeface="Arial" panose="020B0604020202020204" pitchFamily="34" charset="0"/>
+              <a:ea typeface="微軟正黑體" panose="020B0604030504040204" pitchFamily="34" charset="-120"/>
+              <a:cs typeface="Arial" panose="020B0604020202020204" pitchFamily="34" charset="0"/>
+            </a:endParaRPr>
+          </a:p>
+        </p:txBody>
+      </p:sp>
+    </p:spTree>
+    <p:extLst>
+      <p:ext uri="{BB962C8B-B14F-4D97-AF65-F5344CB8AC3E}">
+        <p14:creationId xmlns:p14="http://schemas.microsoft.com/office/powerpoint/2010/main" val="3181133878"/>
+      </p:ext>
+    </p:extLst>
+  </p:cSld>
+  <p:clrMapOvr>
+    <a:masterClrMapping/>
+  </p:clrMapOvr>
+</p:sld>
+</file>
+
 <file path=ppt/slides/slide2.xml><?xml version="1.0" encoding="utf-8"?>
 <p:sld xmlns:a="http://schemas.openxmlformats.org/drawingml/2006/main" xmlns:r="http://schemas.openxmlformats.org/officeDocument/2006/relationships" xmlns:p="http://schemas.openxmlformats.org/presentationml/2006/main">
   <p:cSld>
@@ -13891,14 +16889,7 @@
                   <a:latin typeface="微軟正黑體" panose="020B0604030504040204" pitchFamily="34" charset="-120"/>
                   <a:ea typeface="微軟正黑體" panose="020B0604030504040204" pitchFamily="34" charset="-120"/>
                 </a:rPr>
-                <a:t>，並</a:t>
-              </a:r>
-              <a:r>
-                <a:rPr lang="zh-TW" altLang="en-US" sz="1200" dirty="0" smtClean="0">
-                  <a:latin typeface="微軟正黑體" panose="020B0604030504040204" pitchFamily="34" charset="-120"/>
-                  <a:ea typeface="微軟正黑體" panose="020B0604030504040204" pitchFamily="34" charset="-120"/>
-                </a:rPr>
-                <a:t>將特定的屬性及方法完成實作，即可啟用報警的流程。</a:t>
+                <a:t>，並將特定的屬性及方法完成實作，即可啟用報警的流程。</a:t>
               </a:r>
               <a:endParaRPr lang="zh-TW" altLang="en-US" sz="1200" dirty="0">
                 <a:latin typeface="微軟正黑體" panose="020B0604030504040204" pitchFamily="34" charset="-120"/>
@@ -14432,13 +17423,6 @@
                 </a:rPr>
                 <a:t>繼承範本</a:t>
               </a:r>
-              <a:endParaRPr lang="zh-TW" altLang="en-US" sz="1400" b="1" dirty="0">
-                <a:solidFill>
-                  <a:srgbClr val="262626"/>
-                </a:solidFill>
-                <a:latin typeface="微軟正黑體" panose="020B0604030504040204" pitchFamily="34" charset="-120"/>
-                <a:ea typeface="微軟正黑體" panose="020B0604030504040204" pitchFamily="34" charset="-120"/>
-              </a:endParaRPr>
             </a:p>
           </p:txBody>
         </p:sp>
@@ -18873,6 +21857,116 @@
           </a:graphicData>
         </a:graphic>
       </p:graphicFrame>
+      <p:sp>
+        <p:nvSpPr>
+          <p:cNvPr id="4" name="矩形 3"/>
+          <p:cNvSpPr/>
+          <p:nvPr/>
+        </p:nvSpPr>
+        <p:spPr>
+          <a:xfrm>
+            <a:off x="3986409" y="1825921"/>
+            <a:ext cx="2031325" cy="276999"/>
+          </a:xfrm>
+          <a:prstGeom prst="rect">
+            <a:avLst/>
+          </a:prstGeom>
+        </p:spPr>
+        <p:txBody>
+          <a:bodyPr wrap="none">
+            <a:spAutoFit/>
+          </a:bodyPr>
+          <a:lstStyle/>
+          <a:p>
+            <a:r>
+              <a:rPr lang="zh-TW" altLang="en-US" sz="1200" dirty="0" smtClean="0">
+                <a:latin typeface="微軟正黑體 Light" panose="020B0304030504040204" pitchFamily="34" charset="-120"/>
+                <a:ea typeface="微軟正黑體 Light" panose="020B0304030504040204" pitchFamily="34" charset="-120"/>
+              </a:rPr>
+              <a:t>以時間周期來驅動報警更新</a:t>
+            </a:r>
+            <a:endParaRPr lang="zh-TW" altLang="en-US" sz="1200" dirty="0"/>
+          </a:p>
+        </p:txBody>
+      </p:sp>
+      <p:sp>
+        <p:nvSpPr>
+          <p:cNvPr id="15" name="矩形 14"/>
+          <p:cNvSpPr/>
+          <p:nvPr/>
+        </p:nvSpPr>
+        <p:spPr>
+          <a:xfrm>
+            <a:off x="3986408" y="3336229"/>
+            <a:ext cx="2031325" cy="276999"/>
+          </a:xfrm>
+          <a:prstGeom prst="rect">
+            <a:avLst/>
+          </a:prstGeom>
+        </p:spPr>
+        <p:txBody>
+          <a:bodyPr wrap="none">
+            <a:spAutoFit/>
+          </a:bodyPr>
+          <a:lstStyle/>
+          <a:p>
+            <a:r>
+              <a:rPr lang="zh-TW" altLang="en-US" sz="1200" dirty="0" smtClean="0">
+                <a:latin typeface="微軟正黑體 Light" panose="020B0304030504040204" pitchFamily="34" charset="-120"/>
+                <a:ea typeface="微軟正黑體 Light" panose="020B0304030504040204" pitchFamily="34" charset="-120"/>
+              </a:rPr>
+              <a:t>以獲取資料來驅動報警更新</a:t>
+            </a:r>
+            <a:endParaRPr lang="zh-TW" altLang="en-US" sz="1200" dirty="0"/>
+          </a:p>
+        </p:txBody>
+      </p:sp>
+      <p:sp>
+        <p:nvSpPr>
+          <p:cNvPr id="16" name="矩形 15"/>
+          <p:cNvSpPr/>
+          <p:nvPr/>
+        </p:nvSpPr>
+        <p:spPr>
+          <a:xfrm>
+            <a:off x="3986408" y="4844126"/>
+            <a:ext cx="3108543" cy="276999"/>
+          </a:xfrm>
+          <a:prstGeom prst="rect">
+            <a:avLst/>
+          </a:prstGeom>
+        </p:spPr>
+        <p:txBody>
+          <a:bodyPr wrap="none">
+            <a:spAutoFit/>
+          </a:bodyPr>
+          <a:lstStyle/>
+          <a:p>
+            <a:r>
+              <a:rPr lang="zh-TW" altLang="en-US" sz="1200" dirty="0" smtClean="0">
+                <a:latin typeface="微軟正黑體 Light" panose="020B0304030504040204" pitchFamily="34" charset="-120"/>
+                <a:ea typeface="微軟正黑體 Light" panose="020B0304030504040204" pitchFamily="34" charset="-120"/>
+              </a:rPr>
+              <a:t>同時以</a:t>
+            </a:r>
+            <a:r>
+              <a:rPr lang="zh-TW" altLang="en-US" sz="1200" dirty="0">
+                <a:latin typeface="微軟正黑體 Light" panose="020B0304030504040204" pitchFamily="34" charset="-120"/>
+                <a:ea typeface="微軟正黑體 Light" panose="020B0304030504040204" pitchFamily="34" charset="-120"/>
+              </a:rPr>
+              <a:t>時間</a:t>
+            </a:r>
+            <a:r>
+              <a:rPr lang="zh-TW" altLang="en-US" sz="1200" dirty="0" smtClean="0">
+                <a:latin typeface="微軟正黑體 Light" panose="020B0304030504040204" pitchFamily="34" charset="-120"/>
+                <a:ea typeface="微軟正黑體 Light" panose="020B0304030504040204" pitchFamily="34" charset="-120"/>
+              </a:rPr>
+              <a:t>周期及獲取資料來驅動報警更新</a:t>
+            </a:r>
+            <a:endParaRPr lang="zh-TW" altLang="en-US" sz="1200" dirty="0"/>
+          </a:p>
+        </p:txBody>
+      </p:sp>
     </p:spTree>
     <p:extLst>
       <p:ext uri="{BB962C8B-B14F-4D97-AF65-F5344CB8AC3E}">
@@ -31863,13 +34957,6 @@
               </a:rPr>
               <a:t>如何設計報警狀態，將在後續頁面介紹</a:t>
             </a:r>
-            <a:endParaRPr lang="zh-TW" altLang="en-US" sz="1400" dirty="0">
-              <a:solidFill>
-                <a:srgbClr val="262626"/>
-              </a:solidFill>
-              <a:latin typeface="微軟正黑體 Light" panose="020B0304030504040204" pitchFamily="34" charset="-120"/>
-              <a:ea typeface="微軟正黑體 Light" panose="020B0304030504040204" pitchFamily="34" charset="-120"/>
-            </a:endParaRPr>
           </a:p>
         </p:txBody>
       </p:sp>
@@ -33616,13 +36703,6 @@
               </a:rPr>
               <a:t>如何設計報警狀態，將在後續頁面介紹</a:t>
             </a:r>
-            <a:endParaRPr lang="zh-TW" altLang="en-US" sz="1400" dirty="0">
-              <a:solidFill>
-                <a:srgbClr val="262626"/>
-              </a:solidFill>
-              <a:latin typeface="微軟正黑體 Light" panose="020B0304030504040204" pitchFamily="34" charset="-120"/>
-              <a:ea typeface="微軟正黑體 Light" panose="020B0304030504040204" pitchFamily="34" charset="-120"/>
-            </a:endParaRPr>
           </a:p>
         </p:txBody>
       </p:sp>
@@ -35459,13 +38539,6 @@
               </a:rPr>
               <a:t>如何設計報警狀態，將在後續頁面介紹</a:t>
             </a:r>
-            <a:endParaRPr lang="zh-TW" altLang="en-US" sz="1400" dirty="0">
-              <a:solidFill>
-                <a:srgbClr val="262626"/>
-              </a:solidFill>
-              <a:latin typeface="微軟正黑體 Light" panose="020B0304030504040204" pitchFamily="34" charset="-120"/>
-              <a:ea typeface="微軟正黑體 Light" panose="020B0304030504040204" pitchFamily="34" charset="-120"/>
-            </a:endParaRPr>
           </a:p>
         </p:txBody>
       </p:sp>
@@ -37219,13 +40292,6 @@
               </a:rPr>
               <a:t>如何設計報警狀態，將在後續頁面介紹</a:t>
             </a:r>
-            <a:endParaRPr lang="zh-TW" altLang="en-US" sz="1400" dirty="0">
-              <a:solidFill>
-                <a:srgbClr val="262626"/>
-              </a:solidFill>
-              <a:latin typeface="微軟正黑體 Light" panose="020B0304030504040204" pitchFamily="34" charset="-120"/>
-              <a:ea typeface="微軟正黑體 Light" panose="020B0304030504040204" pitchFamily="34" charset="-120"/>
-            </a:endParaRPr>
           </a:p>
         </p:txBody>
       </p:sp>
@@ -39069,13 +42135,6 @@
               </a:rPr>
               <a:t>如何設計報警狀態，將在後續頁面介紹</a:t>
             </a:r>
-            <a:endParaRPr lang="zh-TW" altLang="en-US" sz="1400" dirty="0">
-              <a:solidFill>
-                <a:srgbClr val="262626"/>
-              </a:solidFill>
-              <a:latin typeface="微軟正黑體 Light" panose="020B0304030504040204" pitchFamily="34" charset="-120"/>
-              <a:ea typeface="微軟正黑體 Light" panose="020B0304030504040204" pitchFamily="34" charset="-120"/>
-            </a:endParaRPr>
           </a:p>
         </p:txBody>
       </p:sp>
@@ -39494,7 +42553,7 @@
                     <a:p>
                       <a:pPr algn="l" fontAlgn="ctr"/>
                       <a:r>
-                        <a:rPr lang="en-US" sz="1100" b="0" i="0" u="none" strike="noStrike">
+                        <a:rPr lang="en-US" sz="1100" b="0" i="0" u="none" strike="noStrike" dirty="0">
                           <a:solidFill>
                             <a:srgbClr val="AF00DB"/>
                           </a:solidFill>
@@ -39505,7 +42564,7 @@
                         <a:t>import</a:t>
                       </a:r>
                       <a:r>
-                        <a:rPr lang="en-US" sz="1100" b="0" i="0" u="none" strike="noStrike">
+                        <a:rPr lang="en-US" sz="1100" b="0" i="0" u="none" strike="noStrike" dirty="0">
                           <a:solidFill>
                             <a:srgbClr val="000000"/>
                           </a:solidFill>
@@ -39516,7 +42575,7 @@
                         <a:t> { </a:t>
                       </a:r>
                       <a:r>
-                        <a:rPr lang="en-US" sz="1100" b="0" i="0" u="none" strike="noStrike">
+                        <a:rPr lang="en-US" sz="1100" b="0" i="0" u="none" strike="noStrike" dirty="0" err="1">
                           <a:solidFill>
                             <a:srgbClr val="001080"/>
                           </a:solidFill>
@@ -39527,7 +42586,7 @@
                         <a:t>AlarmTemplate</a:t>
                       </a:r>
                       <a:r>
-                        <a:rPr lang="en-US" sz="1100" b="0" i="0" u="none" strike="noStrike">
+                        <a:rPr lang="en-US" sz="1100" b="0" i="0" u="none" strike="noStrike" dirty="0">
                           <a:solidFill>
                             <a:srgbClr val="000000"/>
                           </a:solidFill>
@@ -39538,7 +42597,7 @@
                         <a:t>, </a:t>
                       </a:r>
                       <a:r>
-                        <a:rPr lang="en-US" sz="1100" b="0" i="0" u="none" strike="noStrike">
+                        <a:rPr lang="en-US" sz="1100" b="0" i="0" u="none" strike="noStrike" dirty="0">
                           <a:solidFill>
                             <a:srgbClr val="001080"/>
                           </a:solidFill>
@@ -39549,7 +42608,7 @@
                         <a:t>Alarm</a:t>
                       </a:r>
                       <a:r>
-                        <a:rPr lang="en-US" sz="1100" b="0" i="0" u="none" strike="noStrike">
+                        <a:rPr lang="en-US" sz="1100" b="0" i="0" u="none" strike="noStrike" dirty="0">
                           <a:solidFill>
                             <a:srgbClr val="000000"/>
                           </a:solidFill>
@@ -39560,7 +42619,7 @@
                         <a:t>, </a:t>
                       </a:r>
                       <a:r>
-                        <a:rPr lang="en-US" sz="1100" b="0" i="0" u="none" strike="noStrike">
+                        <a:rPr lang="en-US" sz="1100" b="0" i="0" u="none" strike="noStrike" dirty="0" err="1">
                           <a:solidFill>
                             <a:srgbClr val="001080"/>
                           </a:solidFill>
@@ -39571,7 +42630,7 @@
                         <a:t>AlarmEntity</a:t>
                       </a:r>
                       <a:r>
-                        <a:rPr lang="en-US" sz="1100" b="0" i="0" u="none" strike="noStrike">
+                        <a:rPr lang="en-US" sz="1100" b="0" i="0" u="none" strike="noStrike" dirty="0">
                           <a:solidFill>
                             <a:srgbClr val="000000"/>
                           </a:solidFill>
@@ -39582,7 +42641,7 @@
                         <a:t>, </a:t>
                       </a:r>
                       <a:r>
-                        <a:rPr lang="en-US" sz="1100" b="0" i="0" u="none" strike="noStrike">
+                        <a:rPr lang="en-US" sz="1100" b="0" i="0" u="none" strike="noStrike" dirty="0" err="1">
                           <a:solidFill>
                             <a:srgbClr val="001080"/>
                           </a:solidFill>
@@ -39593,7 +42652,7 @@
                         <a:t>AlarmModel</a:t>
                       </a:r>
                       <a:r>
-                        <a:rPr lang="en-US" sz="1100" b="0" i="0" u="none" strike="noStrike">
+                        <a:rPr lang="en-US" sz="1100" b="0" i="0" u="none" strike="noStrike" dirty="0">
                           <a:solidFill>
                             <a:srgbClr val="000000"/>
                           </a:solidFill>
@@ -39604,7 +42663,7 @@
                         <a:t> } </a:t>
                       </a:r>
                       <a:r>
-                        <a:rPr lang="en-US" sz="1100" b="0" i="0" u="none" strike="noStrike">
+                        <a:rPr lang="en-US" sz="1100" b="0" i="0" u="none" strike="noStrike" dirty="0">
                           <a:solidFill>
                             <a:srgbClr val="AF00DB"/>
                           </a:solidFill>
@@ -39615,7 +42674,7 @@
                         <a:t>from</a:t>
                       </a:r>
                       <a:r>
-                        <a:rPr lang="en-US" sz="1100" b="0" i="0" u="none" strike="noStrike">
+                        <a:rPr lang="en-US" sz="1100" b="0" i="0" u="none" strike="noStrike" dirty="0">
                           <a:solidFill>
                             <a:srgbClr val="000000"/>
                           </a:solidFill>
@@ -39626,7 +42685,7 @@
                         <a:t> </a:t>
                       </a:r>
                       <a:r>
-                        <a:rPr lang="en-US" sz="1100" b="0" i="0" u="none" strike="noStrike">
+                        <a:rPr lang="en-US" sz="1100" b="0" i="0" u="none" strike="noStrike" dirty="0">
                           <a:solidFill>
                             <a:srgbClr val="A31515"/>
                           </a:solidFill>
@@ -39637,7 +42696,7 @@
                         <a:t>'wistroni40-dmc'</a:t>
                       </a:r>
                       <a:r>
-                        <a:rPr lang="en-US" sz="1100" b="0" i="0" u="none" strike="noStrike">
+                        <a:rPr lang="en-US" sz="1100" b="0" i="0" u="none" strike="noStrike" dirty="0">
                           <a:solidFill>
                             <a:srgbClr val="000000"/>
                           </a:solidFill>
@@ -39647,7 +42706,7 @@
                         </a:rPr>
                         <a:t>;</a:t>
                       </a:r>
-                      <a:endParaRPr lang="en-US" sz="1100" b="0" i="0" u="none" strike="noStrike">
+                      <a:endParaRPr lang="en-US" sz="1100" b="0" i="0" u="none" strike="noStrike" dirty="0">
                         <a:solidFill>
                           <a:srgbClr val="AF00DB"/>
                         </a:solidFill>
@@ -39783,7 +42842,7 @@
                     <a:lstStyle/>
                     <a:p>
                       <a:pPr algn="l" fontAlgn="ctr"/>
-                      <a:endParaRPr lang="zh-TW" altLang="en-US" sz="1200" b="0" i="0" u="none" strike="noStrike">
+                      <a:endParaRPr lang="zh-TW" altLang="en-US" sz="1200" b="0" i="0" u="none" strike="noStrike" dirty="0">
                         <a:solidFill>
                           <a:srgbClr val="000000"/>
                         </a:solidFill>
@@ -39920,7 +42979,7 @@
                     <a:p>
                       <a:pPr algn="l" fontAlgn="ctr"/>
                       <a:r>
-                        <a:rPr lang="en-US" sz="1100" b="0" i="0" u="none" strike="noStrike">
+                        <a:rPr lang="en-US" sz="1100" b="0" i="0" u="none" strike="noStrike" dirty="0">
                           <a:solidFill>
                             <a:srgbClr val="0000FF"/>
                           </a:solidFill>
@@ -39931,7 +42990,7 @@
                         <a:t>class</a:t>
                       </a:r>
                       <a:r>
-                        <a:rPr lang="en-US" sz="1100" b="0" i="0" u="none" strike="noStrike">
+                        <a:rPr lang="en-US" sz="1100" b="0" i="0" u="none" strike="noStrike" dirty="0">
                           <a:solidFill>
                             <a:srgbClr val="000000"/>
                           </a:solidFill>
@@ -39942,7 +43001,7 @@
                         <a:t> </a:t>
                       </a:r>
                       <a:r>
-                        <a:rPr lang="en-US" sz="1100" b="0" i="0" u="none" strike="noStrike">
+                        <a:rPr lang="en-US" sz="1100" b="0" i="0" u="none" strike="noStrike" dirty="0" err="1">
                           <a:solidFill>
                             <a:srgbClr val="267F99"/>
                           </a:solidFill>
@@ -39953,7 +43012,7 @@
                         <a:t>AlarmService</a:t>
                       </a:r>
                       <a:r>
-                        <a:rPr lang="en-US" sz="1100" b="0" i="0" u="none" strike="noStrike">
+                        <a:rPr lang="en-US" sz="1100" b="0" i="0" u="none" strike="noStrike" dirty="0">
                           <a:solidFill>
                             <a:srgbClr val="000000"/>
                           </a:solidFill>
@@ -39964,7 +43023,7 @@
                         <a:t> </a:t>
                       </a:r>
                       <a:r>
-                        <a:rPr lang="en-US" sz="1100" b="0" i="0" u="none" strike="noStrike">
+                        <a:rPr lang="en-US" sz="1100" b="0" i="0" u="none" strike="noStrike" dirty="0">
                           <a:solidFill>
                             <a:srgbClr val="0000FF"/>
                           </a:solidFill>
@@ -39975,7 +43034,7 @@
                         <a:t>extends</a:t>
                       </a:r>
                       <a:r>
-                        <a:rPr lang="en-US" sz="1100" b="0" i="0" u="none" strike="noStrike">
+                        <a:rPr lang="en-US" sz="1100" b="0" i="0" u="none" strike="noStrike" dirty="0">
                           <a:solidFill>
                             <a:srgbClr val="000000"/>
                           </a:solidFill>
@@ -39986,7 +43045,7 @@
                         <a:t> </a:t>
                       </a:r>
                       <a:r>
-                        <a:rPr lang="en-US" sz="1100" b="0" i="0" u="none" strike="noStrike">
+                        <a:rPr lang="en-US" sz="1100" b="0" i="0" u="none" strike="noStrike" dirty="0" err="1">
                           <a:solidFill>
                             <a:srgbClr val="267F99"/>
                           </a:solidFill>
@@ -39997,7 +43056,7 @@
                         <a:t>AlarmTemplate</a:t>
                       </a:r>
                       <a:r>
-                        <a:rPr lang="en-US" sz="1100" b="0" i="0" u="none" strike="noStrike">
+                        <a:rPr lang="en-US" sz="1100" b="0" i="0" u="none" strike="noStrike" dirty="0">
                           <a:solidFill>
                             <a:srgbClr val="000000"/>
                           </a:solidFill>
@@ -40007,7 +43066,7 @@
                         </a:rPr>
                         <a:t> {</a:t>
                       </a:r>
-                      <a:endParaRPr lang="en-US" sz="1100" b="0" i="0" u="none" strike="noStrike">
+                      <a:endParaRPr lang="en-US" sz="1100" b="0" i="0" u="none" strike="noStrike" dirty="0">
                         <a:solidFill>
                           <a:srgbClr val="0000FF"/>
                         </a:solidFill>
@@ -40144,7 +43203,7 @@
                     <a:p>
                       <a:pPr algn="l" fontAlgn="ctr"/>
                       <a:r>
-                        <a:rPr lang="en-US" sz="1100" b="0" i="0" u="none" strike="noStrike">
+                        <a:rPr lang="en-US" sz="1100" b="0" i="0" u="none" strike="noStrike" dirty="0">
                           <a:solidFill>
                             <a:srgbClr val="000000"/>
                           </a:solidFill>
@@ -40155,7 +43214,7 @@
                         <a:t>  </a:t>
                       </a:r>
                       <a:r>
-                        <a:rPr lang="en-US" sz="1100" b="0" i="0" u="none" strike="noStrike">
+                        <a:rPr lang="en-US" sz="1100" b="0" i="0" u="none" strike="noStrike" dirty="0">
                           <a:solidFill>
                             <a:srgbClr val="0000FF"/>
                           </a:solidFill>
@@ -40166,7 +43225,7 @@
                         <a:t>public</a:t>
                       </a:r>
                       <a:r>
-                        <a:rPr lang="en-US" sz="1100" b="0" i="0" u="none" strike="noStrike">
+                        <a:rPr lang="en-US" sz="1100" b="0" i="0" u="none" strike="noStrike" dirty="0">
                           <a:solidFill>
                             <a:srgbClr val="000000"/>
                           </a:solidFill>
@@ -40177,7 +43236,7 @@
                         <a:t> </a:t>
                       </a:r>
                       <a:r>
-                        <a:rPr lang="en-US" sz="1100" b="0" i="0" u="none" strike="noStrike">
+                        <a:rPr lang="en-US" sz="1100" b="0" i="0" u="none" strike="noStrike" dirty="0">
                           <a:solidFill>
                             <a:srgbClr val="795E26"/>
                           </a:solidFill>
@@ -40188,7 +43247,7 @@
                         <a:t>payload</a:t>
                       </a:r>
                       <a:r>
-                        <a:rPr lang="en-US" sz="1100" b="0" i="0" u="none" strike="noStrike">
+                        <a:rPr lang="en-US" sz="1100" b="0" i="0" u="none" strike="noStrike" dirty="0">
                           <a:solidFill>
                             <a:srgbClr val="000000"/>
                           </a:solidFill>
@@ -40199,7 +43258,7 @@
                         <a:t>(</a:t>
                       </a:r>
                       <a:r>
-                        <a:rPr lang="en-US" sz="1100" b="0" i="0" u="none" strike="noStrike">
+                        <a:rPr lang="en-US" sz="1100" b="0" i="0" u="none" strike="noStrike" dirty="0">
                           <a:solidFill>
                             <a:srgbClr val="001080"/>
                           </a:solidFill>
@@ -40210,7 +43269,7 @@
                         <a:t>alarm</a:t>
                       </a:r>
                       <a:r>
-                        <a:rPr lang="en-US" sz="1100" b="0" i="0" u="none" strike="noStrike">
+                        <a:rPr lang="en-US" sz="1100" b="0" i="0" u="none" strike="noStrike" dirty="0">
                           <a:solidFill>
                             <a:srgbClr val="000000"/>
                           </a:solidFill>
@@ -40221,7 +43280,7 @@
                         <a:t>: </a:t>
                       </a:r>
                       <a:r>
-                        <a:rPr lang="en-US" sz="1100" b="0" i="0" u="none" strike="noStrike">
+                        <a:rPr lang="en-US" sz="1100" b="0" i="0" u="none" strike="noStrike" dirty="0">
                           <a:solidFill>
                             <a:srgbClr val="267F99"/>
                           </a:solidFill>
@@ -40232,7 +43291,7 @@
                         <a:t>Alarm</a:t>
                       </a:r>
                       <a:r>
-                        <a:rPr lang="en-US" sz="1100" b="0" i="0" u="none" strike="noStrike">
+                        <a:rPr lang="en-US" sz="1100" b="0" i="0" u="none" strike="noStrike" dirty="0">
                           <a:solidFill>
                             <a:srgbClr val="000000"/>
                           </a:solidFill>
@@ -40243,7 +43302,7 @@
                         <a:t>&lt;</a:t>
                       </a:r>
                       <a:r>
-                        <a:rPr lang="en-US" sz="1100" b="0" i="0" u="none" strike="noStrike">
+                        <a:rPr lang="en-US" sz="1100" b="0" i="0" u="none" strike="noStrike" dirty="0">
                           <a:solidFill>
                             <a:srgbClr val="267F99"/>
                           </a:solidFill>
@@ -40254,7 +43313,7 @@
                         <a:t>T</a:t>
                       </a:r>
                       <a:r>
-                        <a:rPr lang="en-US" sz="1100" b="0" i="0" u="none" strike="noStrike">
+                        <a:rPr lang="en-US" sz="1100" b="0" i="0" u="none" strike="noStrike" dirty="0">
                           <a:solidFill>
                             <a:srgbClr val="000000"/>
                           </a:solidFill>
@@ -40265,7 +43324,7 @@
                         <a:t>&gt;): </a:t>
                       </a:r>
                       <a:r>
-                        <a:rPr lang="en-US" sz="1100" b="0" i="0" u="none" strike="noStrike">
+                        <a:rPr lang="en-US" sz="1100" b="0" i="0" u="none" strike="noStrike" dirty="0" err="1">
                           <a:solidFill>
                             <a:srgbClr val="267F99"/>
                           </a:solidFill>
@@ -40276,7 +43335,7 @@
                         <a:t>AlarmModel</a:t>
                       </a:r>
                       <a:r>
-                        <a:rPr lang="en-US" sz="1100" b="0" i="0" u="none" strike="noStrike">
+                        <a:rPr lang="en-US" sz="1100" b="0" i="0" u="none" strike="noStrike" dirty="0">
                           <a:solidFill>
                             <a:srgbClr val="000000"/>
                           </a:solidFill>
@@ -40415,7 +43474,7 @@
                     <a:p>
                       <a:pPr algn="l" fontAlgn="ctr"/>
                       <a:r>
-                        <a:rPr lang="en-US" sz="1100" b="0" i="0" u="none" strike="noStrike">
+                        <a:rPr lang="en-US" sz="1100" b="0" i="0" u="none" strike="noStrike" dirty="0">
                           <a:solidFill>
                             <a:srgbClr val="000000"/>
                           </a:solidFill>
@@ -40426,7 +43485,7 @@
                         <a:t>    </a:t>
                       </a:r>
                       <a:r>
-                        <a:rPr lang="en-US" sz="1100" b="0" i="0" u="none" strike="noStrike">
+                        <a:rPr lang="en-US" sz="1100" b="0" i="0" u="none" strike="noStrike" dirty="0">
                           <a:solidFill>
                             <a:srgbClr val="AF00DB"/>
                           </a:solidFill>
@@ -40437,7 +43496,7 @@
                         <a:t>return</a:t>
                       </a:r>
                       <a:r>
-                        <a:rPr lang="en-US" sz="1100" b="0" i="0" u="none" strike="noStrike">
+                        <a:rPr lang="en-US" sz="1100" b="0" i="0" u="none" strike="noStrike" dirty="0">
                           <a:solidFill>
                             <a:srgbClr val="000000"/>
                           </a:solidFill>
@@ -40448,7 +43507,7 @@
                         <a:t> </a:t>
                       </a:r>
                       <a:r>
-                        <a:rPr lang="en-US" sz="1100" b="0" i="0" u="none" strike="noStrike">
+                        <a:rPr lang="en-US" sz="1100" b="0" i="0" u="none" strike="noStrike" dirty="0">
                           <a:solidFill>
                             <a:srgbClr val="0000FF"/>
                           </a:solidFill>
@@ -40459,7 +43518,7 @@
                         <a:t>new</a:t>
                       </a:r>
                       <a:r>
-                        <a:rPr lang="en-US" sz="1100" b="0" i="0" u="none" strike="noStrike">
+                        <a:rPr lang="en-US" sz="1100" b="0" i="0" u="none" strike="noStrike" dirty="0">
                           <a:solidFill>
                             <a:srgbClr val="000000"/>
                           </a:solidFill>
@@ -40470,7 +43529,7 @@
                         <a:t> </a:t>
                       </a:r>
                       <a:r>
-                        <a:rPr lang="en-US" sz="1100" b="0" i="0" u="none" strike="noStrike">
+                        <a:rPr lang="en-US" sz="1100" b="0" i="0" u="none" strike="noStrike" dirty="0" err="1">
                           <a:solidFill>
                             <a:srgbClr val="795E26"/>
                           </a:solidFill>
@@ -40481,7 +43540,7 @@
                         <a:t>AlarmEntity</a:t>
                       </a:r>
                       <a:r>
-                        <a:rPr lang="en-US" sz="1100" b="0" i="0" u="none" strike="noStrike">
+                        <a:rPr lang="en-US" sz="1100" b="0" i="0" u="none" strike="noStrike" dirty="0">
                           <a:solidFill>
                             <a:srgbClr val="000000"/>
                           </a:solidFill>
@@ -40620,7 +43679,7 @@
                     <a:p>
                       <a:pPr algn="l" fontAlgn="ctr"/>
                       <a:r>
-                        <a:rPr lang="en-US" sz="1100" b="0" i="0" u="none" strike="noStrike">
+                        <a:rPr lang="en-US" sz="1100" b="0" i="0" u="none" strike="noStrike" dirty="0">
                           <a:solidFill>
                             <a:srgbClr val="000000"/>
                           </a:solidFill>
@@ -40631,7 +43690,7 @@
                         <a:t>      </a:t>
                       </a:r>
                       <a:r>
-                        <a:rPr lang="en-US" sz="1100" b="0" i="0" u="none" strike="noStrike">
+                        <a:rPr lang="en-US" sz="1100" b="0" i="0" u="none" strike="noStrike" dirty="0" err="1">
                           <a:solidFill>
                             <a:srgbClr val="001080"/>
                           </a:solidFill>
@@ -40639,10 +43698,21 @@
                           <a:latin typeface="Consolas" panose="020B0609020204030204" pitchFamily="49" charset="0"/>
                           <a:ea typeface="新細明體" panose="02020500000000000000" pitchFamily="18" charset="-120"/>
                         </a:rPr>
-                        <a:t>syncId:</a:t>
-                      </a:r>
-                      <a:r>
-                        <a:rPr lang="en-US" sz="1100" b="0" i="0" u="none" strike="noStrike">
+                        <a:t>syncId</a:t>
+                      </a:r>
+                      <a:r>
+                        <a:rPr lang="en-US" sz="1100" b="0" i="0" u="none" strike="noStrike" dirty="0">
+                          <a:solidFill>
+                            <a:srgbClr val="001080"/>
+                          </a:solidFill>
+                          <a:effectLst/>
+                          <a:latin typeface="Consolas" panose="020B0609020204030204" pitchFamily="49" charset="0"/>
+                          <a:ea typeface="新細明體" panose="02020500000000000000" pitchFamily="18" charset="-120"/>
+                        </a:rPr>
+                        <a:t>:</a:t>
+                      </a:r>
+                      <a:r>
+                        <a:rPr lang="en-US" sz="1100" b="0" i="0" u="none" strike="noStrike" dirty="0">
                           <a:solidFill>
                             <a:srgbClr val="000000"/>
                           </a:solidFill>
@@ -40653,7 +43723,7 @@
                         <a:t> </a:t>
                       </a:r>
                       <a:r>
-                        <a:rPr lang="en-US" sz="1100" b="0" i="0" u="none" strike="noStrike">
+                        <a:rPr lang="en-US" sz="1100" b="0" i="0" u="none" strike="noStrike" dirty="0" err="1">
                           <a:solidFill>
                             <a:srgbClr val="001080"/>
                           </a:solidFill>
@@ -40664,7 +43734,7 @@
                         <a:t>alarm</a:t>
                       </a:r>
                       <a:r>
-                        <a:rPr lang="en-US" sz="1100" b="0" i="0" u="none" strike="noStrike">
+                        <a:rPr lang="en-US" sz="1100" b="0" i="0" u="none" strike="noStrike" dirty="0" err="1">
                           <a:solidFill>
                             <a:srgbClr val="000000"/>
                           </a:solidFill>
@@ -40675,7 +43745,7 @@
                         <a:t>.</a:t>
                       </a:r>
                       <a:r>
-                        <a:rPr lang="en-US" sz="1100" b="0" i="0" u="none" strike="noStrike">
+                        <a:rPr lang="en-US" sz="1100" b="0" i="0" u="none" strike="noStrike" dirty="0" err="1">
                           <a:solidFill>
                             <a:srgbClr val="001080"/>
                           </a:solidFill>
@@ -40686,7 +43756,7 @@
                         <a:t>key</a:t>
                       </a:r>
                       <a:r>
-                        <a:rPr lang="en-US" sz="1100" b="0" i="0" u="none" strike="noStrike">
+                        <a:rPr lang="en-US" sz="1100" b="0" i="0" u="none" strike="noStrike" dirty="0">
                           <a:solidFill>
                             <a:srgbClr val="000000"/>
                           </a:solidFill>
@@ -40697,7 +43767,7 @@
                         <a:t>, </a:t>
                       </a:r>
                       <a:r>
-                        <a:rPr lang="en-US" sz="1100" b="0" i="0" u="none" strike="noStrike">
+                        <a:rPr lang="en-US" sz="1100" b="0" i="0" u="none" strike="noStrike" dirty="0" err="1">
                           <a:solidFill>
                             <a:srgbClr val="001080"/>
                           </a:solidFill>
@@ -40705,10 +43775,21 @@
                           <a:latin typeface="Consolas" panose="020B0609020204030204" pitchFamily="49" charset="0"/>
                           <a:ea typeface="新細明體" panose="02020500000000000000" pitchFamily="18" charset="-120"/>
                         </a:rPr>
-                        <a:t>alertType:</a:t>
-                      </a:r>
-                      <a:r>
-                        <a:rPr lang="en-US" sz="1100" b="0" i="0" u="none" strike="noStrike">
+                        <a:t>alertType</a:t>
+                      </a:r>
+                      <a:r>
+                        <a:rPr lang="en-US" sz="1100" b="0" i="0" u="none" strike="noStrike" dirty="0">
+                          <a:solidFill>
+                            <a:srgbClr val="001080"/>
+                          </a:solidFill>
+                          <a:effectLst/>
+                          <a:latin typeface="Consolas" panose="020B0609020204030204" pitchFamily="49" charset="0"/>
+                          <a:ea typeface="新細明體" panose="02020500000000000000" pitchFamily="18" charset="-120"/>
+                        </a:rPr>
+                        <a:t>:</a:t>
+                      </a:r>
+                      <a:r>
+                        <a:rPr lang="en-US" sz="1100" b="0" i="0" u="none" strike="noStrike" dirty="0">
                           <a:solidFill>
                             <a:srgbClr val="000000"/>
                           </a:solidFill>
@@ -40719,7 +43800,7 @@
                         <a:t> </a:t>
                       </a:r>
                       <a:r>
-                        <a:rPr lang="en-US" sz="1100" b="0" i="0" u="none" strike="noStrike">
+                        <a:rPr lang="en-US" sz="1100" b="0" i="0" u="none" strike="noStrike" dirty="0" err="1">
                           <a:solidFill>
                             <a:srgbClr val="001080"/>
                           </a:solidFill>
@@ -40730,7 +43811,7 @@
                         <a:t>alarm</a:t>
                       </a:r>
                       <a:r>
-                        <a:rPr lang="en-US" sz="1100" b="0" i="0" u="none" strike="noStrike">
+                        <a:rPr lang="en-US" sz="1100" b="0" i="0" u="none" strike="noStrike" dirty="0" err="1">
                           <a:solidFill>
                             <a:srgbClr val="000000"/>
                           </a:solidFill>
@@ -40741,7 +43822,7 @@
                         <a:t>.</a:t>
                       </a:r>
                       <a:r>
-                        <a:rPr lang="en-US" sz="1100" b="0" i="0" u="none" strike="noStrike">
+                        <a:rPr lang="en-US" sz="1100" b="0" i="0" u="none" strike="noStrike" dirty="0" err="1">
                           <a:solidFill>
                             <a:srgbClr val="001080"/>
                           </a:solidFill>
@@ -40752,7 +43833,7 @@
                         <a:t>level</a:t>
                       </a:r>
                       <a:r>
-                        <a:rPr lang="en-US" sz="1100" b="0" i="0" u="none" strike="noStrike">
+                        <a:rPr lang="en-US" sz="1100" b="0" i="0" u="none" strike="noStrike" dirty="0">
                           <a:solidFill>
                             <a:srgbClr val="000000"/>
                           </a:solidFill>
@@ -40763,7 +43844,7 @@
                         <a:t> === </a:t>
                       </a:r>
                       <a:r>
-                        <a:rPr lang="en-US" sz="1100" b="0" i="0" u="none" strike="noStrike">
+                        <a:rPr lang="en-US" sz="1100" b="0" i="0" u="none" strike="noStrike" dirty="0">
                           <a:solidFill>
                             <a:srgbClr val="0000FF"/>
                           </a:solidFill>
@@ -40774,7 +43855,7 @@
                         <a:t>null</a:t>
                       </a:r>
                       <a:r>
-                        <a:rPr lang="en-US" sz="1100" b="0" i="0" u="none" strike="noStrike">
+                        <a:rPr lang="en-US" sz="1100" b="0" i="0" u="none" strike="noStrike" dirty="0">
                           <a:solidFill>
                             <a:srgbClr val="000000"/>
                           </a:solidFill>
@@ -40785,7 +43866,7 @@
                         <a:t> ? </a:t>
                       </a:r>
                       <a:r>
-                        <a:rPr lang="en-US" sz="1100" b="0" i="0" u="none" strike="noStrike">
+                        <a:rPr lang="en-US" sz="1100" b="0" i="0" u="none" strike="noStrike" dirty="0">
                           <a:solidFill>
                             <a:srgbClr val="098658"/>
                           </a:solidFill>
@@ -40796,7 +43877,7 @@
                         <a:t>1</a:t>
                       </a:r>
                       <a:r>
-                        <a:rPr lang="en-US" sz="1100" b="0" i="0" u="none" strike="noStrike">
+                        <a:rPr lang="en-US" sz="1100" b="0" i="0" u="none" strike="noStrike" dirty="0">
                           <a:solidFill>
                             <a:srgbClr val="000000"/>
                           </a:solidFill>
@@ -40807,7 +43888,7 @@
                         <a:t> : </a:t>
                       </a:r>
                       <a:r>
-                        <a:rPr lang="en-US" sz="1100" b="0" i="0" u="none" strike="noStrike">
+                        <a:rPr lang="en-US" sz="1100" b="0" i="0" u="none" strike="noStrike" dirty="0">
                           <a:solidFill>
                             <a:srgbClr val="098658"/>
                           </a:solidFill>
@@ -40818,7 +43899,7 @@
                         <a:t>0</a:t>
                       </a:r>
                       <a:r>
-                        <a:rPr lang="en-US" sz="1100" b="0" i="0" u="none" strike="noStrike">
+                        <a:rPr lang="en-US" sz="1100" b="0" i="0" u="none" strike="noStrike" dirty="0">
                           <a:solidFill>
                             <a:srgbClr val="000000"/>
                           </a:solidFill>
@@ -40957,7 +44038,7 @@
                     <a:p>
                       <a:pPr algn="l" fontAlgn="ctr"/>
                       <a:r>
-                        <a:rPr lang="en-US" sz="1100" b="0" i="0" u="none" strike="noStrike">
+                        <a:rPr lang="en-US" sz="1100" b="0" i="0" u="none" strike="noStrike" dirty="0">
                           <a:solidFill>
                             <a:srgbClr val="000000"/>
                           </a:solidFill>
@@ -40968,7 +44049,7 @@
                         <a:t>      </a:t>
                       </a:r>
                       <a:r>
-                        <a:rPr lang="en-US" sz="1100" b="0" i="0" u="none" strike="noStrike">
+                        <a:rPr lang="en-US" sz="1100" b="0" i="0" u="none" strike="noStrike" dirty="0">
                           <a:solidFill>
                             <a:srgbClr val="001080"/>
                           </a:solidFill>
@@ -40979,7 +44060,7 @@
                         <a:t>level:</a:t>
                       </a:r>
                       <a:r>
-                        <a:rPr lang="en-US" sz="1100" b="0" i="0" u="none" strike="noStrike">
+                        <a:rPr lang="en-US" sz="1100" b="0" i="0" u="none" strike="noStrike" dirty="0">
                           <a:solidFill>
                             <a:srgbClr val="000000"/>
                           </a:solidFill>
@@ -40990,7 +44071,7 @@
                         <a:t> </a:t>
                       </a:r>
                       <a:r>
-                        <a:rPr lang="en-US" sz="1100" b="0" i="0" u="none" strike="noStrike">
+                        <a:rPr lang="en-US" sz="1100" b="0" i="0" u="none" strike="noStrike" dirty="0" err="1">
                           <a:solidFill>
                             <a:srgbClr val="001080"/>
                           </a:solidFill>
@@ -41001,7 +44082,7 @@
                         <a:t>alarm</a:t>
                       </a:r>
                       <a:r>
-                        <a:rPr lang="en-US" sz="1100" b="0" i="0" u="none" strike="noStrike">
+                        <a:rPr lang="en-US" sz="1100" b="0" i="0" u="none" strike="noStrike" dirty="0" err="1">
                           <a:solidFill>
                             <a:srgbClr val="000000"/>
                           </a:solidFill>
@@ -41012,7 +44093,7 @@
                         <a:t>.</a:t>
                       </a:r>
                       <a:r>
-                        <a:rPr lang="en-US" sz="1100" b="0" i="0" u="none" strike="noStrike">
+                        <a:rPr lang="en-US" sz="1100" b="0" i="0" u="none" strike="noStrike" dirty="0" err="1">
                           <a:solidFill>
                             <a:srgbClr val="001080"/>
                           </a:solidFill>
@@ -41023,7 +44104,7 @@
                         <a:t>level</a:t>
                       </a:r>
                       <a:r>
-                        <a:rPr lang="en-US" sz="1100" b="0" i="0" u="none" strike="noStrike">
+                        <a:rPr lang="en-US" sz="1100" b="0" i="0" u="none" strike="noStrike" dirty="0">
                           <a:solidFill>
                             <a:srgbClr val="000000"/>
                           </a:solidFill>
@@ -41034,7 +44115,7 @@
                         <a:t>, </a:t>
                       </a:r>
                       <a:r>
-                        <a:rPr lang="en-US" sz="1100" b="0" i="0" u="none" strike="noStrike">
+                        <a:rPr lang="en-US" sz="1100" b="0" i="0" u="none" strike="noStrike" dirty="0" err="1">
                           <a:solidFill>
                             <a:srgbClr val="001080"/>
                           </a:solidFill>
@@ -41042,10 +44123,21 @@
                           <a:latin typeface="Consolas" panose="020B0609020204030204" pitchFamily="49" charset="0"/>
                           <a:ea typeface="新細明體" panose="02020500000000000000" pitchFamily="18" charset="-120"/>
                         </a:rPr>
-                        <a:t>eventTime:</a:t>
-                      </a:r>
-                      <a:r>
-                        <a:rPr lang="en-US" sz="1100" b="0" i="0" u="none" strike="noStrike">
+                        <a:t>eventTime</a:t>
+                      </a:r>
+                      <a:r>
+                        <a:rPr lang="en-US" sz="1100" b="0" i="0" u="none" strike="noStrike" dirty="0">
+                          <a:solidFill>
+                            <a:srgbClr val="001080"/>
+                          </a:solidFill>
+                          <a:effectLst/>
+                          <a:latin typeface="Consolas" panose="020B0609020204030204" pitchFamily="49" charset="0"/>
+                          <a:ea typeface="新細明體" panose="02020500000000000000" pitchFamily="18" charset="-120"/>
+                        </a:rPr>
+                        <a:t>:</a:t>
+                      </a:r>
+                      <a:r>
+                        <a:rPr lang="en-US" sz="1100" b="0" i="0" u="none" strike="noStrike" dirty="0">
                           <a:solidFill>
                             <a:srgbClr val="000000"/>
                           </a:solidFill>
@@ -41056,7 +44148,7 @@
                         <a:t> </a:t>
                       </a:r>
                       <a:r>
-                        <a:rPr lang="en-US" sz="1100" b="0" i="0" u="none" strike="noStrike">
+                        <a:rPr lang="en-US" sz="1100" b="0" i="0" u="none" strike="noStrike" dirty="0" err="1">
                           <a:solidFill>
                             <a:srgbClr val="001080"/>
                           </a:solidFill>
@@ -41067,7 +44159,7 @@
                         <a:t>alarm</a:t>
                       </a:r>
                       <a:r>
-                        <a:rPr lang="en-US" sz="1100" b="0" i="0" u="none" strike="noStrike">
+                        <a:rPr lang="en-US" sz="1100" b="0" i="0" u="none" strike="noStrike" dirty="0" err="1">
                           <a:solidFill>
                             <a:srgbClr val="000000"/>
                           </a:solidFill>
@@ -41078,7 +44170,7 @@
                         <a:t>.</a:t>
                       </a:r>
                       <a:r>
-                        <a:rPr lang="en-US" sz="1100" b="0" i="0" u="none" strike="noStrike">
+                        <a:rPr lang="en-US" sz="1100" b="0" i="0" u="none" strike="noStrike" dirty="0" err="1">
                           <a:solidFill>
                             <a:srgbClr val="001080"/>
                           </a:solidFill>
@@ -41089,7 +44181,7 @@
                         <a:t>timestamp</a:t>
                       </a:r>
                       <a:r>
-                        <a:rPr lang="en-US" sz="1100" b="0" i="0" u="none" strike="noStrike">
+                        <a:rPr lang="en-US" sz="1100" b="0" i="0" u="none" strike="noStrike" dirty="0" err="1">
                           <a:solidFill>
                             <a:srgbClr val="000000"/>
                           </a:solidFill>
@@ -41100,7 +44192,7 @@
                         <a:t>.</a:t>
                       </a:r>
                       <a:r>
-                        <a:rPr lang="en-US" sz="1100" b="0" i="0" u="none" strike="noStrike">
+                        <a:rPr lang="en-US" sz="1100" b="0" i="0" u="none" strike="noStrike" dirty="0" err="1">
                           <a:solidFill>
                             <a:srgbClr val="795E26"/>
                           </a:solidFill>
@@ -41111,7 +44203,7 @@
                         <a:t>toString</a:t>
                       </a:r>
                       <a:r>
-                        <a:rPr lang="en-US" sz="1100" b="0" i="0" u="none" strike="noStrike">
+                        <a:rPr lang="en-US" sz="1100" b="0" i="0" u="none" strike="noStrike" dirty="0">
                           <a:solidFill>
                             <a:srgbClr val="000000"/>
                           </a:solidFill>
@@ -41250,7 +44342,7 @@
                     <a:p>
                       <a:pPr algn="l" fontAlgn="ctr"/>
                       <a:r>
-                        <a:rPr lang="zh-TW" altLang="en-US" sz="1100" b="0" i="0" u="none" strike="noStrike">
+                        <a:rPr lang="zh-TW" altLang="en-US" sz="1100" b="0" i="0" u="none" strike="noStrike" dirty="0">
                           <a:solidFill>
                             <a:srgbClr val="000000"/>
                           </a:solidFill>
@@ -41261,7 +44353,7 @@
                         <a:t>      </a:t>
                       </a:r>
                       <a:r>
-                        <a:rPr lang="en-US" altLang="zh-TW" sz="1100" b="0" i="0" u="none" strike="noStrike">
+                        <a:rPr lang="en-US" altLang="zh-TW" sz="1100" b="0" i="0" u="none" strike="noStrike" dirty="0">
                           <a:solidFill>
                             <a:srgbClr val="000000"/>
                           </a:solidFill>
@@ -41400,7 +44492,7 @@
                     <a:p>
                       <a:pPr algn="l" fontAlgn="ctr"/>
                       <a:r>
-                        <a:rPr lang="zh-TW" altLang="en-US" sz="1100" b="0" i="0" u="none" strike="noStrike">
+                        <a:rPr lang="zh-TW" altLang="en-US" sz="1100" b="0" i="0" u="none" strike="noStrike" dirty="0">
                           <a:solidFill>
                             <a:srgbClr val="000000"/>
                           </a:solidFill>
@@ -41411,7 +44503,7 @@
                         <a:t>    </a:t>
                       </a:r>
                       <a:r>
-                        <a:rPr lang="en-US" altLang="zh-TW" sz="1100" b="0" i="0" u="none" strike="noStrike">
+                        <a:rPr lang="en-US" altLang="zh-TW" sz="1100" b="0" i="0" u="none" strike="noStrike" dirty="0">
                           <a:solidFill>
                             <a:srgbClr val="000000"/>
                           </a:solidFill>
@@ -41550,7 +44642,7 @@
                     <a:p>
                       <a:pPr algn="l" fontAlgn="ctr"/>
                       <a:r>
-                        <a:rPr lang="zh-TW" altLang="en-US" sz="1100" b="0" i="0" u="none" strike="noStrike">
+                        <a:rPr lang="zh-TW" altLang="en-US" sz="1100" b="0" i="0" u="none" strike="noStrike" dirty="0">
                           <a:solidFill>
                             <a:srgbClr val="000000"/>
                           </a:solidFill>
@@ -41561,7 +44653,7 @@
                         <a:t>  </a:t>
                       </a:r>
                       <a:r>
-                        <a:rPr lang="en-US" altLang="zh-TW" sz="1100" b="0" i="0" u="none" strike="noStrike">
+                        <a:rPr lang="en-US" altLang="zh-TW" sz="1100" b="0" i="0" u="none" strike="noStrike" dirty="0">
                           <a:solidFill>
                             <a:srgbClr val="000000"/>
                           </a:solidFill>
